--- a/Capstone_1_Eskinder-Abebe-Presentation.pptx
+++ b/Capstone_1_Eskinder-Abebe-Presentation.pptx
@@ -5,25 +5,21 @@
     <p:sldMasterId id="2147483769" r:id="rId4"/>
   </p:sldMasterIdLst>
   <p:notesMasterIdLst>
-    <p:notesMasterId r:id="rId18"/>
+    <p:notesMasterId r:id="rId14"/>
   </p:notesMasterIdLst>
   <p:handoutMasterIdLst>
-    <p:handoutMasterId r:id="rId19"/>
+    <p:handoutMasterId r:id="rId15"/>
   </p:handoutMasterIdLst>
   <p:sldIdLst>
     <p:sldId id="330" r:id="rId5"/>
-    <p:sldId id="352" r:id="rId6"/>
-    <p:sldId id="353" r:id="rId7"/>
-    <p:sldId id="354" r:id="rId8"/>
-    <p:sldId id="344" r:id="rId9"/>
-    <p:sldId id="336" r:id="rId10"/>
-    <p:sldId id="339" r:id="rId11"/>
-    <p:sldId id="349" r:id="rId12"/>
-    <p:sldId id="334" r:id="rId13"/>
-    <p:sldId id="331" r:id="rId14"/>
-    <p:sldId id="347" r:id="rId15"/>
-    <p:sldId id="350" r:id="rId16"/>
-    <p:sldId id="332" r:id="rId17"/>
+    <p:sldId id="355" r:id="rId6"/>
+    <p:sldId id="344" r:id="rId7"/>
+    <p:sldId id="356" r:id="rId8"/>
+    <p:sldId id="336" r:id="rId9"/>
+    <p:sldId id="339" r:id="rId10"/>
+    <p:sldId id="349" r:id="rId11"/>
+    <p:sldId id="334" r:id="rId12"/>
+    <p:sldId id="332" r:id="rId13"/>
   </p:sldIdLst>
   <p:sldSz cx="9144000" cy="5143500" type="screen16x9"/>
   <p:notesSz cx="6950075" cy="9236075"/>
@@ -13591,3012 +13587,6 @@
 </p:sld>
 </file>
 
-<file path=ppt/slides/slide10.xml><?xml version="1.0" encoding="utf-8"?>
-<p:sld xmlns:a="http://schemas.openxmlformats.org/drawingml/2006/main" xmlns:r="http://schemas.openxmlformats.org/officeDocument/2006/relationships" xmlns:p="http://schemas.openxmlformats.org/presentationml/2006/main">
-  <p:cSld>
-    <p:spTree>
-      <p:nvGrpSpPr>
-        <p:cNvPr id="1" name=""/>
-        <p:cNvGrpSpPr/>
-        <p:nvPr/>
-      </p:nvGrpSpPr>
-      <p:grpSpPr>
-        <a:xfrm>
-          <a:off x="0" y="0"/>
-          <a:ext cx="0" cy="0"/>
-          <a:chOff x="0" y="0"/>
-          <a:chExt cx="0" cy="0"/>
-        </a:xfrm>
-      </p:grpSpPr>
-      <p:sp>
-        <p:nvSpPr>
-          <p:cNvPr id="8" name="Content Placeholder 7">
-            <a:extLst>
-              <a:ext uri="{FF2B5EF4-FFF2-40B4-BE49-F238E27FC236}">
-                <a16:creationId xmlns:a16="http://schemas.microsoft.com/office/drawing/2014/main" id="{07633A60-68FA-EB48-851F-185DFAC1C529}"/>
-              </a:ext>
-            </a:extLst>
-          </p:cNvPr>
-          <p:cNvSpPr>
-            <a:spLocks noGrp="1"/>
-          </p:cNvSpPr>
-          <p:nvPr>
-            <p:ph sz="half" idx="1"/>
-          </p:nvPr>
-        </p:nvSpPr>
-        <p:spPr/>
-        <p:txBody>
-          <a:bodyPr/>
-          <a:lstStyle/>
-          <a:p>
-            <a:r>
-              <a:rPr lang="en-US" dirty="0"/>
-              <a:t>This slide is a two content option with imagery. To </a:t>
-            </a:r>
-            <a:br>
-              <a:rPr lang="en-US" dirty="0"/>
-            </a:br>
-            <a:r>
-              <a:rPr lang="en-US" dirty="0"/>
-              <a:t>create the blue effect, click on the image, select the </a:t>
-            </a:r>
-            <a:br>
-              <a:rPr lang="en-US" dirty="0"/>
-            </a:br>
-            <a:r>
-              <a:rPr lang="en-US" dirty="0"/>
-              <a:t>picture properties and drop the transparency to the </a:t>
-            </a:r>
-            <a:br>
-              <a:rPr lang="en-US" dirty="0"/>
-            </a:br>
-            <a:r>
-              <a:rPr lang="en-US" dirty="0"/>
-              <a:t>desired opacity.</a:t>
-            </a:r>
-          </a:p>
-        </p:txBody>
-      </p:sp>
-      <p:pic>
-        <p:nvPicPr>
-          <p:cNvPr id="14" name="Picture Placeholder 13">
-            <a:extLst>
-              <a:ext uri="{FF2B5EF4-FFF2-40B4-BE49-F238E27FC236}">
-                <a16:creationId xmlns:a16="http://schemas.microsoft.com/office/drawing/2014/main" id="{E7CF66E4-961A-5B4D-BBD5-6D6F61CF07DB}"/>
-              </a:ext>
-            </a:extLst>
-          </p:cNvPr>
-          <p:cNvPicPr>
-            <a:picLocks noGrp="1" noChangeAspect="1"/>
-          </p:cNvPicPr>
-          <p:nvPr>
-            <p:ph type="pic" sz="quarter" idx="13"/>
-          </p:nvPr>
-        </p:nvPicPr>
-        <p:blipFill rotWithShape="1">
-          <a:blip r:embed="rId2" cstate="screen">
-            <a:alphaModFix amt="69000"/>
-            <a:extLst>
-              <a:ext uri="{28A0092B-C50C-407E-A947-70E740481C1C}">
-                <a14:useLocalDpi xmlns:a14="http://schemas.microsoft.com/office/drawing/2010/main"/>
-              </a:ext>
-            </a:extLst>
-          </a:blip>
-          <a:srcRect/>
-          <a:stretch/>
-        </p:blipFill>
-        <p:spPr>
-          <a:xfrm>
-            <a:off x="504825" y="1655180"/>
-            <a:ext cx="3997701" cy="1296364"/>
-          </a:xfrm>
-        </p:spPr>
-      </p:pic>
-      <p:sp>
-        <p:nvSpPr>
-          <p:cNvPr id="7" name="Title 6">
-            <a:extLst>
-              <a:ext uri="{FF2B5EF4-FFF2-40B4-BE49-F238E27FC236}">
-                <a16:creationId xmlns:a16="http://schemas.microsoft.com/office/drawing/2014/main" id="{BA589A53-2DD7-164C-B603-261A24E6203A}"/>
-              </a:ext>
-            </a:extLst>
-          </p:cNvPr>
-          <p:cNvSpPr>
-            <a:spLocks noGrp="1"/>
-          </p:cNvSpPr>
-          <p:nvPr>
-            <p:ph type="title"/>
-          </p:nvPr>
-        </p:nvSpPr>
-        <p:spPr/>
-        <p:txBody>
-          <a:bodyPr/>
-          <a:lstStyle/>
-          <a:p>
-            <a:r>
-              <a:rPr lang="en-US" dirty="0"/>
-              <a:t>This Headline is Arial Regular in Dark Blue</a:t>
-            </a:r>
-          </a:p>
-        </p:txBody>
-      </p:sp>
-      <p:sp>
-        <p:nvSpPr>
-          <p:cNvPr id="10" name="Content Placeholder 9">
-            <a:extLst>
-              <a:ext uri="{FF2B5EF4-FFF2-40B4-BE49-F238E27FC236}">
-                <a16:creationId xmlns:a16="http://schemas.microsoft.com/office/drawing/2014/main" id="{A7F5E52A-3874-BD41-ADC1-993E24BBB1A4}"/>
-              </a:ext>
-            </a:extLst>
-          </p:cNvPr>
-          <p:cNvSpPr>
-            <a:spLocks noGrp="1"/>
-          </p:cNvSpPr>
-          <p:nvPr>
-            <p:ph sz="half" idx="14"/>
-          </p:nvPr>
-        </p:nvSpPr>
-        <p:spPr/>
-        <p:txBody>
-          <a:bodyPr/>
-          <a:lstStyle/>
-          <a:p>
-            <a:r>
-              <a:rPr lang="en-US"/>
-              <a:t>Et alique prorenim ipsa sum etur? Qui consed most aut quia is voloria voluptatio beror sam, sites vollant, teceaque volorep erchil maximolupta sit, quo tem quunt rem quaeres ciiscia tenimo mo verecus, quis ut aliaess</a:t>
-            </a:r>
-            <a:endParaRPr lang="en-US" dirty="0"/>
-          </a:p>
-        </p:txBody>
-      </p:sp>
-      <p:pic>
-        <p:nvPicPr>
-          <p:cNvPr id="16" name="Picture Placeholder 15">
-            <a:extLst>
-              <a:ext uri="{FF2B5EF4-FFF2-40B4-BE49-F238E27FC236}">
-                <a16:creationId xmlns:a16="http://schemas.microsoft.com/office/drawing/2014/main" id="{58B0F8A2-7739-C346-8D02-11BE3B0C9BFE}"/>
-              </a:ext>
-            </a:extLst>
-          </p:cNvPr>
-          <p:cNvPicPr>
-            <a:picLocks noGrp="1" noChangeAspect="1"/>
-          </p:cNvPicPr>
-          <p:nvPr>
-            <p:ph type="pic" sz="quarter" idx="15"/>
-          </p:nvPr>
-        </p:nvPicPr>
-        <p:blipFill>
-          <a:blip r:embed="rId3" cstate="screen">
-            <a:alphaModFix amt="65000"/>
-            <a:extLst>
-              <a:ext uri="{28A0092B-C50C-407E-A947-70E740481C1C}">
-                <a14:useLocalDpi xmlns:a14="http://schemas.microsoft.com/office/drawing/2010/main"/>
-              </a:ext>
-            </a:extLst>
-          </a:blip>
-          <a:srcRect/>
-          <a:stretch>
-            <a:fillRect/>
-          </a:stretch>
-        </p:blipFill>
-        <p:spPr/>
-      </p:pic>
-      <p:sp>
-        <p:nvSpPr>
-          <p:cNvPr id="17" name="Slide Number Placeholder 5">
-            <a:extLst>
-              <a:ext uri="{FF2B5EF4-FFF2-40B4-BE49-F238E27FC236}">
-                <a16:creationId xmlns:a16="http://schemas.microsoft.com/office/drawing/2014/main" id="{A4A90959-A04F-464A-8A3B-FE3ACB882A44}"/>
-              </a:ext>
-            </a:extLst>
-          </p:cNvPr>
-          <p:cNvSpPr>
-            <a:spLocks noGrp="1"/>
-          </p:cNvSpPr>
-          <p:nvPr>
-            <p:ph type="sldNum" sz="quarter" idx="12"/>
-          </p:nvPr>
-        </p:nvSpPr>
-        <p:spPr/>
-        <p:txBody>
-          <a:bodyPr/>
-          <a:lstStyle/>
-          <a:p>
-            <a:fld id="{535EF33A-04D8-4107-96E5-33B70AE88DFF}" type="slidenum">
-              <a:rPr lang="en-US" smtClean="0"/>
-              <a:pPr/>
-              <a:t>10</a:t>
-            </a:fld>
-            <a:endParaRPr lang="en-US" dirty="0"/>
-          </a:p>
-        </p:txBody>
-      </p:sp>
-      <p:sp>
-        <p:nvSpPr>
-          <p:cNvPr id="12" name="Text Placeholder 11">
-            <a:extLst>
-              <a:ext uri="{FF2B5EF4-FFF2-40B4-BE49-F238E27FC236}">
-                <a16:creationId xmlns:a16="http://schemas.microsoft.com/office/drawing/2014/main" id="{32F0EFD3-FAD0-B04F-AFFE-BE3E7BB589D5}"/>
-              </a:ext>
-            </a:extLst>
-          </p:cNvPr>
-          <p:cNvSpPr>
-            <a:spLocks noGrp="1"/>
-          </p:cNvSpPr>
-          <p:nvPr>
-            <p:ph type="body" sz="quarter" idx="16"/>
-          </p:nvPr>
-        </p:nvSpPr>
-        <p:spPr/>
-        <p:txBody>
-          <a:bodyPr/>
-          <a:lstStyle/>
-          <a:p>
-            <a:r>
-              <a:rPr lang="en-US" dirty="0"/>
-              <a:t>This Subtitle is Arial in Light Orange</a:t>
-            </a:r>
-          </a:p>
-        </p:txBody>
-      </p:sp>
-    </p:spTree>
-    <p:extLst>
-      <p:ext uri="{BB962C8B-B14F-4D97-AF65-F5344CB8AC3E}">
-        <p14:creationId xmlns:p14="http://schemas.microsoft.com/office/powerpoint/2010/main" val="1549109453"/>
-      </p:ext>
-    </p:extLst>
-  </p:cSld>
-  <p:clrMapOvr>
-    <a:masterClrMapping/>
-  </p:clrMapOvr>
-  <mc:AlternateContent xmlns:mc="http://schemas.openxmlformats.org/markup-compatibility/2006" xmlns:p14="http://schemas.microsoft.com/office/powerpoint/2010/main">
-    <mc:Choice Requires="p14">
-      <p:transition spd="med" p14:dur="700">
-        <p:fade/>
-      </p:transition>
-    </mc:Choice>
-    <mc:Fallback xmlns="">
-      <p:transition spd="med">
-        <p:fade/>
-      </p:transition>
-    </mc:Fallback>
-  </mc:AlternateContent>
-</p:sld>
-</file>
-
-<file path=ppt/slides/slide11.xml><?xml version="1.0" encoding="utf-8"?>
-<p:sld xmlns:a="http://schemas.openxmlformats.org/drawingml/2006/main" xmlns:r="http://schemas.openxmlformats.org/officeDocument/2006/relationships" xmlns:p="http://schemas.openxmlformats.org/presentationml/2006/main">
-  <p:cSld>
-    <p:spTree>
-      <p:nvGrpSpPr>
-        <p:cNvPr id="1" name=""/>
-        <p:cNvGrpSpPr/>
-        <p:nvPr/>
-      </p:nvGrpSpPr>
-      <p:grpSpPr>
-        <a:xfrm>
-          <a:off x="0" y="0"/>
-          <a:ext cx="0" cy="0"/>
-          <a:chOff x="0" y="0"/>
-          <a:chExt cx="0" cy="0"/>
-        </a:xfrm>
-      </p:grpSpPr>
-      <p:sp>
-        <p:nvSpPr>
-          <p:cNvPr id="11" name="Title 10">
-            <a:extLst>
-              <a:ext uri="{FF2B5EF4-FFF2-40B4-BE49-F238E27FC236}">
-                <a16:creationId xmlns:a16="http://schemas.microsoft.com/office/drawing/2014/main" id="{A012C97D-D760-344C-8841-C4BF32B53B0C}"/>
-              </a:ext>
-            </a:extLst>
-          </p:cNvPr>
-          <p:cNvSpPr>
-            <a:spLocks noGrp="1"/>
-          </p:cNvSpPr>
-          <p:nvPr>
-            <p:ph type="title"/>
-          </p:nvPr>
-        </p:nvSpPr>
-        <p:spPr/>
-        <p:txBody>
-          <a:bodyPr/>
-          <a:lstStyle/>
-          <a:p>
-            <a:r>
-              <a:rPr lang="en-US"/>
-              <a:t>This Headline is Arial Regular in Dark Blue</a:t>
-            </a:r>
-            <a:endParaRPr lang="en-US" dirty="0"/>
-          </a:p>
-        </p:txBody>
-      </p:sp>
-      <p:sp>
-        <p:nvSpPr>
-          <p:cNvPr id="8" name="Content Placeholder 7">
-            <a:extLst>
-              <a:ext uri="{FF2B5EF4-FFF2-40B4-BE49-F238E27FC236}">
-                <a16:creationId xmlns:a16="http://schemas.microsoft.com/office/drawing/2014/main" id="{B663B186-450F-E344-81E6-B64A062B00D0}"/>
-              </a:ext>
-            </a:extLst>
-          </p:cNvPr>
-          <p:cNvSpPr>
-            <a:spLocks noGrp="1"/>
-          </p:cNvSpPr>
-          <p:nvPr>
-            <p:ph idx="1"/>
-          </p:nvPr>
-        </p:nvSpPr>
-        <p:spPr/>
-        <p:txBody>
-          <a:bodyPr>
-            <a:normAutofit lnSpcReduction="10000"/>
-          </a:bodyPr>
-          <a:lstStyle/>
-          <a:p>
-            <a:r>
-              <a:rPr lang="en-US" b="1" dirty="0">
-                <a:solidFill>
-                  <a:srgbClr val="0097D9"/>
-                </a:solidFill>
-              </a:rPr>
-              <a:t>Et </a:t>
-            </a:r>
-            <a:r>
-              <a:rPr lang="en-US" b="1" dirty="0" err="1">
-                <a:solidFill>
-                  <a:srgbClr val="0097D9"/>
-                </a:solidFill>
-              </a:rPr>
-              <a:t>alique</a:t>
-            </a:r>
-            <a:r>
-              <a:rPr lang="en-US" b="1" dirty="0">
-                <a:solidFill>
-                  <a:srgbClr val="0097D9"/>
-                </a:solidFill>
-              </a:rPr>
-              <a:t> </a:t>
-            </a:r>
-            <a:r>
-              <a:rPr lang="en-US" b="1" dirty="0" err="1">
-                <a:solidFill>
-                  <a:srgbClr val="0097D9"/>
-                </a:solidFill>
-              </a:rPr>
-              <a:t>prorenim</a:t>
-            </a:r>
-            <a:r>
-              <a:rPr lang="en-US" b="1" dirty="0">
-                <a:solidFill>
-                  <a:srgbClr val="0097D9"/>
-                </a:solidFill>
-              </a:rPr>
-              <a:t> </a:t>
-            </a:r>
-            <a:r>
-              <a:rPr lang="en-US" b="1" dirty="0" err="1">
-                <a:solidFill>
-                  <a:srgbClr val="0097D9"/>
-                </a:solidFill>
-              </a:rPr>
-              <a:t>ipsa</a:t>
-            </a:r>
-            <a:r>
-              <a:rPr lang="en-US" b="1" dirty="0">
-                <a:solidFill>
-                  <a:srgbClr val="0097D9"/>
-                </a:solidFill>
-              </a:rPr>
-              <a:t> sum </a:t>
-            </a:r>
-            <a:r>
-              <a:rPr lang="en-US" b="1" dirty="0" err="1">
-                <a:solidFill>
-                  <a:srgbClr val="0097D9"/>
-                </a:solidFill>
-              </a:rPr>
-              <a:t>etur</a:t>
-            </a:r>
-            <a:r>
-              <a:rPr lang="en-US" b="1" dirty="0">
-                <a:solidFill>
-                  <a:srgbClr val="0097D9"/>
-                </a:solidFill>
-              </a:rPr>
-              <a:t>? </a:t>
-            </a:r>
-            <a:r>
-              <a:rPr lang="en-US" dirty="0"/>
-              <a:t>Qui </a:t>
-            </a:r>
-            <a:r>
-              <a:rPr lang="en-US" dirty="0" err="1"/>
-              <a:t>consed</a:t>
-            </a:r>
-            <a:r>
-              <a:rPr lang="en-US" dirty="0"/>
-              <a:t> most </a:t>
-            </a:r>
-            <a:r>
-              <a:rPr lang="en-US" dirty="0" err="1"/>
-              <a:t>aut</a:t>
-            </a:r>
-            <a:r>
-              <a:rPr lang="en-US" dirty="0"/>
-              <a:t> </a:t>
-            </a:r>
-            <a:r>
-              <a:rPr lang="en-US" dirty="0" err="1"/>
-              <a:t>quia</a:t>
-            </a:r>
-            <a:r>
-              <a:rPr lang="en-US" dirty="0"/>
-              <a:t> is </a:t>
-            </a:r>
-            <a:r>
-              <a:rPr lang="en-US" dirty="0" err="1"/>
-              <a:t>voloria</a:t>
-            </a:r>
-            <a:r>
-              <a:rPr lang="en-US" dirty="0"/>
-              <a:t> </a:t>
-            </a:r>
-            <a:r>
-              <a:rPr lang="en-US" dirty="0" err="1"/>
-              <a:t>voluptatio</a:t>
-            </a:r>
-            <a:r>
-              <a:rPr lang="en-US" dirty="0"/>
-              <a:t> </a:t>
-            </a:r>
-            <a:r>
-              <a:rPr lang="en-US" dirty="0" err="1"/>
-              <a:t>beror</a:t>
-            </a:r>
-            <a:r>
-              <a:rPr lang="en-US" dirty="0"/>
-              <a:t> </a:t>
-            </a:r>
-            <a:r>
-              <a:rPr lang="en-US" dirty="0" err="1"/>
-              <a:t>sam</a:t>
-            </a:r>
-            <a:r>
-              <a:rPr lang="en-US" dirty="0"/>
-              <a:t>, sites </a:t>
-            </a:r>
-            <a:r>
-              <a:rPr lang="en-US" dirty="0" err="1"/>
-              <a:t>vollant</a:t>
-            </a:r>
-            <a:r>
-              <a:rPr lang="en-US" dirty="0"/>
-              <a:t>, </a:t>
-            </a:r>
-            <a:r>
-              <a:rPr lang="en-US" dirty="0" err="1"/>
-              <a:t>teceaque</a:t>
-            </a:r>
-            <a:r>
-              <a:rPr lang="en-US" dirty="0"/>
-              <a:t> </a:t>
-            </a:r>
-            <a:r>
-              <a:rPr lang="en-US" dirty="0" err="1"/>
-              <a:t>volorep</a:t>
-            </a:r>
-            <a:r>
-              <a:rPr lang="en-US" dirty="0"/>
-              <a:t> </a:t>
-            </a:r>
-            <a:r>
-              <a:rPr lang="en-US" dirty="0" err="1"/>
-              <a:t>erchil</a:t>
-            </a:r>
-            <a:r>
-              <a:rPr lang="en-US" dirty="0"/>
-              <a:t> </a:t>
-            </a:r>
-            <a:r>
-              <a:rPr lang="en-US" dirty="0" err="1"/>
-              <a:t>maximolupta</a:t>
-            </a:r>
-            <a:r>
-              <a:rPr lang="en-US" dirty="0"/>
-              <a:t> sit, quo </a:t>
-            </a:r>
-            <a:r>
-              <a:rPr lang="en-US" dirty="0" err="1"/>
-              <a:t>tem</a:t>
-            </a:r>
-            <a:r>
-              <a:rPr lang="en-US" dirty="0"/>
-              <a:t> </a:t>
-            </a:r>
-            <a:r>
-              <a:rPr lang="en-US" dirty="0" err="1"/>
-              <a:t>quunt</a:t>
-            </a:r>
-            <a:r>
-              <a:rPr lang="en-US" dirty="0"/>
-              <a:t> rem </a:t>
-            </a:r>
-            <a:r>
-              <a:rPr lang="en-US" dirty="0" err="1"/>
-              <a:t>quaeres</a:t>
-            </a:r>
-            <a:r>
-              <a:rPr lang="en-US" dirty="0"/>
-              <a:t> </a:t>
-            </a:r>
-            <a:r>
-              <a:rPr lang="en-US" dirty="0" err="1"/>
-              <a:t>ciiscia</a:t>
-            </a:r>
-            <a:r>
-              <a:rPr lang="en-US" dirty="0"/>
-              <a:t> </a:t>
-            </a:r>
-            <a:r>
-              <a:rPr lang="en-US" dirty="0" err="1"/>
-              <a:t>tenimo</a:t>
-            </a:r>
-            <a:r>
-              <a:rPr lang="en-US" dirty="0"/>
-              <a:t> </a:t>
-            </a:r>
-            <a:r>
-              <a:rPr lang="en-US" dirty="0" err="1"/>
-              <a:t>mo</a:t>
-            </a:r>
-            <a:r>
-              <a:rPr lang="en-US" dirty="0"/>
-              <a:t> </a:t>
-            </a:r>
-            <a:r>
-              <a:rPr lang="en-US" dirty="0" err="1"/>
-              <a:t>verecus</a:t>
-            </a:r>
-            <a:r>
-              <a:rPr lang="en-US" dirty="0"/>
-              <a:t>, </a:t>
-            </a:r>
-            <a:r>
-              <a:rPr lang="en-US" dirty="0" err="1"/>
-              <a:t>quis</a:t>
-            </a:r>
-            <a:r>
-              <a:rPr lang="en-US" dirty="0"/>
-              <a:t> </a:t>
-            </a:r>
-            <a:r>
-              <a:rPr lang="en-US" dirty="0" err="1"/>
-              <a:t>ut</a:t>
-            </a:r>
-            <a:r>
-              <a:rPr lang="en-US" dirty="0"/>
-              <a:t> </a:t>
-            </a:r>
-            <a:r>
-              <a:rPr lang="en-US" dirty="0" err="1"/>
-              <a:t>aliaess</a:t>
-            </a:r>
-            <a:endParaRPr lang="en-US" dirty="0"/>
-          </a:p>
-          <a:p>
-            <a:r>
-              <a:rPr lang="en-US" b="1" dirty="0">
-                <a:solidFill>
-                  <a:srgbClr val="0097D9"/>
-                </a:solidFill>
-              </a:rPr>
-              <a:t>Et </a:t>
-            </a:r>
-            <a:r>
-              <a:rPr lang="en-US" b="1" dirty="0" err="1">
-                <a:solidFill>
-                  <a:srgbClr val="0097D9"/>
-                </a:solidFill>
-              </a:rPr>
-              <a:t>alique</a:t>
-            </a:r>
-            <a:r>
-              <a:rPr lang="en-US" b="1" dirty="0">
-                <a:solidFill>
-                  <a:srgbClr val="0097D9"/>
-                </a:solidFill>
-              </a:rPr>
-              <a:t> </a:t>
-            </a:r>
-            <a:r>
-              <a:rPr lang="en-US" b="1" dirty="0" err="1">
-                <a:solidFill>
-                  <a:srgbClr val="0097D9"/>
-                </a:solidFill>
-              </a:rPr>
-              <a:t>prorenim</a:t>
-            </a:r>
-            <a:r>
-              <a:rPr lang="en-US" b="1" dirty="0">
-                <a:solidFill>
-                  <a:srgbClr val="0097D9"/>
-                </a:solidFill>
-              </a:rPr>
-              <a:t> </a:t>
-            </a:r>
-            <a:r>
-              <a:rPr lang="en-US" b="1" dirty="0" err="1">
-                <a:solidFill>
-                  <a:srgbClr val="0097D9"/>
-                </a:solidFill>
-              </a:rPr>
-              <a:t>ipsa</a:t>
-            </a:r>
-            <a:r>
-              <a:rPr lang="en-US" b="1" dirty="0">
-                <a:solidFill>
-                  <a:srgbClr val="0097D9"/>
-                </a:solidFill>
-              </a:rPr>
-              <a:t> sum </a:t>
-            </a:r>
-            <a:r>
-              <a:rPr lang="en-US" b="1" dirty="0" err="1">
-                <a:solidFill>
-                  <a:srgbClr val="0097D9"/>
-                </a:solidFill>
-              </a:rPr>
-              <a:t>etur</a:t>
-            </a:r>
-            <a:r>
-              <a:rPr lang="en-US" b="1" dirty="0">
-                <a:solidFill>
-                  <a:srgbClr val="0097D9"/>
-                </a:solidFill>
-              </a:rPr>
-              <a:t>? </a:t>
-            </a:r>
-            <a:r>
-              <a:rPr lang="en-US" dirty="0"/>
-              <a:t>Qui </a:t>
-            </a:r>
-            <a:r>
-              <a:rPr lang="en-US" dirty="0" err="1"/>
-              <a:t>consed</a:t>
-            </a:r>
-            <a:r>
-              <a:rPr lang="en-US" dirty="0"/>
-              <a:t> most </a:t>
-            </a:r>
-            <a:r>
-              <a:rPr lang="en-US" dirty="0" err="1"/>
-              <a:t>aut</a:t>
-            </a:r>
-            <a:r>
-              <a:rPr lang="en-US" dirty="0"/>
-              <a:t> </a:t>
-            </a:r>
-            <a:r>
-              <a:rPr lang="en-US" dirty="0" err="1"/>
-              <a:t>quia</a:t>
-            </a:r>
-            <a:r>
-              <a:rPr lang="en-US" dirty="0"/>
-              <a:t> is </a:t>
-            </a:r>
-            <a:r>
-              <a:rPr lang="en-US" dirty="0" err="1"/>
-              <a:t>voloria</a:t>
-            </a:r>
-            <a:r>
-              <a:rPr lang="en-US" dirty="0"/>
-              <a:t> </a:t>
-            </a:r>
-            <a:r>
-              <a:rPr lang="en-US" dirty="0" err="1"/>
-              <a:t>voluptatio</a:t>
-            </a:r>
-            <a:r>
-              <a:rPr lang="en-US" dirty="0"/>
-              <a:t> </a:t>
-            </a:r>
-            <a:r>
-              <a:rPr lang="en-US" dirty="0" err="1"/>
-              <a:t>beror</a:t>
-            </a:r>
-            <a:r>
-              <a:rPr lang="en-US" dirty="0"/>
-              <a:t> </a:t>
-            </a:r>
-            <a:r>
-              <a:rPr lang="en-US" dirty="0" err="1"/>
-              <a:t>sam</a:t>
-            </a:r>
-            <a:r>
-              <a:rPr lang="en-US" dirty="0"/>
-              <a:t>, sites </a:t>
-            </a:r>
-            <a:r>
-              <a:rPr lang="en-US" dirty="0" err="1"/>
-              <a:t>vollant</a:t>
-            </a:r>
-            <a:r>
-              <a:rPr lang="en-US" dirty="0"/>
-              <a:t>, </a:t>
-            </a:r>
-            <a:r>
-              <a:rPr lang="en-US" dirty="0" err="1"/>
-              <a:t>teceaque</a:t>
-            </a:r>
-            <a:r>
-              <a:rPr lang="en-US" dirty="0"/>
-              <a:t> </a:t>
-            </a:r>
-            <a:r>
-              <a:rPr lang="en-US" dirty="0" err="1"/>
-              <a:t>volorep</a:t>
-            </a:r>
-            <a:r>
-              <a:rPr lang="en-US" dirty="0"/>
-              <a:t> </a:t>
-            </a:r>
-            <a:r>
-              <a:rPr lang="en-US" dirty="0" err="1"/>
-              <a:t>erchil</a:t>
-            </a:r>
-            <a:r>
-              <a:rPr lang="en-US" dirty="0"/>
-              <a:t> </a:t>
-            </a:r>
-            <a:r>
-              <a:rPr lang="en-US" dirty="0" err="1"/>
-              <a:t>maximolupta</a:t>
-            </a:r>
-            <a:r>
-              <a:rPr lang="en-US" dirty="0"/>
-              <a:t> sit, quo </a:t>
-            </a:r>
-            <a:r>
-              <a:rPr lang="en-US" dirty="0" err="1"/>
-              <a:t>tem</a:t>
-            </a:r>
-            <a:r>
-              <a:rPr lang="en-US" dirty="0"/>
-              <a:t> </a:t>
-            </a:r>
-            <a:r>
-              <a:rPr lang="en-US" dirty="0" err="1"/>
-              <a:t>quunt</a:t>
-            </a:r>
-            <a:r>
-              <a:rPr lang="en-US" dirty="0"/>
-              <a:t> rem </a:t>
-            </a:r>
-            <a:r>
-              <a:rPr lang="en-US" dirty="0" err="1"/>
-              <a:t>quaeres</a:t>
-            </a:r>
-            <a:r>
-              <a:rPr lang="en-US" dirty="0"/>
-              <a:t> </a:t>
-            </a:r>
-            <a:r>
-              <a:rPr lang="en-US" dirty="0" err="1"/>
-              <a:t>ciiscia</a:t>
-            </a:r>
-            <a:r>
-              <a:rPr lang="en-US" dirty="0"/>
-              <a:t> </a:t>
-            </a:r>
-            <a:r>
-              <a:rPr lang="en-US" dirty="0" err="1"/>
-              <a:t>tenimo</a:t>
-            </a:r>
-            <a:r>
-              <a:rPr lang="en-US" dirty="0"/>
-              <a:t> </a:t>
-            </a:r>
-            <a:r>
-              <a:rPr lang="en-US" dirty="0" err="1"/>
-              <a:t>mo</a:t>
-            </a:r>
-            <a:r>
-              <a:rPr lang="en-US" dirty="0"/>
-              <a:t> </a:t>
-            </a:r>
-            <a:r>
-              <a:rPr lang="en-US" dirty="0" err="1"/>
-              <a:t>verecus</a:t>
-            </a:r>
-            <a:r>
-              <a:rPr lang="en-US" dirty="0"/>
-              <a:t>, </a:t>
-            </a:r>
-            <a:r>
-              <a:rPr lang="en-US" dirty="0" err="1"/>
-              <a:t>quis</a:t>
-            </a:r>
-            <a:r>
-              <a:rPr lang="en-US" dirty="0"/>
-              <a:t> </a:t>
-            </a:r>
-            <a:r>
-              <a:rPr lang="en-US" dirty="0" err="1"/>
-              <a:t>ut</a:t>
-            </a:r>
-            <a:r>
-              <a:rPr lang="en-US" dirty="0"/>
-              <a:t> </a:t>
-            </a:r>
-            <a:r>
-              <a:rPr lang="en-US" dirty="0" err="1"/>
-              <a:t>aliaess</a:t>
-            </a:r>
-            <a:endParaRPr lang="en-US" dirty="0"/>
-          </a:p>
-          <a:p>
-            <a:r>
-              <a:rPr lang="en-US" b="1" dirty="0">
-                <a:solidFill>
-                  <a:srgbClr val="0097D9"/>
-                </a:solidFill>
-              </a:rPr>
-              <a:t>Et </a:t>
-            </a:r>
-            <a:r>
-              <a:rPr lang="en-US" b="1" dirty="0" err="1">
-                <a:solidFill>
-                  <a:srgbClr val="0097D9"/>
-                </a:solidFill>
-              </a:rPr>
-              <a:t>alique</a:t>
-            </a:r>
-            <a:r>
-              <a:rPr lang="en-US" b="1" dirty="0">
-                <a:solidFill>
-                  <a:srgbClr val="0097D9"/>
-                </a:solidFill>
-              </a:rPr>
-              <a:t> </a:t>
-            </a:r>
-            <a:r>
-              <a:rPr lang="en-US" b="1" dirty="0" err="1">
-                <a:solidFill>
-                  <a:srgbClr val="0097D9"/>
-                </a:solidFill>
-              </a:rPr>
-              <a:t>prorenim</a:t>
-            </a:r>
-            <a:r>
-              <a:rPr lang="en-US" b="1" dirty="0">
-                <a:solidFill>
-                  <a:srgbClr val="0097D9"/>
-                </a:solidFill>
-              </a:rPr>
-              <a:t> </a:t>
-            </a:r>
-            <a:r>
-              <a:rPr lang="en-US" b="1" dirty="0" err="1">
-                <a:solidFill>
-                  <a:srgbClr val="0097D9"/>
-                </a:solidFill>
-              </a:rPr>
-              <a:t>ipsa</a:t>
-            </a:r>
-            <a:r>
-              <a:rPr lang="en-US" b="1" dirty="0">
-                <a:solidFill>
-                  <a:srgbClr val="0097D9"/>
-                </a:solidFill>
-              </a:rPr>
-              <a:t> sum </a:t>
-            </a:r>
-            <a:r>
-              <a:rPr lang="en-US" b="1" dirty="0" err="1">
-                <a:solidFill>
-                  <a:srgbClr val="0097D9"/>
-                </a:solidFill>
-              </a:rPr>
-              <a:t>etur</a:t>
-            </a:r>
-            <a:r>
-              <a:rPr lang="en-US" b="1" dirty="0">
-                <a:solidFill>
-                  <a:srgbClr val="0097D9"/>
-                </a:solidFill>
-              </a:rPr>
-              <a:t>? </a:t>
-            </a:r>
-            <a:r>
-              <a:rPr lang="en-US" dirty="0"/>
-              <a:t>Qui </a:t>
-            </a:r>
-            <a:r>
-              <a:rPr lang="en-US" dirty="0" err="1"/>
-              <a:t>consed</a:t>
-            </a:r>
-            <a:r>
-              <a:rPr lang="en-US" dirty="0"/>
-              <a:t> most </a:t>
-            </a:r>
-            <a:r>
-              <a:rPr lang="en-US" dirty="0" err="1"/>
-              <a:t>aut</a:t>
-            </a:r>
-            <a:r>
-              <a:rPr lang="en-US" dirty="0"/>
-              <a:t> </a:t>
-            </a:r>
-            <a:r>
-              <a:rPr lang="en-US" dirty="0" err="1"/>
-              <a:t>quia</a:t>
-            </a:r>
-            <a:r>
-              <a:rPr lang="en-US" dirty="0"/>
-              <a:t> is </a:t>
-            </a:r>
-            <a:r>
-              <a:rPr lang="en-US" dirty="0" err="1"/>
-              <a:t>voloria</a:t>
-            </a:r>
-            <a:r>
-              <a:rPr lang="en-US" dirty="0"/>
-              <a:t> </a:t>
-            </a:r>
-            <a:r>
-              <a:rPr lang="en-US" dirty="0" err="1"/>
-              <a:t>voluptatio</a:t>
-            </a:r>
-            <a:r>
-              <a:rPr lang="en-US" dirty="0"/>
-              <a:t> </a:t>
-            </a:r>
-            <a:r>
-              <a:rPr lang="en-US" dirty="0" err="1"/>
-              <a:t>beror</a:t>
-            </a:r>
-            <a:r>
-              <a:rPr lang="en-US" dirty="0"/>
-              <a:t> </a:t>
-            </a:r>
-            <a:r>
-              <a:rPr lang="en-US" dirty="0" err="1"/>
-              <a:t>sam</a:t>
-            </a:r>
-            <a:r>
-              <a:rPr lang="en-US" dirty="0"/>
-              <a:t>, sites </a:t>
-            </a:r>
-            <a:r>
-              <a:rPr lang="en-US" dirty="0" err="1"/>
-              <a:t>vollant</a:t>
-            </a:r>
-            <a:r>
-              <a:rPr lang="en-US" dirty="0"/>
-              <a:t>, </a:t>
-            </a:r>
-            <a:r>
-              <a:rPr lang="en-US" dirty="0" err="1"/>
-              <a:t>teceaque</a:t>
-            </a:r>
-            <a:r>
-              <a:rPr lang="en-US" dirty="0"/>
-              <a:t> </a:t>
-            </a:r>
-            <a:r>
-              <a:rPr lang="en-US" dirty="0" err="1"/>
-              <a:t>volorep</a:t>
-            </a:r>
-            <a:r>
-              <a:rPr lang="en-US" dirty="0"/>
-              <a:t> </a:t>
-            </a:r>
-            <a:r>
-              <a:rPr lang="en-US" dirty="0" err="1"/>
-              <a:t>erchil</a:t>
-            </a:r>
-            <a:r>
-              <a:rPr lang="en-US" dirty="0"/>
-              <a:t> </a:t>
-            </a:r>
-            <a:r>
-              <a:rPr lang="en-US" dirty="0" err="1"/>
-              <a:t>maximolupta</a:t>
-            </a:r>
-            <a:r>
-              <a:rPr lang="en-US" dirty="0"/>
-              <a:t> sit, quo </a:t>
-            </a:r>
-            <a:r>
-              <a:rPr lang="en-US" dirty="0" err="1"/>
-              <a:t>tem</a:t>
-            </a:r>
-            <a:r>
-              <a:rPr lang="en-US" dirty="0"/>
-              <a:t> </a:t>
-            </a:r>
-            <a:r>
-              <a:rPr lang="en-US" dirty="0" err="1"/>
-              <a:t>quunt</a:t>
-            </a:r>
-            <a:r>
-              <a:rPr lang="en-US" dirty="0"/>
-              <a:t> rem </a:t>
-            </a:r>
-            <a:r>
-              <a:rPr lang="en-US" dirty="0" err="1"/>
-              <a:t>quaeres</a:t>
-            </a:r>
-            <a:r>
-              <a:rPr lang="en-US" dirty="0"/>
-              <a:t> </a:t>
-            </a:r>
-            <a:r>
-              <a:rPr lang="en-US" dirty="0" err="1"/>
-              <a:t>ciiscia</a:t>
-            </a:r>
-            <a:r>
-              <a:rPr lang="en-US" dirty="0"/>
-              <a:t> </a:t>
-            </a:r>
-            <a:r>
-              <a:rPr lang="en-US" dirty="0" err="1"/>
-              <a:t>tenimo</a:t>
-            </a:r>
-            <a:r>
-              <a:rPr lang="en-US" dirty="0"/>
-              <a:t> </a:t>
-            </a:r>
-            <a:r>
-              <a:rPr lang="en-US" dirty="0" err="1"/>
-              <a:t>mo</a:t>
-            </a:r>
-            <a:r>
-              <a:rPr lang="en-US" dirty="0"/>
-              <a:t> </a:t>
-            </a:r>
-            <a:r>
-              <a:rPr lang="en-US" dirty="0" err="1"/>
-              <a:t>verecus</a:t>
-            </a:r>
-            <a:r>
-              <a:rPr lang="en-US" dirty="0"/>
-              <a:t>, </a:t>
-            </a:r>
-            <a:r>
-              <a:rPr lang="en-US" dirty="0" err="1"/>
-              <a:t>quis</a:t>
-            </a:r>
-            <a:r>
-              <a:rPr lang="en-US" dirty="0"/>
-              <a:t> </a:t>
-            </a:r>
-            <a:r>
-              <a:rPr lang="en-US" dirty="0" err="1"/>
-              <a:t>ut</a:t>
-            </a:r>
-            <a:r>
-              <a:rPr lang="en-US" dirty="0"/>
-              <a:t> </a:t>
-            </a:r>
-            <a:r>
-              <a:rPr lang="en-US" dirty="0" err="1"/>
-              <a:t>aliaess</a:t>
-            </a:r>
-            <a:endParaRPr lang="en-US" dirty="0"/>
-          </a:p>
-        </p:txBody>
-      </p:sp>
-      <p:sp>
-        <p:nvSpPr>
-          <p:cNvPr id="18" name="Slide Number Placeholder 5">
-            <a:extLst>
-              <a:ext uri="{FF2B5EF4-FFF2-40B4-BE49-F238E27FC236}">
-                <a16:creationId xmlns:a16="http://schemas.microsoft.com/office/drawing/2014/main" id="{10109F79-D1BF-9243-A032-356088E65B65}"/>
-              </a:ext>
-            </a:extLst>
-          </p:cNvPr>
-          <p:cNvSpPr>
-            <a:spLocks noGrp="1"/>
-          </p:cNvSpPr>
-          <p:nvPr>
-            <p:ph type="sldNum" sz="quarter" idx="12"/>
-          </p:nvPr>
-        </p:nvSpPr>
-        <p:spPr/>
-        <p:txBody>
-          <a:bodyPr/>
-          <a:lstStyle/>
-          <a:p>
-            <a:fld id="{535EF33A-04D8-4107-96E5-33B70AE88DFF}" type="slidenum">
-              <a:rPr lang="en-US" smtClean="0"/>
-              <a:pPr/>
-              <a:t>11</a:t>
-            </a:fld>
-            <a:endParaRPr lang="en-US" dirty="0"/>
-          </a:p>
-        </p:txBody>
-      </p:sp>
-      <p:pic>
-        <p:nvPicPr>
-          <p:cNvPr id="15" name="Content Placeholder 15">
-            <a:extLst>
-              <a:ext uri="{FF2B5EF4-FFF2-40B4-BE49-F238E27FC236}">
-                <a16:creationId xmlns:a16="http://schemas.microsoft.com/office/drawing/2014/main" id="{C3132149-E359-6545-A328-CEED0127B9FA}"/>
-              </a:ext>
-            </a:extLst>
-          </p:cNvPr>
-          <p:cNvPicPr>
-            <a:picLocks noGrp="1" noChangeAspect="1"/>
-          </p:cNvPicPr>
-          <p:nvPr>
-            <p:ph type="pic" sz="quarter" idx="14"/>
-          </p:nvPr>
-        </p:nvPicPr>
-        <p:blipFill>
-          <a:blip r:embed="rId2" cstate="screen">
-            <a:extLst>
-              <a:ext uri="{28A0092B-C50C-407E-A947-70E740481C1C}">
-                <a14:useLocalDpi xmlns:a14="http://schemas.microsoft.com/office/drawing/2010/main"/>
-              </a:ext>
-            </a:extLst>
-          </a:blip>
-          <a:srcRect/>
-          <a:stretch>
-            <a:fillRect/>
-          </a:stretch>
-        </p:blipFill>
-        <p:spPr/>
-      </p:pic>
-      <p:sp>
-        <p:nvSpPr>
-          <p:cNvPr id="13" name="Text Placeholder 12">
-            <a:extLst>
-              <a:ext uri="{FF2B5EF4-FFF2-40B4-BE49-F238E27FC236}">
-                <a16:creationId xmlns:a16="http://schemas.microsoft.com/office/drawing/2014/main" id="{39975BA5-F0B1-0B47-9B69-6895D35EB3FC}"/>
-              </a:ext>
-            </a:extLst>
-          </p:cNvPr>
-          <p:cNvSpPr>
-            <a:spLocks noGrp="1"/>
-          </p:cNvSpPr>
-          <p:nvPr>
-            <p:ph type="body" sz="quarter" idx="13"/>
-          </p:nvPr>
-        </p:nvSpPr>
-        <p:spPr/>
-        <p:txBody>
-          <a:bodyPr/>
-          <a:lstStyle/>
-          <a:p>
-            <a:r>
-              <a:rPr lang="en-US" dirty="0"/>
-              <a:t>This Subtitle is Arial in Light Orange</a:t>
-            </a:r>
-          </a:p>
-        </p:txBody>
-      </p:sp>
-      <p:sp>
-        <p:nvSpPr>
-          <p:cNvPr id="21" name="Text Placeholder 20">
-            <a:extLst>
-              <a:ext uri="{FF2B5EF4-FFF2-40B4-BE49-F238E27FC236}">
-                <a16:creationId xmlns:a16="http://schemas.microsoft.com/office/drawing/2014/main" id="{51D40745-204A-EE4A-8428-54FC0DDCA159}"/>
-              </a:ext>
-            </a:extLst>
-          </p:cNvPr>
-          <p:cNvSpPr>
-            <a:spLocks noGrp="1"/>
-          </p:cNvSpPr>
-          <p:nvPr>
-            <p:ph type="body" sz="quarter" idx="15"/>
-          </p:nvPr>
-        </p:nvSpPr>
-        <p:spPr/>
-        <p:txBody>
-          <a:bodyPr/>
-          <a:lstStyle/>
-          <a:p>
-            <a:r>
-              <a:rPr lang="en-US" dirty="0" err="1"/>
-              <a:t>vollant</a:t>
-            </a:r>
-            <a:r>
-              <a:rPr lang="en-US" dirty="0"/>
-              <a:t>, </a:t>
-            </a:r>
-            <a:r>
-              <a:rPr lang="en-US" dirty="0" err="1"/>
-              <a:t>teceaque</a:t>
-            </a:r>
-            <a:r>
-              <a:rPr lang="en-US" dirty="0"/>
-              <a:t> </a:t>
-            </a:r>
-            <a:r>
-              <a:rPr lang="en-US" dirty="0" err="1"/>
-              <a:t>volorep</a:t>
-            </a:r>
-            <a:r>
-              <a:rPr lang="en-US" dirty="0"/>
-              <a:t> </a:t>
-            </a:r>
-            <a:r>
-              <a:rPr lang="en-US" dirty="0" err="1"/>
-              <a:t>erchil</a:t>
-            </a:r>
-            <a:r>
-              <a:rPr lang="en-US" dirty="0"/>
-              <a:t> </a:t>
-            </a:r>
-            <a:r>
-              <a:rPr lang="en-US" dirty="0" err="1"/>
-              <a:t>maximolupta</a:t>
-            </a:r>
-            <a:r>
-              <a:rPr lang="en-US" dirty="0"/>
-              <a:t> sit, quo </a:t>
-            </a:r>
-            <a:r>
-              <a:rPr lang="en-US" dirty="0" err="1"/>
-              <a:t>tem</a:t>
-            </a:r>
-            <a:r>
-              <a:rPr lang="en-US" dirty="0"/>
-              <a:t> </a:t>
-            </a:r>
-            <a:r>
-              <a:rPr lang="en-US" dirty="0" err="1"/>
-              <a:t>quunt</a:t>
-            </a:r>
-            <a:r>
-              <a:rPr lang="en-US" dirty="0"/>
-              <a:t> rem </a:t>
-            </a:r>
-            <a:r>
-              <a:rPr lang="en-US" dirty="0" err="1"/>
-              <a:t>quaeres</a:t>
-            </a:r>
-            <a:r>
-              <a:rPr lang="en-US" dirty="0"/>
-              <a:t> </a:t>
-            </a:r>
-            <a:r>
-              <a:rPr lang="en-US" dirty="0" err="1"/>
-              <a:t>ciiscia</a:t>
-            </a:r>
-            <a:r>
-              <a:rPr lang="en-US" dirty="0"/>
-              <a:t> </a:t>
-            </a:r>
-            <a:r>
-              <a:rPr lang="en-US" dirty="0" err="1"/>
-              <a:t>tenimo</a:t>
-            </a:r>
-            <a:r>
-              <a:rPr lang="en-US" dirty="0"/>
-              <a:t> </a:t>
-            </a:r>
-            <a:r>
-              <a:rPr lang="en-US" dirty="0" err="1"/>
-              <a:t>mo</a:t>
-            </a:r>
-            <a:r>
-              <a:rPr lang="en-US" dirty="0"/>
-              <a:t> </a:t>
-            </a:r>
-            <a:r>
-              <a:rPr lang="en-US" dirty="0" err="1"/>
-              <a:t>verecus</a:t>
-            </a:r>
-            <a:r>
-              <a:rPr lang="en-US" dirty="0"/>
-              <a:t>, </a:t>
-            </a:r>
-            <a:r>
-              <a:rPr lang="en-US" dirty="0" err="1"/>
-              <a:t>quis</a:t>
-            </a:r>
-            <a:r>
-              <a:rPr lang="en-US" dirty="0"/>
-              <a:t> </a:t>
-            </a:r>
-            <a:r>
-              <a:rPr lang="en-US" dirty="0" err="1"/>
-              <a:t>ut</a:t>
-            </a:r>
-            <a:r>
-              <a:rPr lang="en-US" dirty="0"/>
-              <a:t> </a:t>
-            </a:r>
-            <a:r>
-              <a:rPr lang="en-US" dirty="0" err="1"/>
-              <a:t>aliaess</a:t>
-            </a:r>
-            <a:endParaRPr lang="en-US" dirty="0"/>
-          </a:p>
-        </p:txBody>
-      </p:sp>
-    </p:spTree>
-    <p:extLst>
-      <p:ext uri="{BB962C8B-B14F-4D97-AF65-F5344CB8AC3E}">
-        <p14:creationId xmlns:p14="http://schemas.microsoft.com/office/powerpoint/2010/main" val="673309395"/>
-      </p:ext>
-    </p:extLst>
-  </p:cSld>
-  <p:clrMapOvr>
-    <a:masterClrMapping/>
-  </p:clrMapOvr>
-  <mc:AlternateContent xmlns:mc="http://schemas.openxmlformats.org/markup-compatibility/2006" xmlns:p14="http://schemas.microsoft.com/office/powerpoint/2010/main">
-    <mc:Choice Requires="p14">
-      <p:transition spd="med" p14:dur="700">
-        <p:fade/>
-      </p:transition>
-    </mc:Choice>
-    <mc:Fallback xmlns="">
-      <p:transition spd="med">
-        <p:fade/>
-      </p:transition>
-    </mc:Fallback>
-  </mc:AlternateContent>
-</p:sld>
-</file>
-
-<file path=ppt/slides/slide12.xml><?xml version="1.0" encoding="utf-8"?>
-<p:sld xmlns:a="http://schemas.openxmlformats.org/drawingml/2006/main" xmlns:r="http://schemas.openxmlformats.org/officeDocument/2006/relationships" xmlns:p="http://schemas.openxmlformats.org/presentationml/2006/main">
-  <p:cSld>
-    <p:spTree>
-      <p:nvGrpSpPr>
-        <p:cNvPr id="1" name=""/>
-        <p:cNvGrpSpPr/>
-        <p:nvPr/>
-      </p:nvGrpSpPr>
-      <p:grpSpPr>
-        <a:xfrm>
-          <a:off x="0" y="0"/>
-          <a:ext cx="0" cy="0"/>
-          <a:chOff x="0" y="0"/>
-          <a:chExt cx="0" cy="0"/>
-        </a:xfrm>
-      </p:grpSpPr>
-      <p:sp>
-        <p:nvSpPr>
-          <p:cNvPr id="5" name="Title 4">
-            <a:extLst>
-              <a:ext uri="{FF2B5EF4-FFF2-40B4-BE49-F238E27FC236}">
-                <a16:creationId xmlns:a16="http://schemas.microsoft.com/office/drawing/2014/main" id="{D1D110B9-BD7B-0E4C-ACAA-096B0B004C31}"/>
-              </a:ext>
-            </a:extLst>
-          </p:cNvPr>
-          <p:cNvSpPr>
-            <a:spLocks noGrp="1"/>
-          </p:cNvSpPr>
-          <p:nvPr>
-            <p:ph type="title"/>
-          </p:nvPr>
-        </p:nvSpPr>
-        <p:spPr/>
-        <p:txBody>
-          <a:bodyPr/>
-          <a:lstStyle/>
-          <a:p>
-            <a:r>
-              <a:rPr lang="en-US" dirty="0"/>
-              <a:t>This Headline is Arial Regular in Dark Blue</a:t>
-            </a:r>
-          </a:p>
-        </p:txBody>
-      </p:sp>
-      <p:sp>
-        <p:nvSpPr>
-          <p:cNvPr id="6" name="Text Placeholder 5">
-            <a:extLst>
-              <a:ext uri="{FF2B5EF4-FFF2-40B4-BE49-F238E27FC236}">
-                <a16:creationId xmlns:a16="http://schemas.microsoft.com/office/drawing/2014/main" id="{1A2FE69E-83E7-1A45-B0EA-41ACE922B915}"/>
-              </a:ext>
-            </a:extLst>
-          </p:cNvPr>
-          <p:cNvSpPr>
-            <a:spLocks noGrp="1"/>
-          </p:cNvSpPr>
-          <p:nvPr>
-            <p:ph type="body" sz="quarter" idx="13"/>
-          </p:nvPr>
-        </p:nvSpPr>
-        <p:spPr>
-          <a:xfrm>
-            <a:off x="504825" y="1267809"/>
-            <a:ext cx="8134350" cy="687368"/>
-          </a:xfrm>
-        </p:spPr>
-        <p:txBody>
-          <a:bodyPr/>
-          <a:lstStyle/>
-          <a:p>
-            <a:r>
-              <a:rPr lang="en-US" dirty="0"/>
-              <a:t>This Subtitle is Arial in Light Orange</a:t>
-            </a:r>
-          </a:p>
-          <a:p>
-            <a:endParaRPr lang="en-US" dirty="0"/>
-          </a:p>
-        </p:txBody>
-      </p:sp>
-      <p:graphicFrame>
-        <p:nvGraphicFramePr>
-          <p:cNvPr id="9" name="Table 8">
-            <a:extLst>
-              <a:ext uri="{FF2B5EF4-FFF2-40B4-BE49-F238E27FC236}">
-                <a16:creationId xmlns:a16="http://schemas.microsoft.com/office/drawing/2014/main" id="{5FC501F5-9AE0-B44B-8D24-170502F48B34}"/>
-              </a:ext>
-            </a:extLst>
-          </p:cNvPr>
-          <p:cNvGraphicFramePr>
-            <a:graphicFrameLocks noGrp="1"/>
-          </p:cNvGraphicFramePr>
-          <p:nvPr>
-            <p:extLst>
-              <p:ext uri="{D42A27DB-BD31-4B8C-83A1-F6EECF244321}">
-                <p14:modId xmlns:p14="http://schemas.microsoft.com/office/powerpoint/2010/main" val="3733447923"/>
-              </p:ext>
-            </p:extLst>
-          </p:nvPr>
-        </p:nvGraphicFramePr>
-        <p:xfrm>
-          <a:off x="504826" y="1993882"/>
-          <a:ext cx="8134350" cy="2534952"/>
-        </p:xfrm>
-        <a:graphic>
-          <a:graphicData uri="http://schemas.openxmlformats.org/drawingml/2006/table">
-            <a:tbl>
-              <a:tblPr firstRow="1" bandRow="1">
-                <a:tableStyleId>{5C22544A-7EE6-4342-B048-85BDC9FD1C3A}</a:tableStyleId>
-              </a:tblPr>
-              <a:tblGrid>
-                <a:gridCol w="2043542">
-                  <a:extLst>
-                    <a:ext uri="{9D8B030D-6E8A-4147-A177-3AD203B41FA5}">
-                      <a16:colId xmlns:a16="http://schemas.microsoft.com/office/drawing/2014/main" val="20000"/>
-                    </a:ext>
-                  </a:extLst>
-                </a:gridCol>
-                <a:gridCol w="2043542">
-                  <a:extLst>
-                    <a:ext uri="{9D8B030D-6E8A-4147-A177-3AD203B41FA5}">
-                      <a16:colId xmlns:a16="http://schemas.microsoft.com/office/drawing/2014/main" val="20001"/>
-                    </a:ext>
-                  </a:extLst>
-                </a:gridCol>
-                <a:gridCol w="4047266">
-                  <a:extLst>
-                    <a:ext uri="{9D8B030D-6E8A-4147-A177-3AD203B41FA5}">
-                      <a16:colId xmlns:a16="http://schemas.microsoft.com/office/drawing/2014/main" val="20002"/>
-                    </a:ext>
-                  </a:extLst>
-                </a:gridCol>
-              </a:tblGrid>
-              <a:tr h="335250">
-                <a:tc>
-                  <a:txBody>
-                    <a:bodyPr/>
-                    <a:lstStyle/>
-                    <a:p>
-                      <a:r>
-                        <a:rPr lang="en-US" sz="900" b="1" i="0" dirty="0">
-                          <a:solidFill>
-                            <a:srgbClr val="002D56"/>
-                          </a:solidFill>
-                          <a:latin typeface="+mn-lt"/>
-                          <a:ea typeface="Calibri" charset="0"/>
-                          <a:cs typeface="Calibri" charset="0"/>
-                        </a:rPr>
-                        <a:t>Subhead</a:t>
-                      </a:r>
-                    </a:p>
-                  </a:txBody>
-                  <a:tcPr anchor="ctr">
-                    <a:lnL w="12700" cap="flat" cmpd="sng" algn="ctr">
-                      <a:noFill/>
-                      <a:prstDash val="solid"/>
-                      <a:round/>
-                      <a:headEnd type="none" w="med" len="med"/>
-                      <a:tailEnd type="none" w="med" len="med"/>
-                    </a:lnL>
-                    <a:lnR w="12700" cap="flat" cmpd="sng" algn="ctr">
-                      <a:noFill/>
-                      <a:prstDash val="solid"/>
-                      <a:round/>
-                      <a:headEnd type="none" w="med" len="med"/>
-                      <a:tailEnd type="none" w="med" len="med"/>
-                    </a:lnR>
-                    <a:lnT w="6350" cap="flat" cmpd="sng" algn="ctr">
-                      <a:noFill/>
-                      <a:prstDash val="solid"/>
-                      <a:round/>
-                      <a:headEnd type="none" w="med" len="med"/>
-                      <a:tailEnd type="none" w="med" len="med"/>
-                    </a:lnT>
-                    <a:lnB w="6350" cap="flat" cmpd="sng" algn="ctr">
-                      <a:noFill/>
-                      <a:prstDash val="solid"/>
-                      <a:round/>
-                      <a:headEnd type="none" w="med" len="med"/>
-                      <a:tailEnd type="none" w="med" len="med"/>
-                    </a:lnB>
-                    <a:lnTlToBr w="12700" cmpd="sng">
-                      <a:noFill/>
-                      <a:prstDash val="solid"/>
-                    </a:lnTlToBr>
-                    <a:lnBlToTr w="12700" cmpd="sng">
-                      <a:noFill/>
-                      <a:prstDash val="solid"/>
-                    </a:lnBlToTr>
-                    <a:solidFill>
-                      <a:srgbClr val="95D9F8"/>
-                    </a:solidFill>
-                  </a:tcPr>
-                </a:tc>
-                <a:tc>
-                  <a:txBody>
-                    <a:bodyPr/>
-                    <a:lstStyle/>
-                    <a:p>
-                      <a:r>
-                        <a:rPr lang="en-US" sz="900" b="1" i="0" dirty="0">
-                          <a:solidFill>
-                            <a:schemeClr val="bg1"/>
-                          </a:solidFill>
-                          <a:latin typeface="+mn-lt"/>
-                          <a:ea typeface="Calibri" charset="0"/>
-                          <a:cs typeface="Calibri" charset="0"/>
-                        </a:rPr>
-                        <a:t>Subhead</a:t>
-                      </a:r>
-                    </a:p>
-                  </a:txBody>
-                  <a:tcPr anchor="ctr">
-                    <a:lnL w="12700" cap="flat" cmpd="sng" algn="ctr">
-                      <a:noFill/>
-                      <a:prstDash val="solid"/>
-                      <a:round/>
-                      <a:headEnd type="none" w="med" len="med"/>
-                      <a:tailEnd type="none" w="med" len="med"/>
-                    </a:lnL>
-                    <a:lnR w="12700" cap="flat" cmpd="sng" algn="ctr">
-                      <a:noFill/>
-                      <a:prstDash val="solid"/>
-                      <a:round/>
-                      <a:headEnd type="none" w="med" len="med"/>
-                      <a:tailEnd type="none" w="med" len="med"/>
-                    </a:lnR>
-                    <a:lnT w="6350" cap="flat" cmpd="sng" algn="ctr">
-                      <a:noFill/>
-                      <a:prstDash val="solid"/>
-                      <a:round/>
-                      <a:headEnd type="none" w="med" len="med"/>
-                      <a:tailEnd type="none" w="med" len="med"/>
-                    </a:lnT>
-                    <a:lnB w="6350" cap="flat" cmpd="sng" algn="ctr">
-                      <a:noFill/>
-                      <a:prstDash val="solid"/>
-                      <a:round/>
-                      <a:headEnd type="none" w="med" len="med"/>
-                      <a:tailEnd type="none" w="med" len="med"/>
-                    </a:lnB>
-                    <a:lnTlToBr w="12700" cmpd="sng">
-                      <a:noFill/>
-                      <a:prstDash val="solid"/>
-                    </a:lnTlToBr>
-                    <a:lnBlToTr w="12700" cmpd="sng">
-                      <a:noFill/>
-                      <a:prstDash val="solid"/>
-                    </a:lnBlToTr>
-                    <a:solidFill>
-                      <a:srgbClr val="002D56"/>
-                    </a:solidFill>
-                  </a:tcPr>
-                </a:tc>
-                <a:tc>
-                  <a:txBody>
-                    <a:bodyPr/>
-                    <a:lstStyle/>
-                    <a:p>
-                      <a:r>
-                        <a:rPr lang="en-US" sz="900" b="1" i="0" dirty="0">
-                          <a:solidFill>
-                            <a:schemeClr val="bg1"/>
-                          </a:solidFill>
-                          <a:latin typeface="+mn-lt"/>
-                          <a:ea typeface="Calibri" charset="0"/>
-                          <a:cs typeface="Calibri" charset="0"/>
-                        </a:rPr>
-                        <a:t>Subhead</a:t>
-                      </a:r>
-                    </a:p>
-                  </a:txBody>
-                  <a:tcPr anchor="ctr">
-                    <a:lnL w="12700" cap="flat" cmpd="sng" algn="ctr">
-                      <a:noFill/>
-                      <a:prstDash val="solid"/>
-                      <a:round/>
-                      <a:headEnd type="none" w="med" len="med"/>
-                      <a:tailEnd type="none" w="med" len="med"/>
-                    </a:lnL>
-                    <a:lnR w="12700" cap="flat" cmpd="sng" algn="ctr">
-                      <a:noFill/>
-                      <a:prstDash val="solid"/>
-                      <a:round/>
-                      <a:headEnd type="none" w="med" len="med"/>
-                      <a:tailEnd type="none" w="med" len="med"/>
-                    </a:lnR>
-                    <a:lnT w="6350" cap="flat" cmpd="sng" algn="ctr">
-                      <a:noFill/>
-                      <a:prstDash val="solid"/>
-                      <a:round/>
-                      <a:headEnd type="none" w="med" len="med"/>
-                      <a:tailEnd type="none" w="med" len="med"/>
-                    </a:lnT>
-                    <a:lnB w="6350" cap="flat" cmpd="sng" algn="ctr">
-                      <a:noFill/>
-                      <a:prstDash val="solid"/>
-                      <a:round/>
-                      <a:headEnd type="none" w="med" len="med"/>
-                      <a:tailEnd type="none" w="med" len="med"/>
-                    </a:lnB>
-                    <a:lnTlToBr w="12700" cmpd="sng">
-                      <a:noFill/>
-                      <a:prstDash val="solid"/>
-                    </a:lnTlToBr>
-                    <a:lnBlToTr w="12700" cmpd="sng">
-                      <a:noFill/>
-                      <a:prstDash val="solid"/>
-                    </a:lnBlToTr>
-                    <a:solidFill>
-                      <a:srgbClr val="002D56"/>
-                    </a:solidFill>
-                  </a:tcPr>
-                </a:tc>
-                <a:extLst>
-                  <a:ext uri="{0D108BD9-81ED-4DB2-BD59-A6C34878D82A}">
-                    <a16:rowId xmlns:a16="http://schemas.microsoft.com/office/drawing/2014/main" val="10000"/>
-                  </a:ext>
-                </a:extLst>
-              </a:tr>
-              <a:tr h="366617">
-                <a:tc>
-                  <a:txBody>
-                    <a:bodyPr/>
-                    <a:lstStyle/>
-                    <a:p>
-                      <a:r>
-                        <a:rPr lang="en-US" sz="800" b="0" i="0" dirty="0">
-                          <a:solidFill>
-                            <a:schemeClr val="tx1"/>
-                          </a:solidFill>
-                          <a:latin typeface="+mn-lt"/>
-                          <a:ea typeface="Calibri Light" charset="0"/>
-                          <a:cs typeface="Calibri Light" charset="0"/>
-                        </a:rPr>
-                        <a:t>Body copy</a:t>
-                      </a:r>
-                    </a:p>
-                  </a:txBody>
-                  <a:tcPr anchor="ctr">
-                    <a:lnL w="12700" cap="flat" cmpd="sng" algn="ctr">
-                      <a:noFill/>
-                      <a:prstDash val="solid"/>
-                      <a:round/>
-                      <a:headEnd type="none" w="med" len="med"/>
-                      <a:tailEnd type="none" w="med" len="med"/>
-                    </a:lnL>
-                    <a:lnR w="12700" cap="flat" cmpd="sng" algn="ctr">
-                      <a:noFill/>
-                      <a:prstDash val="solid"/>
-                      <a:round/>
-                      <a:headEnd type="none" w="med" len="med"/>
-                      <a:tailEnd type="none" w="med" len="med"/>
-                    </a:lnR>
-                    <a:lnT w="6350" cap="flat" cmpd="sng" algn="ctr">
-                      <a:noFill/>
-                      <a:prstDash val="solid"/>
-                      <a:round/>
-                      <a:headEnd type="none" w="med" len="med"/>
-                      <a:tailEnd type="none" w="med" len="med"/>
-                    </a:lnT>
-                    <a:lnB w="12700" cap="flat" cmpd="sng" algn="ctr">
-                      <a:noFill/>
-                      <a:prstDash val="solid"/>
-                      <a:round/>
-                      <a:headEnd type="none" w="med" len="med"/>
-                      <a:tailEnd type="none" w="med" len="med"/>
-                    </a:lnB>
-                    <a:lnTlToBr w="12700" cmpd="sng">
-                      <a:noFill/>
-                      <a:prstDash val="solid"/>
-                    </a:lnTlToBr>
-                    <a:lnBlToTr w="12700" cmpd="sng">
-                      <a:noFill/>
-                      <a:prstDash val="solid"/>
-                    </a:lnBlToTr>
-                    <a:solidFill>
-                      <a:schemeClr val="bg1">
-                        <a:lumMod val="95000"/>
-                      </a:schemeClr>
-                    </a:solidFill>
-                  </a:tcPr>
-                </a:tc>
-                <a:tc>
-                  <a:txBody>
-                    <a:bodyPr/>
-                    <a:lstStyle/>
-                    <a:p>
-                      <a:r>
-                        <a:rPr lang="en-US" sz="800" b="0" i="0" dirty="0">
-                          <a:solidFill>
-                            <a:schemeClr val="tx1"/>
-                          </a:solidFill>
-                          <a:latin typeface="+mn-lt"/>
-                          <a:ea typeface="Calibri Light" charset="0"/>
-                          <a:cs typeface="Calibri Light" charset="0"/>
-                        </a:rPr>
-                        <a:t>Body copy</a:t>
-                      </a:r>
-                    </a:p>
-                  </a:txBody>
-                  <a:tcPr anchor="ctr">
-                    <a:lnL w="12700" cap="flat" cmpd="sng" algn="ctr">
-                      <a:noFill/>
-                      <a:prstDash val="solid"/>
-                      <a:round/>
-                      <a:headEnd type="none" w="med" len="med"/>
-                      <a:tailEnd type="none" w="med" len="med"/>
-                    </a:lnL>
-                    <a:lnR w="12700" cap="flat" cmpd="sng" algn="ctr">
-                      <a:noFill/>
-                      <a:prstDash val="solid"/>
-                      <a:round/>
-                      <a:headEnd type="none" w="med" len="med"/>
-                      <a:tailEnd type="none" w="med" len="med"/>
-                    </a:lnR>
-                    <a:lnT w="6350" cap="flat" cmpd="sng" algn="ctr">
-                      <a:noFill/>
-                      <a:prstDash val="solid"/>
-                      <a:round/>
-                      <a:headEnd type="none" w="med" len="med"/>
-                      <a:tailEnd type="none" w="med" len="med"/>
-                    </a:lnT>
-                    <a:lnB w="12700" cap="flat" cmpd="sng" algn="ctr">
-                      <a:noFill/>
-                      <a:prstDash val="solid"/>
-                      <a:round/>
-                      <a:headEnd type="none" w="med" len="med"/>
-                      <a:tailEnd type="none" w="med" len="med"/>
-                    </a:lnB>
-                    <a:lnTlToBr w="12700" cmpd="sng">
-                      <a:noFill/>
-                      <a:prstDash val="solid"/>
-                    </a:lnTlToBr>
-                    <a:lnBlToTr w="12700" cmpd="sng">
-                      <a:noFill/>
-                      <a:prstDash val="solid"/>
-                    </a:lnBlToTr>
-                    <a:solidFill>
-                      <a:schemeClr val="bg1">
-                        <a:lumMod val="95000"/>
-                      </a:schemeClr>
-                    </a:solidFill>
-                  </a:tcPr>
-                </a:tc>
-                <a:tc>
-                  <a:txBody>
-                    <a:bodyPr/>
-                    <a:lstStyle/>
-                    <a:p>
-                      <a:r>
-                        <a:rPr lang="en-US" sz="800" b="0" i="0" dirty="0">
-                          <a:solidFill>
-                            <a:schemeClr val="tx1"/>
-                          </a:solidFill>
-                          <a:latin typeface="+mn-lt"/>
-                          <a:ea typeface="Calibri Light" charset="0"/>
-                          <a:cs typeface="Calibri Light" charset="0"/>
-                        </a:rPr>
-                        <a:t>Body copy</a:t>
-                      </a:r>
-                    </a:p>
-                  </a:txBody>
-                  <a:tcPr anchor="ctr">
-                    <a:lnL w="12700" cap="flat" cmpd="sng" algn="ctr">
-                      <a:noFill/>
-                      <a:prstDash val="solid"/>
-                      <a:round/>
-                      <a:headEnd type="none" w="med" len="med"/>
-                      <a:tailEnd type="none" w="med" len="med"/>
-                    </a:lnL>
-                    <a:lnR w="12700" cap="flat" cmpd="sng" algn="ctr">
-                      <a:noFill/>
-                      <a:prstDash val="solid"/>
-                      <a:round/>
-                      <a:headEnd type="none" w="med" len="med"/>
-                      <a:tailEnd type="none" w="med" len="med"/>
-                    </a:lnR>
-                    <a:lnT w="6350" cap="flat" cmpd="sng" algn="ctr">
-                      <a:noFill/>
-                      <a:prstDash val="solid"/>
-                      <a:round/>
-                      <a:headEnd type="none" w="med" len="med"/>
-                      <a:tailEnd type="none" w="med" len="med"/>
-                    </a:lnT>
-                    <a:lnB w="12700" cap="flat" cmpd="sng" algn="ctr">
-                      <a:noFill/>
-                      <a:prstDash val="solid"/>
-                      <a:round/>
-                      <a:headEnd type="none" w="med" len="med"/>
-                      <a:tailEnd type="none" w="med" len="med"/>
-                    </a:lnB>
-                    <a:lnTlToBr w="12700" cmpd="sng">
-                      <a:noFill/>
-                      <a:prstDash val="solid"/>
-                    </a:lnTlToBr>
-                    <a:lnBlToTr w="12700" cmpd="sng">
-                      <a:noFill/>
-                      <a:prstDash val="solid"/>
-                    </a:lnBlToTr>
-                    <a:solidFill>
-                      <a:schemeClr val="bg1">
-                        <a:lumMod val="95000"/>
-                      </a:schemeClr>
-                    </a:solidFill>
-                  </a:tcPr>
-                </a:tc>
-                <a:extLst>
-                  <a:ext uri="{0D108BD9-81ED-4DB2-BD59-A6C34878D82A}">
-                    <a16:rowId xmlns:a16="http://schemas.microsoft.com/office/drawing/2014/main" val="10001"/>
-                  </a:ext>
-                </a:extLst>
-              </a:tr>
-              <a:tr h="366617">
-                <a:tc>
-                  <a:txBody>
-                    <a:bodyPr/>
-                    <a:lstStyle/>
-                    <a:p>
-                      <a:r>
-                        <a:rPr lang="en-US" sz="800" b="0" i="0" dirty="0">
-                          <a:solidFill>
-                            <a:schemeClr val="tx1"/>
-                          </a:solidFill>
-                          <a:latin typeface="+mn-lt"/>
-                          <a:ea typeface="Calibri Light" charset="0"/>
-                          <a:cs typeface="Calibri Light" charset="0"/>
-                        </a:rPr>
-                        <a:t>Body copy</a:t>
-                      </a:r>
-                    </a:p>
-                  </a:txBody>
-                  <a:tcPr anchor="ctr">
-                    <a:lnL w="12700" cap="flat" cmpd="sng" algn="ctr">
-                      <a:noFill/>
-                      <a:prstDash val="solid"/>
-                      <a:round/>
-                      <a:headEnd type="none" w="med" len="med"/>
-                      <a:tailEnd type="none" w="med" len="med"/>
-                    </a:lnL>
-                    <a:lnR w="12700" cap="flat" cmpd="sng" algn="ctr">
-                      <a:noFill/>
-                      <a:prstDash val="solid"/>
-                      <a:round/>
-                      <a:headEnd type="none" w="med" len="med"/>
-                      <a:tailEnd type="none" w="med" len="med"/>
-                    </a:lnR>
-                    <a:lnT w="12700" cap="flat" cmpd="sng" algn="ctr">
-                      <a:noFill/>
-                      <a:prstDash val="solid"/>
-                      <a:round/>
-                      <a:headEnd type="none" w="med" len="med"/>
-                      <a:tailEnd type="none" w="med" len="med"/>
-                    </a:lnT>
-                    <a:lnB w="12700" cap="flat" cmpd="sng" algn="ctr">
-                      <a:noFill/>
-                      <a:prstDash val="solid"/>
-                      <a:round/>
-                      <a:headEnd type="none" w="med" len="med"/>
-                      <a:tailEnd type="none" w="med" len="med"/>
-                    </a:lnB>
-                    <a:lnTlToBr w="12700" cmpd="sng">
-                      <a:noFill/>
-                      <a:prstDash val="solid"/>
-                    </a:lnTlToBr>
-                    <a:lnBlToTr w="12700" cmpd="sng">
-                      <a:noFill/>
-                      <a:prstDash val="solid"/>
-                    </a:lnBlToTr>
-                    <a:solidFill>
-                      <a:schemeClr val="bg1"/>
-                    </a:solidFill>
-                  </a:tcPr>
-                </a:tc>
-                <a:tc>
-                  <a:txBody>
-                    <a:bodyPr/>
-                    <a:lstStyle/>
-                    <a:p>
-                      <a:r>
-                        <a:rPr lang="en-US" sz="800" b="0" i="0" dirty="0">
-                          <a:solidFill>
-                            <a:schemeClr val="tx1"/>
-                          </a:solidFill>
-                          <a:latin typeface="+mn-lt"/>
-                          <a:ea typeface="Calibri Light" charset="0"/>
-                          <a:cs typeface="Calibri Light" charset="0"/>
-                        </a:rPr>
-                        <a:t>Body copy</a:t>
-                      </a:r>
-                    </a:p>
-                  </a:txBody>
-                  <a:tcPr anchor="ctr">
-                    <a:lnL w="12700" cap="flat" cmpd="sng" algn="ctr">
-                      <a:noFill/>
-                      <a:prstDash val="solid"/>
-                      <a:round/>
-                      <a:headEnd type="none" w="med" len="med"/>
-                      <a:tailEnd type="none" w="med" len="med"/>
-                    </a:lnL>
-                    <a:lnR w="12700" cap="flat" cmpd="sng" algn="ctr">
-                      <a:noFill/>
-                      <a:prstDash val="solid"/>
-                      <a:round/>
-                      <a:headEnd type="none" w="med" len="med"/>
-                      <a:tailEnd type="none" w="med" len="med"/>
-                    </a:lnR>
-                    <a:lnT w="12700" cap="flat" cmpd="sng" algn="ctr">
-                      <a:noFill/>
-                      <a:prstDash val="solid"/>
-                      <a:round/>
-                      <a:headEnd type="none" w="med" len="med"/>
-                      <a:tailEnd type="none" w="med" len="med"/>
-                    </a:lnT>
-                    <a:lnB w="12700" cap="flat" cmpd="sng" algn="ctr">
-                      <a:noFill/>
-                      <a:prstDash val="solid"/>
-                      <a:round/>
-                      <a:headEnd type="none" w="med" len="med"/>
-                      <a:tailEnd type="none" w="med" len="med"/>
-                    </a:lnB>
-                    <a:lnTlToBr w="12700" cmpd="sng">
-                      <a:noFill/>
-                      <a:prstDash val="solid"/>
-                    </a:lnTlToBr>
-                    <a:lnBlToTr w="12700" cmpd="sng">
-                      <a:noFill/>
-                      <a:prstDash val="solid"/>
-                    </a:lnBlToTr>
-                    <a:solidFill>
-                      <a:schemeClr val="bg1"/>
-                    </a:solidFill>
-                  </a:tcPr>
-                </a:tc>
-                <a:tc>
-                  <a:txBody>
-                    <a:bodyPr/>
-                    <a:lstStyle/>
-                    <a:p>
-                      <a:r>
-                        <a:rPr lang="en-US" sz="800" b="0" i="0" dirty="0">
-                          <a:solidFill>
-                            <a:schemeClr val="tx1"/>
-                          </a:solidFill>
-                          <a:latin typeface="+mn-lt"/>
-                          <a:ea typeface="Calibri Light" charset="0"/>
-                          <a:cs typeface="Calibri Light" charset="0"/>
-                        </a:rPr>
-                        <a:t>Body copy</a:t>
-                      </a:r>
-                    </a:p>
-                  </a:txBody>
-                  <a:tcPr anchor="ctr">
-                    <a:lnL w="12700" cap="flat" cmpd="sng" algn="ctr">
-                      <a:noFill/>
-                      <a:prstDash val="solid"/>
-                      <a:round/>
-                      <a:headEnd type="none" w="med" len="med"/>
-                      <a:tailEnd type="none" w="med" len="med"/>
-                    </a:lnL>
-                    <a:lnR w="12700" cap="flat" cmpd="sng" algn="ctr">
-                      <a:noFill/>
-                      <a:prstDash val="solid"/>
-                      <a:round/>
-                      <a:headEnd type="none" w="med" len="med"/>
-                      <a:tailEnd type="none" w="med" len="med"/>
-                    </a:lnR>
-                    <a:lnT w="12700" cap="flat" cmpd="sng" algn="ctr">
-                      <a:noFill/>
-                      <a:prstDash val="solid"/>
-                      <a:round/>
-                      <a:headEnd type="none" w="med" len="med"/>
-                      <a:tailEnd type="none" w="med" len="med"/>
-                    </a:lnT>
-                    <a:lnB w="12700" cap="flat" cmpd="sng" algn="ctr">
-                      <a:noFill/>
-                      <a:prstDash val="solid"/>
-                      <a:round/>
-                      <a:headEnd type="none" w="med" len="med"/>
-                      <a:tailEnd type="none" w="med" len="med"/>
-                    </a:lnB>
-                    <a:lnTlToBr w="12700" cmpd="sng">
-                      <a:noFill/>
-                      <a:prstDash val="solid"/>
-                    </a:lnTlToBr>
-                    <a:lnBlToTr w="12700" cmpd="sng">
-                      <a:noFill/>
-                      <a:prstDash val="solid"/>
-                    </a:lnBlToTr>
-                    <a:solidFill>
-                      <a:schemeClr val="bg1"/>
-                    </a:solidFill>
-                  </a:tcPr>
-                </a:tc>
-                <a:extLst>
-                  <a:ext uri="{0D108BD9-81ED-4DB2-BD59-A6C34878D82A}">
-                    <a16:rowId xmlns:a16="http://schemas.microsoft.com/office/drawing/2014/main" val="10002"/>
-                  </a:ext>
-                </a:extLst>
-              </a:tr>
-              <a:tr h="366617">
-                <a:tc>
-                  <a:txBody>
-                    <a:bodyPr/>
-                    <a:lstStyle/>
-                    <a:p>
-                      <a:r>
-                        <a:rPr lang="en-US" sz="800" b="0" i="0" dirty="0">
-                          <a:solidFill>
-                            <a:schemeClr val="tx1"/>
-                          </a:solidFill>
-                          <a:latin typeface="+mn-lt"/>
-                          <a:ea typeface="Calibri Light" charset="0"/>
-                          <a:cs typeface="Calibri Light" charset="0"/>
-                        </a:rPr>
-                        <a:t>Body copy</a:t>
-                      </a:r>
-                    </a:p>
-                  </a:txBody>
-                  <a:tcPr anchor="ctr">
-                    <a:lnL w="12700" cap="flat" cmpd="sng" algn="ctr">
-                      <a:noFill/>
-                      <a:prstDash val="solid"/>
-                      <a:round/>
-                      <a:headEnd type="none" w="med" len="med"/>
-                      <a:tailEnd type="none" w="med" len="med"/>
-                    </a:lnL>
-                    <a:lnR w="12700" cap="flat" cmpd="sng" algn="ctr">
-                      <a:noFill/>
-                      <a:prstDash val="solid"/>
-                      <a:round/>
-                      <a:headEnd type="none" w="med" len="med"/>
-                      <a:tailEnd type="none" w="med" len="med"/>
-                    </a:lnR>
-                    <a:lnT w="12700" cap="flat" cmpd="sng" algn="ctr">
-                      <a:noFill/>
-                      <a:prstDash val="solid"/>
-                      <a:round/>
-                      <a:headEnd type="none" w="med" len="med"/>
-                      <a:tailEnd type="none" w="med" len="med"/>
-                    </a:lnT>
-                    <a:lnB w="6350" cap="flat" cmpd="sng" algn="ctr">
-                      <a:noFill/>
-                      <a:prstDash val="solid"/>
-                      <a:round/>
-                      <a:headEnd type="none" w="med" len="med"/>
-                      <a:tailEnd type="none" w="med" len="med"/>
-                    </a:lnB>
-                    <a:lnTlToBr w="12700" cmpd="sng">
-                      <a:noFill/>
-                      <a:prstDash val="solid"/>
-                    </a:lnTlToBr>
-                    <a:lnBlToTr w="12700" cmpd="sng">
-                      <a:noFill/>
-                      <a:prstDash val="solid"/>
-                    </a:lnBlToTr>
-                    <a:solidFill>
-                      <a:schemeClr val="bg1">
-                        <a:lumMod val="95000"/>
-                      </a:schemeClr>
-                    </a:solidFill>
-                  </a:tcPr>
-                </a:tc>
-                <a:tc>
-                  <a:txBody>
-                    <a:bodyPr/>
-                    <a:lstStyle/>
-                    <a:p>
-                      <a:r>
-                        <a:rPr lang="en-US" sz="800" b="0" i="0" dirty="0">
-                          <a:solidFill>
-                            <a:schemeClr val="tx1"/>
-                          </a:solidFill>
-                          <a:latin typeface="+mn-lt"/>
-                          <a:ea typeface="Calibri Light" charset="0"/>
-                          <a:cs typeface="Calibri Light" charset="0"/>
-                        </a:rPr>
-                        <a:t>Body copy</a:t>
-                      </a:r>
-                    </a:p>
-                  </a:txBody>
-                  <a:tcPr anchor="ctr">
-                    <a:lnL w="12700" cap="flat" cmpd="sng" algn="ctr">
-                      <a:noFill/>
-                      <a:prstDash val="solid"/>
-                      <a:round/>
-                      <a:headEnd type="none" w="med" len="med"/>
-                      <a:tailEnd type="none" w="med" len="med"/>
-                    </a:lnL>
-                    <a:lnR w="12700" cap="flat" cmpd="sng" algn="ctr">
-                      <a:noFill/>
-                      <a:prstDash val="solid"/>
-                      <a:round/>
-                      <a:headEnd type="none" w="med" len="med"/>
-                      <a:tailEnd type="none" w="med" len="med"/>
-                    </a:lnR>
-                    <a:lnT w="12700" cap="flat" cmpd="sng" algn="ctr">
-                      <a:noFill/>
-                      <a:prstDash val="solid"/>
-                      <a:round/>
-                      <a:headEnd type="none" w="med" len="med"/>
-                      <a:tailEnd type="none" w="med" len="med"/>
-                    </a:lnT>
-                    <a:lnB w="6350" cap="flat" cmpd="sng" algn="ctr">
-                      <a:noFill/>
-                      <a:prstDash val="solid"/>
-                      <a:round/>
-                      <a:headEnd type="none" w="med" len="med"/>
-                      <a:tailEnd type="none" w="med" len="med"/>
-                    </a:lnB>
-                    <a:lnTlToBr w="12700" cmpd="sng">
-                      <a:noFill/>
-                      <a:prstDash val="solid"/>
-                    </a:lnTlToBr>
-                    <a:lnBlToTr w="12700" cmpd="sng">
-                      <a:noFill/>
-                      <a:prstDash val="solid"/>
-                    </a:lnBlToTr>
-                    <a:solidFill>
-                      <a:schemeClr val="bg1">
-                        <a:lumMod val="95000"/>
-                      </a:schemeClr>
-                    </a:solidFill>
-                  </a:tcPr>
-                </a:tc>
-                <a:tc>
-                  <a:txBody>
-                    <a:bodyPr/>
-                    <a:lstStyle/>
-                    <a:p>
-                      <a:r>
-                        <a:rPr lang="en-US" sz="800" b="0" i="0" dirty="0">
-                          <a:solidFill>
-                            <a:schemeClr val="tx1"/>
-                          </a:solidFill>
-                          <a:latin typeface="+mn-lt"/>
-                          <a:ea typeface="Calibri Light" charset="0"/>
-                          <a:cs typeface="Calibri Light" charset="0"/>
-                        </a:rPr>
-                        <a:t>Body copy</a:t>
-                      </a:r>
-                    </a:p>
-                  </a:txBody>
-                  <a:tcPr anchor="ctr">
-                    <a:lnL w="12700" cap="flat" cmpd="sng" algn="ctr">
-                      <a:noFill/>
-                      <a:prstDash val="solid"/>
-                      <a:round/>
-                      <a:headEnd type="none" w="med" len="med"/>
-                      <a:tailEnd type="none" w="med" len="med"/>
-                    </a:lnL>
-                    <a:lnR w="12700" cap="flat" cmpd="sng" algn="ctr">
-                      <a:noFill/>
-                      <a:prstDash val="solid"/>
-                      <a:round/>
-                      <a:headEnd type="none" w="med" len="med"/>
-                      <a:tailEnd type="none" w="med" len="med"/>
-                    </a:lnR>
-                    <a:lnT w="12700" cap="flat" cmpd="sng" algn="ctr">
-                      <a:noFill/>
-                      <a:prstDash val="solid"/>
-                      <a:round/>
-                      <a:headEnd type="none" w="med" len="med"/>
-                      <a:tailEnd type="none" w="med" len="med"/>
-                    </a:lnT>
-                    <a:lnB w="6350" cap="flat" cmpd="sng" algn="ctr">
-                      <a:noFill/>
-                      <a:prstDash val="solid"/>
-                      <a:round/>
-                      <a:headEnd type="none" w="med" len="med"/>
-                      <a:tailEnd type="none" w="med" len="med"/>
-                    </a:lnB>
-                    <a:lnTlToBr w="12700" cmpd="sng">
-                      <a:noFill/>
-                      <a:prstDash val="solid"/>
-                    </a:lnTlToBr>
-                    <a:lnBlToTr w="12700" cmpd="sng">
-                      <a:noFill/>
-                      <a:prstDash val="solid"/>
-                    </a:lnBlToTr>
-                    <a:solidFill>
-                      <a:schemeClr val="bg1">
-                        <a:lumMod val="95000"/>
-                      </a:schemeClr>
-                    </a:solidFill>
-                  </a:tcPr>
-                </a:tc>
-                <a:extLst>
-                  <a:ext uri="{0D108BD9-81ED-4DB2-BD59-A6C34878D82A}">
-                    <a16:rowId xmlns:a16="http://schemas.microsoft.com/office/drawing/2014/main" val="10003"/>
-                  </a:ext>
-                </a:extLst>
-              </a:tr>
-              <a:tr h="366617">
-                <a:tc>
-                  <a:txBody>
-                    <a:bodyPr/>
-                    <a:lstStyle/>
-                    <a:p>
-                      <a:r>
-                        <a:rPr lang="en-US" sz="800" b="0" i="0" dirty="0">
-                          <a:solidFill>
-                            <a:schemeClr val="tx1"/>
-                          </a:solidFill>
-                          <a:latin typeface="+mn-lt"/>
-                          <a:ea typeface="Calibri Light" charset="0"/>
-                          <a:cs typeface="Calibri Light" charset="0"/>
-                        </a:rPr>
-                        <a:t>Body copy</a:t>
-                      </a:r>
-                    </a:p>
-                  </a:txBody>
-                  <a:tcPr anchor="ctr">
-                    <a:lnL w="12700" cap="flat" cmpd="sng" algn="ctr">
-                      <a:noFill/>
-                      <a:prstDash val="solid"/>
-                      <a:round/>
-                      <a:headEnd type="none" w="med" len="med"/>
-                      <a:tailEnd type="none" w="med" len="med"/>
-                    </a:lnL>
-                    <a:lnR w="12700" cap="flat" cmpd="sng" algn="ctr">
-                      <a:noFill/>
-                      <a:prstDash val="solid"/>
-                      <a:round/>
-                      <a:headEnd type="none" w="med" len="med"/>
-                      <a:tailEnd type="none" w="med" len="med"/>
-                    </a:lnR>
-                    <a:lnT w="12700" cap="flat" cmpd="sng" algn="ctr">
-                      <a:noFill/>
-                      <a:prstDash val="solid"/>
-                      <a:round/>
-                      <a:headEnd type="none" w="med" len="med"/>
-                      <a:tailEnd type="none" w="med" len="med"/>
-                    </a:lnT>
-                    <a:lnB w="6350" cap="flat" cmpd="sng" algn="ctr">
-                      <a:noFill/>
-                      <a:prstDash val="solid"/>
-                      <a:round/>
-                      <a:headEnd type="none" w="med" len="med"/>
-                      <a:tailEnd type="none" w="med" len="med"/>
-                    </a:lnB>
-                    <a:lnTlToBr w="12700" cmpd="sng">
-                      <a:noFill/>
-                      <a:prstDash val="solid"/>
-                    </a:lnTlToBr>
-                    <a:lnBlToTr w="12700" cmpd="sng">
-                      <a:noFill/>
-                      <a:prstDash val="solid"/>
-                    </a:lnBlToTr>
-                    <a:solidFill>
-                      <a:schemeClr val="bg1"/>
-                    </a:solidFill>
-                  </a:tcPr>
-                </a:tc>
-                <a:tc>
-                  <a:txBody>
-                    <a:bodyPr/>
-                    <a:lstStyle/>
-                    <a:p>
-                      <a:r>
-                        <a:rPr lang="en-US" sz="800" b="0" i="0" dirty="0">
-                          <a:solidFill>
-                            <a:schemeClr val="tx1"/>
-                          </a:solidFill>
-                          <a:latin typeface="+mn-lt"/>
-                          <a:ea typeface="Calibri Light" charset="0"/>
-                          <a:cs typeface="Calibri Light" charset="0"/>
-                        </a:rPr>
-                        <a:t>Body copy</a:t>
-                      </a:r>
-                    </a:p>
-                  </a:txBody>
-                  <a:tcPr anchor="ctr">
-                    <a:lnL w="12700" cap="flat" cmpd="sng" algn="ctr">
-                      <a:noFill/>
-                      <a:prstDash val="solid"/>
-                      <a:round/>
-                      <a:headEnd type="none" w="med" len="med"/>
-                      <a:tailEnd type="none" w="med" len="med"/>
-                    </a:lnL>
-                    <a:lnR w="12700" cap="flat" cmpd="sng" algn="ctr">
-                      <a:noFill/>
-                      <a:prstDash val="solid"/>
-                      <a:round/>
-                      <a:headEnd type="none" w="med" len="med"/>
-                      <a:tailEnd type="none" w="med" len="med"/>
-                    </a:lnR>
-                    <a:lnT w="12700" cap="flat" cmpd="sng" algn="ctr">
-                      <a:noFill/>
-                      <a:prstDash val="solid"/>
-                      <a:round/>
-                      <a:headEnd type="none" w="med" len="med"/>
-                      <a:tailEnd type="none" w="med" len="med"/>
-                    </a:lnT>
-                    <a:lnB w="6350" cap="flat" cmpd="sng" algn="ctr">
-                      <a:noFill/>
-                      <a:prstDash val="solid"/>
-                      <a:round/>
-                      <a:headEnd type="none" w="med" len="med"/>
-                      <a:tailEnd type="none" w="med" len="med"/>
-                    </a:lnB>
-                    <a:lnTlToBr w="12700" cmpd="sng">
-                      <a:noFill/>
-                      <a:prstDash val="solid"/>
-                    </a:lnTlToBr>
-                    <a:lnBlToTr w="12700" cmpd="sng">
-                      <a:noFill/>
-                      <a:prstDash val="solid"/>
-                    </a:lnBlToTr>
-                    <a:solidFill>
-                      <a:schemeClr val="bg1"/>
-                    </a:solidFill>
-                  </a:tcPr>
-                </a:tc>
-                <a:tc>
-                  <a:txBody>
-                    <a:bodyPr/>
-                    <a:lstStyle/>
-                    <a:p>
-                      <a:r>
-                        <a:rPr lang="en-US" sz="800" b="0" i="0" dirty="0">
-                          <a:solidFill>
-                            <a:schemeClr val="tx1"/>
-                          </a:solidFill>
-                          <a:latin typeface="+mn-lt"/>
-                          <a:ea typeface="Calibri Light" charset="0"/>
-                          <a:cs typeface="Calibri Light" charset="0"/>
-                        </a:rPr>
-                        <a:t>Body copy</a:t>
-                      </a:r>
-                    </a:p>
-                  </a:txBody>
-                  <a:tcPr anchor="ctr">
-                    <a:lnL w="12700" cap="flat" cmpd="sng" algn="ctr">
-                      <a:noFill/>
-                      <a:prstDash val="solid"/>
-                      <a:round/>
-                      <a:headEnd type="none" w="med" len="med"/>
-                      <a:tailEnd type="none" w="med" len="med"/>
-                    </a:lnL>
-                    <a:lnR w="12700" cap="flat" cmpd="sng" algn="ctr">
-                      <a:noFill/>
-                      <a:prstDash val="solid"/>
-                      <a:round/>
-                      <a:headEnd type="none" w="med" len="med"/>
-                      <a:tailEnd type="none" w="med" len="med"/>
-                    </a:lnR>
-                    <a:lnT w="12700" cap="flat" cmpd="sng" algn="ctr">
-                      <a:noFill/>
-                      <a:prstDash val="solid"/>
-                      <a:round/>
-                      <a:headEnd type="none" w="med" len="med"/>
-                      <a:tailEnd type="none" w="med" len="med"/>
-                    </a:lnT>
-                    <a:lnB w="6350" cap="flat" cmpd="sng" algn="ctr">
-                      <a:noFill/>
-                      <a:prstDash val="solid"/>
-                      <a:round/>
-                      <a:headEnd type="none" w="med" len="med"/>
-                      <a:tailEnd type="none" w="med" len="med"/>
-                    </a:lnB>
-                    <a:lnTlToBr w="12700" cmpd="sng">
-                      <a:noFill/>
-                      <a:prstDash val="solid"/>
-                    </a:lnTlToBr>
-                    <a:lnBlToTr w="12700" cmpd="sng">
-                      <a:noFill/>
-                      <a:prstDash val="solid"/>
-                    </a:lnBlToTr>
-                    <a:solidFill>
-                      <a:schemeClr val="bg1"/>
-                    </a:solidFill>
-                  </a:tcPr>
-                </a:tc>
-                <a:extLst>
-                  <a:ext uri="{0D108BD9-81ED-4DB2-BD59-A6C34878D82A}">
-                    <a16:rowId xmlns:a16="http://schemas.microsoft.com/office/drawing/2014/main" val="4110504597"/>
-                  </a:ext>
-                </a:extLst>
-              </a:tr>
-              <a:tr h="366617">
-                <a:tc>
-                  <a:txBody>
-                    <a:bodyPr/>
-                    <a:lstStyle/>
-                    <a:p>
-                      <a:r>
-                        <a:rPr lang="en-US" sz="800" b="0" i="0" dirty="0">
-                          <a:solidFill>
-                            <a:schemeClr val="tx1"/>
-                          </a:solidFill>
-                          <a:latin typeface="+mn-lt"/>
-                          <a:ea typeface="Calibri Light" charset="0"/>
-                          <a:cs typeface="Calibri Light" charset="0"/>
-                        </a:rPr>
-                        <a:t>Body copy</a:t>
-                      </a:r>
-                    </a:p>
-                  </a:txBody>
-                  <a:tcPr anchor="ctr">
-                    <a:lnL w="12700" cap="flat" cmpd="sng" algn="ctr">
-                      <a:noFill/>
-                      <a:prstDash val="solid"/>
-                      <a:round/>
-                      <a:headEnd type="none" w="med" len="med"/>
-                      <a:tailEnd type="none" w="med" len="med"/>
-                    </a:lnL>
-                    <a:lnR w="12700" cap="flat" cmpd="sng" algn="ctr">
-                      <a:noFill/>
-                      <a:prstDash val="solid"/>
-                      <a:round/>
-                      <a:headEnd type="none" w="med" len="med"/>
-                      <a:tailEnd type="none" w="med" len="med"/>
-                    </a:lnR>
-                    <a:lnT w="12700" cap="flat" cmpd="sng" algn="ctr">
-                      <a:noFill/>
-                      <a:prstDash val="solid"/>
-                      <a:round/>
-                      <a:headEnd type="none" w="med" len="med"/>
-                      <a:tailEnd type="none" w="med" len="med"/>
-                    </a:lnT>
-                    <a:lnB w="6350" cap="flat" cmpd="sng" algn="ctr">
-                      <a:noFill/>
-                      <a:prstDash val="solid"/>
-                      <a:round/>
-                      <a:headEnd type="none" w="med" len="med"/>
-                      <a:tailEnd type="none" w="med" len="med"/>
-                    </a:lnB>
-                    <a:lnTlToBr w="12700" cmpd="sng">
-                      <a:noFill/>
-                      <a:prstDash val="solid"/>
-                    </a:lnTlToBr>
-                    <a:lnBlToTr w="12700" cmpd="sng">
-                      <a:noFill/>
-                      <a:prstDash val="solid"/>
-                    </a:lnBlToTr>
-                    <a:solidFill>
-                      <a:schemeClr val="bg1">
-                        <a:lumMod val="95000"/>
-                      </a:schemeClr>
-                    </a:solidFill>
-                  </a:tcPr>
-                </a:tc>
-                <a:tc>
-                  <a:txBody>
-                    <a:bodyPr/>
-                    <a:lstStyle/>
-                    <a:p>
-                      <a:r>
-                        <a:rPr lang="en-US" sz="800" b="0" i="0" dirty="0">
-                          <a:solidFill>
-                            <a:schemeClr val="tx1"/>
-                          </a:solidFill>
-                          <a:latin typeface="+mn-lt"/>
-                          <a:ea typeface="Calibri Light" charset="0"/>
-                          <a:cs typeface="Calibri Light" charset="0"/>
-                        </a:rPr>
-                        <a:t>Body copy</a:t>
-                      </a:r>
-                    </a:p>
-                  </a:txBody>
-                  <a:tcPr anchor="ctr">
-                    <a:lnL w="12700" cap="flat" cmpd="sng" algn="ctr">
-                      <a:noFill/>
-                      <a:prstDash val="solid"/>
-                      <a:round/>
-                      <a:headEnd type="none" w="med" len="med"/>
-                      <a:tailEnd type="none" w="med" len="med"/>
-                    </a:lnL>
-                    <a:lnR w="12700" cap="flat" cmpd="sng" algn="ctr">
-                      <a:noFill/>
-                      <a:prstDash val="solid"/>
-                      <a:round/>
-                      <a:headEnd type="none" w="med" len="med"/>
-                      <a:tailEnd type="none" w="med" len="med"/>
-                    </a:lnR>
-                    <a:lnT w="12700" cap="flat" cmpd="sng" algn="ctr">
-                      <a:noFill/>
-                      <a:prstDash val="solid"/>
-                      <a:round/>
-                      <a:headEnd type="none" w="med" len="med"/>
-                      <a:tailEnd type="none" w="med" len="med"/>
-                    </a:lnT>
-                    <a:lnB w="6350" cap="flat" cmpd="sng" algn="ctr">
-                      <a:noFill/>
-                      <a:prstDash val="solid"/>
-                      <a:round/>
-                      <a:headEnd type="none" w="med" len="med"/>
-                      <a:tailEnd type="none" w="med" len="med"/>
-                    </a:lnB>
-                    <a:lnTlToBr w="12700" cmpd="sng">
-                      <a:noFill/>
-                      <a:prstDash val="solid"/>
-                    </a:lnTlToBr>
-                    <a:lnBlToTr w="12700" cmpd="sng">
-                      <a:noFill/>
-                      <a:prstDash val="solid"/>
-                    </a:lnBlToTr>
-                    <a:solidFill>
-                      <a:schemeClr val="bg1">
-                        <a:lumMod val="95000"/>
-                      </a:schemeClr>
-                    </a:solidFill>
-                  </a:tcPr>
-                </a:tc>
-                <a:tc>
-                  <a:txBody>
-                    <a:bodyPr/>
-                    <a:lstStyle/>
-                    <a:p>
-                      <a:r>
-                        <a:rPr lang="en-US" sz="800" b="0" i="0" dirty="0">
-                          <a:solidFill>
-                            <a:schemeClr val="tx1"/>
-                          </a:solidFill>
-                          <a:latin typeface="+mn-lt"/>
-                          <a:ea typeface="Calibri Light" charset="0"/>
-                          <a:cs typeface="Calibri Light" charset="0"/>
-                        </a:rPr>
-                        <a:t>Body copy</a:t>
-                      </a:r>
-                    </a:p>
-                  </a:txBody>
-                  <a:tcPr anchor="ctr">
-                    <a:lnL w="12700" cap="flat" cmpd="sng" algn="ctr">
-                      <a:noFill/>
-                      <a:prstDash val="solid"/>
-                      <a:round/>
-                      <a:headEnd type="none" w="med" len="med"/>
-                      <a:tailEnd type="none" w="med" len="med"/>
-                    </a:lnL>
-                    <a:lnR w="12700" cap="flat" cmpd="sng" algn="ctr">
-                      <a:noFill/>
-                      <a:prstDash val="solid"/>
-                      <a:round/>
-                      <a:headEnd type="none" w="med" len="med"/>
-                      <a:tailEnd type="none" w="med" len="med"/>
-                    </a:lnR>
-                    <a:lnT w="12700" cap="flat" cmpd="sng" algn="ctr">
-                      <a:noFill/>
-                      <a:prstDash val="solid"/>
-                      <a:round/>
-                      <a:headEnd type="none" w="med" len="med"/>
-                      <a:tailEnd type="none" w="med" len="med"/>
-                    </a:lnT>
-                    <a:lnB w="6350" cap="flat" cmpd="sng" algn="ctr">
-                      <a:noFill/>
-                      <a:prstDash val="solid"/>
-                      <a:round/>
-                      <a:headEnd type="none" w="med" len="med"/>
-                      <a:tailEnd type="none" w="med" len="med"/>
-                    </a:lnB>
-                    <a:lnTlToBr w="12700" cmpd="sng">
-                      <a:noFill/>
-                      <a:prstDash val="solid"/>
-                    </a:lnTlToBr>
-                    <a:lnBlToTr w="12700" cmpd="sng">
-                      <a:noFill/>
-                      <a:prstDash val="solid"/>
-                    </a:lnBlToTr>
-                    <a:solidFill>
-                      <a:schemeClr val="bg1">
-                        <a:lumMod val="95000"/>
-                      </a:schemeClr>
-                    </a:solidFill>
-                  </a:tcPr>
-                </a:tc>
-                <a:extLst>
-                  <a:ext uri="{0D108BD9-81ED-4DB2-BD59-A6C34878D82A}">
-                    <a16:rowId xmlns:a16="http://schemas.microsoft.com/office/drawing/2014/main" val="22633469"/>
-                  </a:ext>
-                </a:extLst>
-              </a:tr>
-              <a:tr h="366617">
-                <a:tc>
-                  <a:txBody>
-                    <a:bodyPr/>
-                    <a:lstStyle/>
-                    <a:p>
-                      <a:r>
-                        <a:rPr lang="en-US" sz="800" b="0" i="0" dirty="0">
-                          <a:solidFill>
-                            <a:schemeClr val="tx1"/>
-                          </a:solidFill>
-                          <a:latin typeface="+mn-lt"/>
-                          <a:ea typeface="Calibri Light" charset="0"/>
-                          <a:cs typeface="Calibri Light" charset="0"/>
-                        </a:rPr>
-                        <a:t>Body copy</a:t>
-                      </a:r>
-                    </a:p>
-                  </a:txBody>
-                  <a:tcPr anchor="ctr">
-                    <a:lnL w="12700" cap="flat" cmpd="sng" algn="ctr">
-                      <a:noFill/>
-                      <a:prstDash val="solid"/>
-                      <a:round/>
-                      <a:headEnd type="none" w="med" len="med"/>
-                      <a:tailEnd type="none" w="med" len="med"/>
-                    </a:lnL>
-                    <a:lnR w="12700" cap="flat" cmpd="sng" algn="ctr">
-                      <a:noFill/>
-                      <a:prstDash val="solid"/>
-                      <a:round/>
-                      <a:headEnd type="none" w="med" len="med"/>
-                      <a:tailEnd type="none" w="med" len="med"/>
-                    </a:lnR>
-                    <a:lnT w="12700" cap="flat" cmpd="sng" algn="ctr">
-                      <a:noFill/>
-                      <a:prstDash val="solid"/>
-                      <a:round/>
-                      <a:headEnd type="none" w="med" len="med"/>
-                      <a:tailEnd type="none" w="med" len="med"/>
-                    </a:lnT>
-                    <a:lnB w="6350" cap="flat" cmpd="sng" algn="ctr">
-                      <a:noFill/>
-                      <a:prstDash val="solid"/>
-                      <a:round/>
-                      <a:headEnd type="none" w="med" len="med"/>
-                      <a:tailEnd type="none" w="med" len="med"/>
-                    </a:lnB>
-                    <a:lnTlToBr w="12700" cmpd="sng">
-                      <a:noFill/>
-                      <a:prstDash val="solid"/>
-                    </a:lnTlToBr>
-                    <a:lnBlToTr w="12700" cmpd="sng">
-                      <a:noFill/>
-                      <a:prstDash val="solid"/>
-                    </a:lnBlToTr>
-                    <a:solidFill>
-                      <a:schemeClr val="bg1"/>
-                    </a:solidFill>
-                  </a:tcPr>
-                </a:tc>
-                <a:tc>
-                  <a:txBody>
-                    <a:bodyPr/>
-                    <a:lstStyle/>
-                    <a:p>
-                      <a:r>
-                        <a:rPr lang="en-US" sz="800" b="0" i="0" dirty="0">
-                          <a:solidFill>
-                            <a:schemeClr val="tx1"/>
-                          </a:solidFill>
-                          <a:latin typeface="+mn-lt"/>
-                          <a:ea typeface="Calibri Light" charset="0"/>
-                          <a:cs typeface="Calibri Light" charset="0"/>
-                        </a:rPr>
-                        <a:t>Body copy</a:t>
-                      </a:r>
-                    </a:p>
-                  </a:txBody>
-                  <a:tcPr anchor="ctr">
-                    <a:lnL w="12700" cap="flat" cmpd="sng" algn="ctr">
-                      <a:noFill/>
-                      <a:prstDash val="solid"/>
-                      <a:round/>
-                      <a:headEnd type="none" w="med" len="med"/>
-                      <a:tailEnd type="none" w="med" len="med"/>
-                    </a:lnL>
-                    <a:lnR w="12700" cap="flat" cmpd="sng" algn="ctr">
-                      <a:noFill/>
-                      <a:prstDash val="solid"/>
-                      <a:round/>
-                      <a:headEnd type="none" w="med" len="med"/>
-                      <a:tailEnd type="none" w="med" len="med"/>
-                    </a:lnR>
-                    <a:lnT w="12700" cap="flat" cmpd="sng" algn="ctr">
-                      <a:noFill/>
-                      <a:prstDash val="solid"/>
-                      <a:round/>
-                      <a:headEnd type="none" w="med" len="med"/>
-                      <a:tailEnd type="none" w="med" len="med"/>
-                    </a:lnT>
-                    <a:lnB w="6350" cap="flat" cmpd="sng" algn="ctr">
-                      <a:noFill/>
-                      <a:prstDash val="solid"/>
-                      <a:round/>
-                      <a:headEnd type="none" w="med" len="med"/>
-                      <a:tailEnd type="none" w="med" len="med"/>
-                    </a:lnB>
-                    <a:lnTlToBr w="12700" cmpd="sng">
-                      <a:noFill/>
-                      <a:prstDash val="solid"/>
-                    </a:lnTlToBr>
-                    <a:lnBlToTr w="12700" cmpd="sng">
-                      <a:noFill/>
-                      <a:prstDash val="solid"/>
-                    </a:lnBlToTr>
-                    <a:solidFill>
-                      <a:schemeClr val="bg1"/>
-                    </a:solidFill>
-                  </a:tcPr>
-                </a:tc>
-                <a:tc>
-                  <a:txBody>
-                    <a:bodyPr/>
-                    <a:lstStyle/>
-                    <a:p>
-                      <a:r>
-                        <a:rPr lang="en-US" sz="800" b="0" i="0" dirty="0">
-                          <a:solidFill>
-                            <a:schemeClr val="tx1"/>
-                          </a:solidFill>
-                          <a:latin typeface="+mn-lt"/>
-                          <a:ea typeface="Calibri Light" charset="0"/>
-                          <a:cs typeface="Calibri Light" charset="0"/>
-                        </a:rPr>
-                        <a:t>Body copy</a:t>
-                      </a:r>
-                    </a:p>
-                  </a:txBody>
-                  <a:tcPr anchor="ctr">
-                    <a:lnL w="12700" cap="flat" cmpd="sng" algn="ctr">
-                      <a:noFill/>
-                      <a:prstDash val="solid"/>
-                      <a:round/>
-                      <a:headEnd type="none" w="med" len="med"/>
-                      <a:tailEnd type="none" w="med" len="med"/>
-                    </a:lnL>
-                    <a:lnR w="12700" cap="flat" cmpd="sng" algn="ctr">
-                      <a:noFill/>
-                      <a:prstDash val="solid"/>
-                      <a:round/>
-                      <a:headEnd type="none" w="med" len="med"/>
-                      <a:tailEnd type="none" w="med" len="med"/>
-                    </a:lnR>
-                    <a:lnT w="12700" cap="flat" cmpd="sng" algn="ctr">
-                      <a:noFill/>
-                      <a:prstDash val="solid"/>
-                      <a:round/>
-                      <a:headEnd type="none" w="med" len="med"/>
-                      <a:tailEnd type="none" w="med" len="med"/>
-                    </a:lnT>
-                    <a:lnB w="6350" cap="flat" cmpd="sng" algn="ctr">
-                      <a:noFill/>
-                      <a:prstDash val="solid"/>
-                      <a:round/>
-                      <a:headEnd type="none" w="med" len="med"/>
-                      <a:tailEnd type="none" w="med" len="med"/>
-                    </a:lnB>
-                    <a:lnTlToBr w="12700" cmpd="sng">
-                      <a:noFill/>
-                      <a:prstDash val="solid"/>
-                    </a:lnTlToBr>
-                    <a:lnBlToTr w="12700" cmpd="sng">
-                      <a:noFill/>
-                      <a:prstDash val="solid"/>
-                    </a:lnBlToTr>
-                    <a:solidFill>
-                      <a:schemeClr val="bg1"/>
-                    </a:solidFill>
-                  </a:tcPr>
-                </a:tc>
-                <a:extLst>
-                  <a:ext uri="{0D108BD9-81ED-4DB2-BD59-A6C34878D82A}">
-                    <a16:rowId xmlns:a16="http://schemas.microsoft.com/office/drawing/2014/main" val="1098630424"/>
-                  </a:ext>
-                </a:extLst>
-              </a:tr>
-            </a:tbl>
-          </a:graphicData>
-        </a:graphic>
-      </p:graphicFrame>
-      <p:sp>
-        <p:nvSpPr>
-          <p:cNvPr id="10" name="TextBox 9">
-            <a:extLst>
-              <a:ext uri="{FF2B5EF4-FFF2-40B4-BE49-F238E27FC236}">
-                <a16:creationId xmlns:a16="http://schemas.microsoft.com/office/drawing/2014/main" id="{76B731B1-EA39-B441-BDD2-C37F095C480C}"/>
-              </a:ext>
-            </a:extLst>
-          </p:cNvPr>
-          <p:cNvSpPr txBox="1"/>
-          <p:nvPr/>
-        </p:nvSpPr>
-        <p:spPr>
-          <a:xfrm>
-            <a:off x="504826" y="1742086"/>
-            <a:ext cx="3348548" cy="246221"/>
-          </a:xfrm>
-          <a:prstGeom prst="rect">
-            <a:avLst/>
-          </a:prstGeom>
-          <a:noFill/>
-        </p:spPr>
-        <p:txBody>
-          <a:bodyPr wrap="square" lIns="0" rtlCol="0">
-            <a:spAutoFit/>
-          </a:bodyPr>
-          <a:lstStyle/>
-          <a:p>
-            <a:r>
-              <a:rPr lang="en-US" sz="1000" b="1" dirty="0">
-                <a:solidFill>
-                  <a:srgbClr val="0097D9"/>
-                </a:solidFill>
-              </a:rPr>
-              <a:t>TABLE TITLE HERE</a:t>
-            </a:r>
-          </a:p>
-        </p:txBody>
-      </p:sp>
-      <p:sp>
-        <p:nvSpPr>
-          <p:cNvPr id="11" name="Slide Number Placeholder 5">
-            <a:extLst>
-              <a:ext uri="{FF2B5EF4-FFF2-40B4-BE49-F238E27FC236}">
-                <a16:creationId xmlns:a16="http://schemas.microsoft.com/office/drawing/2014/main" id="{FF28650A-4563-3440-84A5-BFA39AAFF5E1}"/>
-              </a:ext>
-            </a:extLst>
-          </p:cNvPr>
-          <p:cNvSpPr>
-            <a:spLocks noGrp="1"/>
-          </p:cNvSpPr>
-          <p:nvPr>
-            <p:ph type="sldNum" sz="quarter" idx="12"/>
-          </p:nvPr>
-        </p:nvSpPr>
-        <p:spPr>
-          <a:xfrm>
-            <a:off x="8549974" y="4821306"/>
-            <a:ext cx="409324" cy="215444"/>
-          </a:xfrm>
-        </p:spPr>
-        <p:txBody>
-          <a:bodyPr/>
-          <a:lstStyle/>
-          <a:p>
-            <a:fld id="{535EF33A-04D8-4107-96E5-33B70AE88DFF}" type="slidenum">
-              <a:rPr lang="en-US" smtClean="0"/>
-              <a:pPr/>
-              <a:t>12</a:t>
-            </a:fld>
-            <a:endParaRPr lang="en-US" dirty="0"/>
-          </a:p>
-        </p:txBody>
-      </p:sp>
-    </p:spTree>
-    <p:extLst>
-      <p:ext uri="{BB962C8B-B14F-4D97-AF65-F5344CB8AC3E}">
-        <p14:creationId xmlns:p14="http://schemas.microsoft.com/office/powerpoint/2010/main" val="2312894845"/>
-      </p:ext>
-    </p:extLst>
-  </p:cSld>
-  <p:clrMapOvr>
-    <a:masterClrMapping/>
-  </p:clrMapOvr>
-</p:sld>
-</file>
-
-<file path=ppt/slides/slide13.xml><?xml version="1.0" encoding="utf-8"?>
-<p:sld xmlns:a="http://schemas.openxmlformats.org/drawingml/2006/main" xmlns:r="http://schemas.openxmlformats.org/officeDocument/2006/relationships" xmlns:p="http://schemas.openxmlformats.org/presentationml/2006/main">
-  <p:cSld>
-    <p:spTree>
-      <p:nvGrpSpPr>
-        <p:cNvPr id="1" name=""/>
-        <p:cNvGrpSpPr/>
-        <p:nvPr/>
-      </p:nvGrpSpPr>
-      <p:grpSpPr>
-        <a:xfrm>
-          <a:off x="0" y="0"/>
-          <a:ext cx="0" cy="0"/>
-          <a:chOff x="0" y="0"/>
-          <a:chExt cx="0" cy="0"/>
-        </a:xfrm>
-      </p:grpSpPr>
-      <p:sp>
-        <p:nvSpPr>
-          <p:cNvPr id="9" name="Title 8">
-            <a:extLst>
-              <a:ext uri="{FF2B5EF4-FFF2-40B4-BE49-F238E27FC236}">
-                <a16:creationId xmlns:a16="http://schemas.microsoft.com/office/drawing/2014/main" id="{795A9E4A-C1C7-754F-B94A-98F1C713D310}"/>
-              </a:ext>
-            </a:extLst>
-          </p:cNvPr>
-          <p:cNvSpPr>
-            <a:spLocks noGrp="1"/>
-          </p:cNvSpPr>
-          <p:nvPr>
-            <p:ph type="title"/>
-          </p:nvPr>
-        </p:nvSpPr>
-        <p:spPr>
-          <a:xfrm>
-            <a:off x="524431" y="3053296"/>
-            <a:ext cx="5578825" cy="1200329"/>
-          </a:xfrm>
-        </p:spPr>
-        <p:txBody>
-          <a:bodyPr/>
-          <a:lstStyle/>
-          <a:p>
-            <a:r>
-              <a:rPr lang="en-US" dirty="0"/>
-              <a:t>Divider Slide for Presentation use only</a:t>
-            </a:r>
-          </a:p>
-        </p:txBody>
-      </p:sp>
-      <p:sp>
-        <p:nvSpPr>
-          <p:cNvPr id="10" name="Subtitle 9">
-            <a:extLst>
-              <a:ext uri="{FF2B5EF4-FFF2-40B4-BE49-F238E27FC236}">
-                <a16:creationId xmlns:a16="http://schemas.microsoft.com/office/drawing/2014/main" id="{9A910F8B-F301-344C-A29C-38C95E379304}"/>
-              </a:ext>
-            </a:extLst>
-          </p:cNvPr>
-          <p:cNvSpPr>
-            <a:spLocks noGrp="1"/>
-          </p:cNvSpPr>
-          <p:nvPr>
-            <p:ph type="subTitle" idx="1"/>
-          </p:nvPr>
-        </p:nvSpPr>
-        <p:spPr/>
-        <p:txBody>
-          <a:bodyPr/>
-          <a:lstStyle/>
-          <a:p>
-            <a:r>
-              <a:rPr lang="en-US" dirty="0"/>
-              <a:t>This Subtitle is Arial in Medium Blue</a:t>
-            </a:r>
-          </a:p>
-        </p:txBody>
-      </p:sp>
-    </p:spTree>
-    <p:extLst>
-      <p:ext uri="{BB962C8B-B14F-4D97-AF65-F5344CB8AC3E}">
-        <p14:creationId xmlns:p14="http://schemas.microsoft.com/office/powerpoint/2010/main" val="910526363"/>
-      </p:ext>
-    </p:extLst>
-  </p:cSld>
-  <p:clrMapOvr>
-    <a:masterClrMapping/>
-  </p:clrMapOvr>
-  <mc:AlternateContent xmlns:mc="http://schemas.openxmlformats.org/markup-compatibility/2006" xmlns:p14="http://schemas.microsoft.com/office/powerpoint/2010/main">
-    <mc:Choice Requires="p14">
-      <p:transition spd="med" p14:dur="700">
-        <p:fade/>
-      </p:transition>
-    </mc:Choice>
-    <mc:Fallback xmlns="">
-      <p:transition spd="med">
-        <p:fade/>
-      </p:transition>
-    </mc:Fallback>
-  </mc:AlternateContent>
-</p:sld>
-</file>
-
 <file path=ppt/slides/slide2.xml><?xml version="1.0" encoding="utf-8"?>
 <p:sld xmlns:a="http://schemas.openxmlformats.org/drawingml/2006/main" xmlns:r="http://schemas.openxmlformats.org/officeDocument/2006/relationships" xmlns:p="http://schemas.openxmlformats.org/presentationml/2006/main">
   <p:cSld>
@@ -16616,10 +13606,10 @@
       </p:grpSpPr>
       <p:sp>
         <p:nvSpPr>
-          <p:cNvPr id="5" name="Title 4">
-            <a:extLst>
-              <a:ext uri="{FF2B5EF4-FFF2-40B4-BE49-F238E27FC236}">
-                <a16:creationId xmlns:a16="http://schemas.microsoft.com/office/drawing/2014/main" id="{D0905275-2C3F-C740-B4C6-2E4A2060E93A}"/>
+          <p:cNvPr id="2" name="Title 1">
+            <a:extLst>
+              <a:ext uri="{FF2B5EF4-FFF2-40B4-BE49-F238E27FC236}">
+                <a16:creationId xmlns:a16="http://schemas.microsoft.com/office/drawing/2014/main" id="{F6C59A95-CB26-4CC1-9294-A44BF11967A7}"/>
               </a:ext>
             </a:extLst>
           </p:cNvPr>
@@ -16637,17 +13627,17 @@
           <a:p>
             <a:r>
               <a:rPr lang="en-US" dirty="0"/>
-              <a:t>Capstone 1 Instructions</a:t>
-            </a:r>
-          </a:p>
-        </p:txBody>
-      </p:sp>
-      <p:sp>
-        <p:nvSpPr>
-          <p:cNvPr id="6" name="Content Placeholder 5">
-            <a:extLst>
-              <a:ext uri="{FF2B5EF4-FFF2-40B4-BE49-F238E27FC236}">
-                <a16:creationId xmlns:a16="http://schemas.microsoft.com/office/drawing/2014/main" id="{B100F3AF-4688-9845-865A-516B841DB928}"/>
+              <a:t>About the app</a:t>
+            </a:r>
+          </a:p>
+        </p:txBody>
+      </p:sp>
+      <p:sp>
+        <p:nvSpPr>
+          <p:cNvPr id="3" name="Content Placeholder 2">
+            <a:extLst>
+              <a:ext uri="{FF2B5EF4-FFF2-40B4-BE49-F238E27FC236}">
+                <a16:creationId xmlns:a16="http://schemas.microsoft.com/office/drawing/2014/main" id="{E3376174-C023-444A-B18E-14313534F35A}"/>
               </a:ext>
             </a:extLst>
           </p:cNvPr>
@@ -16660,8 +13650,8 @@
         </p:nvSpPr>
         <p:spPr>
           <a:xfrm>
-            <a:off x="512315" y="1761159"/>
-            <a:ext cx="4059684" cy="2702891"/>
+            <a:off x="454027" y="1469059"/>
+            <a:ext cx="8134348" cy="2702891"/>
           </a:xfrm>
         </p:spPr>
         <p:txBody>
@@ -16676,69 +13666,99 @@
             <a:r>
               <a:rPr lang="en-US" b="1" dirty="0">
                 <a:solidFill>
-                  <a:srgbClr val="0097D9"/>
+                  <a:schemeClr val="accent3"/>
                 </a:solidFill>
               </a:rPr>
-              <a:t>Suggested order of components to demo:</a:t>
-            </a:r>
-            <a:endParaRPr lang="en-US" dirty="0"/>
-          </a:p>
-          <a:p>
-            <a:r>
-              <a:rPr lang="en-US" dirty="0"/>
-              <a:t>Web App UI – Data Entry Functionality​</a:t>
-            </a:r>
-          </a:p>
-          <a:p>
-            <a:r>
-              <a:rPr lang="en-US" dirty="0"/>
-              <a:t>Sales Dashboard, and Analysis Findings​</a:t>
-            </a:r>
-          </a:p>
-          <a:p>
-            <a:r>
-              <a:rPr lang="en-US" dirty="0"/>
-              <a:t>Back end – Database Design​</a:t>
-            </a:r>
-            <a:endParaRPr lang="en-US" b="1" dirty="0">
-              <a:solidFill>
-                <a:srgbClr val="0097D9"/>
-              </a:solidFill>
-            </a:endParaRPr>
-          </a:p>
-          <a:p>
-            <a:pPr marL="0" indent="0">
-              <a:buNone/>
-            </a:pPr>
-            <a:endParaRPr lang="en-US" b="1" dirty="0">
-              <a:solidFill>
-                <a:srgbClr val="0097D9"/>
-              </a:solidFill>
-            </a:endParaRPr>
-          </a:p>
-          <a:p>
-            <a:pPr marL="0" indent="0">
-              <a:buNone/>
-            </a:pPr>
+              <a:t>The application is used to enter weekly sales data by </a:t>
+            </a:r>
+            <a:r>
+              <a:rPr lang="en-US" b="1" dirty="0" err="1">
+                <a:solidFill>
+                  <a:schemeClr val="accent3"/>
+                </a:solidFill>
+              </a:rPr>
+              <a:t>TractorTEK</a:t>
+            </a:r>
             <a:r>
               <a:rPr lang="en-US" b="1" dirty="0">
                 <a:solidFill>
-                  <a:srgbClr val="0097D9"/>
+                  <a:schemeClr val="accent3"/>
                 </a:solidFill>
               </a:rPr>
-              <a:t>Focal points should be: ​</a:t>
+              <a:t> sales team. </a:t>
             </a:r>
           </a:p>
           <a:p>
             <a:r>
               <a:rPr lang="en-US" dirty="0"/>
-              <a:t>Design choices &amp; justifications​</a:t>
+              <a:t>Python as a front-end programming language</a:t>
             </a:r>
           </a:p>
           <a:p>
             <a:r>
               <a:rPr lang="en-US" dirty="0"/>
-              <a:t>Value to the customer</a:t>
+              <a:t>MySQL RDBMS for the backend</a:t>
+            </a:r>
+          </a:p>
+          <a:p>
+            <a:endParaRPr lang="en-US" dirty="0"/>
+          </a:p>
+        </p:txBody>
+      </p:sp>
+    </p:spTree>
+    <p:extLst>
+      <p:ext uri="{BB962C8B-B14F-4D97-AF65-F5344CB8AC3E}">
+        <p14:creationId xmlns:p14="http://schemas.microsoft.com/office/powerpoint/2010/main" val="1764387413"/>
+      </p:ext>
+    </p:extLst>
+  </p:cSld>
+  <p:clrMapOvr>
+    <a:masterClrMapping/>
+  </p:clrMapOvr>
+</p:sld>
+</file>
+
+<file path=ppt/slides/slide3.xml><?xml version="1.0" encoding="utf-8"?>
+<p:sld xmlns:a="http://schemas.openxmlformats.org/drawingml/2006/main" xmlns:r="http://schemas.openxmlformats.org/officeDocument/2006/relationships" xmlns:p="http://schemas.openxmlformats.org/presentationml/2006/main">
+  <p:cSld>
+    <p:spTree>
+      <p:nvGrpSpPr>
+        <p:cNvPr id="1" name=""/>
+        <p:cNvGrpSpPr/>
+        <p:nvPr/>
+      </p:nvGrpSpPr>
+      <p:grpSpPr>
+        <a:xfrm>
+          <a:off x="0" y="0"/>
+          <a:ext cx="0" cy="0"/>
+          <a:chOff x="0" y="0"/>
+          <a:chExt cx="0" cy="0"/>
+        </a:xfrm>
+      </p:grpSpPr>
+      <p:sp>
+        <p:nvSpPr>
+          <p:cNvPr id="5" name="Title 4">
+            <a:extLst>
+              <a:ext uri="{FF2B5EF4-FFF2-40B4-BE49-F238E27FC236}">
+                <a16:creationId xmlns:a16="http://schemas.microsoft.com/office/drawing/2014/main" id="{D0905275-2C3F-C740-B4C6-2E4A2060E93A}"/>
+              </a:ext>
+            </a:extLst>
+          </p:cNvPr>
+          <p:cNvSpPr>
+            <a:spLocks noGrp="1"/>
+          </p:cNvSpPr>
+          <p:nvPr>
+            <p:ph type="title"/>
+          </p:nvPr>
+        </p:nvSpPr>
+        <p:spPr/>
+        <p:txBody>
+          <a:bodyPr/>
+          <a:lstStyle/>
+          <a:p>
+            <a:r>
+              <a:rPr lang="en-US" dirty="0"/>
+              <a:t>Data migration</a:t>
             </a:r>
           </a:p>
         </p:txBody>
@@ -16767,7 +13787,7 @@
             <a:fld id="{535EF33A-04D8-4107-96E5-33B70AE88DFF}" type="slidenum">
               <a:rPr lang="en-US" smtClean="0"/>
               <a:pPr/>
-              <a:t>2</a:t>
+              <a:t>3</a:t>
             </a:fld>
             <a:endParaRPr lang="en-US" dirty="0"/>
           </a:p>
@@ -16791,24 +13811,22 @@
         </p:nvSpPr>
         <p:spPr/>
         <p:txBody>
-          <a:bodyPr vert="horz" wrap="square" lIns="0" tIns="45720" rIns="91440" bIns="45720" rtlCol="0" anchor="t">
-            <a:spAutoFit/>
-          </a:bodyPr>
+          <a:bodyPr/>
           <a:lstStyle/>
           <a:p>
             <a:r>
               <a:rPr lang="en-US" dirty="0"/>
-              <a:t>Student guide for planning your presentation</a:t>
-            </a:r>
-          </a:p>
-        </p:txBody>
-      </p:sp>
-      <p:sp>
-        <p:nvSpPr>
-          <p:cNvPr id="3" name="Content Placeholder 5">
-            <a:extLst>
-              <a:ext uri="{FF2B5EF4-FFF2-40B4-BE49-F238E27FC236}">
-                <a16:creationId xmlns:a16="http://schemas.microsoft.com/office/drawing/2014/main" id="{7C7980B7-617C-41DE-A8D4-AE5FF1E166B7}"/>
+              <a:t>How did I do the migration</a:t>
+            </a:r>
+          </a:p>
+        </p:txBody>
+      </p:sp>
+      <p:sp>
+        <p:nvSpPr>
+          <p:cNvPr id="9" name="Content Placeholder 5">
+            <a:extLst>
+              <a:ext uri="{FF2B5EF4-FFF2-40B4-BE49-F238E27FC236}">
+                <a16:creationId xmlns:a16="http://schemas.microsoft.com/office/drawing/2014/main" id="{0141E436-0DA0-4BF3-8408-99E497D5B3E8}"/>
               </a:ext>
             </a:extLst>
           </p:cNvPr>
@@ -16819,16 +13837,16 @@
         </p:nvSpPr>
         <p:spPr>
           <a:xfrm>
-            <a:off x="4535283" y="1881227"/>
-            <a:ext cx="4059684" cy="2702891"/>
-          </a:xfrm>
-          <a:prstGeom prst="rect">
-            <a:avLst/>
-          </a:prstGeom>
-        </p:spPr>
-        <p:txBody>
-          <a:bodyPr vert="horz" lIns="91440" tIns="45720" rIns="91440" bIns="45720" rtlCol="0" anchor="t">
-            <a:normAutofit lnSpcReduction="10000"/>
+            <a:off x="504826" y="2034209"/>
+            <a:ext cx="8134350" cy="2702891"/>
+          </a:xfrm>
+          <a:prstGeom prst="rect">
+            <a:avLst/>
+          </a:prstGeom>
+        </p:spPr>
+        <p:txBody>
+          <a:bodyPr vert="horz" lIns="91440" tIns="45720" rIns="91440" bIns="45720" rtlCol="0">
+            <a:normAutofit/>
           </a:bodyPr>
           <a:lstStyle>
             <a:lvl1pPr marL="117475" indent="-117475" algn="l" defTabSz="685800" rtl="0" eaLnBrk="1" latinLnBrk="0" hangingPunct="1">
@@ -17014,101 +14032,32 @@
             </a:lvl9pPr>
           </a:lstStyle>
           <a:p>
-            <a:pPr marL="0" indent="0">
-              <a:buNone/>
-            </a:pPr>
-            <a:r>
-              <a:rPr lang="en-US" b="1" dirty="0">
-                <a:solidFill>
-                  <a:srgbClr val="0097D9"/>
-                </a:solidFill>
-                <a:cs typeface="Arial" panose="020B0604020202020204"/>
-              </a:rPr>
-              <a:t>Slides &amp; flow</a:t>
-            </a:r>
-          </a:p>
-          <a:p>
-            <a:r>
-              <a:rPr lang="en-US" dirty="0">
-                <a:solidFill>
-                  <a:srgbClr val="717073"/>
-                </a:solidFill>
-                <a:cs typeface="Arial" panose="020B0604020202020204"/>
-              </a:rPr>
-              <a:t>Title Slide</a:t>
-            </a:r>
-          </a:p>
-          <a:p>
-            <a:r>
-              <a:rPr lang="en-US" dirty="0">
-                <a:solidFill>
-                  <a:srgbClr val="717073"/>
-                </a:solidFill>
-                <a:cs typeface="Arial" panose="020B0604020202020204"/>
-              </a:rPr>
-              <a:t>One slide with the name of your solution, a few screenshots, and your picture</a:t>
-            </a:r>
-          </a:p>
-          <a:p>
-            <a:pPr lvl="1" indent="-172720"/>
-            <a:r>
-              <a:rPr lang="en-US" dirty="0">
-                <a:cs typeface="Arial"/>
-              </a:rPr>
-              <a:t>Use this slide to </a:t>
-            </a:r>
-            <a:r>
-              <a:rPr lang="en-US" i="1" dirty="0">
-                <a:cs typeface="Arial"/>
-              </a:rPr>
-              <a:t>very briefly </a:t>
-            </a:r>
-            <a:r>
-              <a:rPr lang="en-US" dirty="0">
-                <a:cs typeface="Arial"/>
-              </a:rPr>
-              <a:t>introduce your app, providing a summary of how it works.</a:t>
-            </a:r>
-          </a:p>
-          <a:p>
-            <a:pPr>
-              <a:buFont typeface="Arial" charset="0"/>
-              <a:buChar char="•"/>
-            </a:pPr>
-            <a:r>
-              <a:rPr lang="en-US" dirty="0">
-                <a:cs typeface="Arial"/>
-              </a:rPr>
-              <a:t>[Live Demo]</a:t>
-            </a:r>
-          </a:p>
-          <a:p>
-            <a:pPr>
-              <a:buFont typeface="Arial" charset="0"/>
-              <a:buChar char="•"/>
-            </a:pPr>
-            <a:r>
-              <a:rPr lang="en-US" dirty="0">
-                <a:cs typeface="Arial"/>
-              </a:rPr>
-              <a:t>Appendix</a:t>
-            </a:r>
-          </a:p>
-          <a:p>
-            <a:pPr lvl="1" indent="-172720"/>
-            <a:r>
-              <a:rPr lang="en-US" dirty="0">
-                <a:cs typeface="Arial"/>
-              </a:rPr>
-              <a:t>Any supporting materials such as diagrams, that you may refer to during Q&amp;A</a:t>
-            </a:r>
+            <a:r>
+              <a:rPr lang="en-US" dirty="0"/>
+              <a:t>Transform the data using excel power query and formulas(Unpivot, add and remove column)</a:t>
+            </a:r>
+          </a:p>
+          <a:p>
+            <a:r>
+              <a:rPr lang="en-US" dirty="0"/>
+              <a:t>Prepare CSV files based on the tables to be created in the DB</a:t>
+            </a:r>
+          </a:p>
+          <a:p>
+            <a:r>
+              <a:rPr lang="en-US" dirty="0"/>
+              <a:t>Load the data using pandas using Jupyter notebook as a tool </a:t>
+            </a:r>
+          </a:p>
+          <a:p>
+            <a:endParaRPr lang="en-US" dirty="0"/>
           </a:p>
         </p:txBody>
       </p:sp>
     </p:spTree>
     <p:extLst>
       <p:ext uri="{BB962C8B-B14F-4D97-AF65-F5344CB8AC3E}">
-        <p14:creationId xmlns:p14="http://schemas.microsoft.com/office/powerpoint/2010/main" val="2164358592"/>
+        <p14:creationId xmlns:p14="http://schemas.microsoft.com/office/powerpoint/2010/main" val="1577772512"/>
       </p:ext>
     </p:extLst>
   </p:cSld>
@@ -17130,156 +14079,6 @@
 </p:sld>
 </file>
 
-<file path=ppt/slides/slide3.xml><?xml version="1.0" encoding="utf-8"?>
-<p:sld xmlns:a="http://schemas.openxmlformats.org/drawingml/2006/main" xmlns:r="http://schemas.openxmlformats.org/officeDocument/2006/relationships" xmlns:p="http://schemas.openxmlformats.org/presentationml/2006/main">
-  <p:cSld>
-    <p:spTree>
-      <p:nvGrpSpPr>
-        <p:cNvPr id="1" name=""/>
-        <p:cNvGrpSpPr/>
-        <p:nvPr/>
-      </p:nvGrpSpPr>
-      <p:grpSpPr>
-        <a:xfrm>
-          <a:off x="0" y="0"/>
-          <a:ext cx="0" cy="0"/>
-          <a:chOff x="0" y="0"/>
-          <a:chExt cx="0" cy="0"/>
-        </a:xfrm>
-      </p:grpSpPr>
-      <p:sp>
-        <p:nvSpPr>
-          <p:cNvPr id="2" name="Title 1">
-            <a:extLst>
-              <a:ext uri="{FF2B5EF4-FFF2-40B4-BE49-F238E27FC236}">
-                <a16:creationId xmlns:a16="http://schemas.microsoft.com/office/drawing/2014/main" id="{F6C59A95-CB26-4CC1-9294-A44BF11967A7}"/>
-              </a:ext>
-            </a:extLst>
-          </p:cNvPr>
-          <p:cNvSpPr>
-            <a:spLocks noGrp="1"/>
-          </p:cNvSpPr>
-          <p:nvPr>
-            <p:ph type="title"/>
-          </p:nvPr>
-        </p:nvSpPr>
-        <p:spPr/>
-        <p:txBody>
-          <a:bodyPr/>
-          <a:lstStyle/>
-          <a:p>
-            <a:r>
-              <a:rPr lang="en-US" dirty="0"/>
-              <a:t>Instructions</a:t>
-            </a:r>
-          </a:p>
-        </p:txBody>
-      </p:sp>
-      <p:sp>
-        <p:nvSpPr>
-          <p:cNvPr id="3" name="Content Placeholder 2">
-            <a:extLst>
-              <a:ext uri="{FF2B5EF4-FFF2-40B4-BE49-F238E27FC236}">
-                <a16:creationId xmlns:a16="http://schemas.microsoft.com/office/drawing/2014/main" id="{E3376174-C023-444A-B18E-14313534F35A}"/>
-              </a:ext>
-            </a:extLst>
-          </p:cNvPr>
-          <p:cNvSpPr>
-            <a:spLocks noGrp="1"/>
-          </p:cNvSpPr>
-          <p:nvPr>
-            <p:ph idx="1"/>
-          </p:nvPr>
-        </p:nvSpPr>
-        <p:spPr/>
-        <p:txBody>
-          <a:bodyPr vert="horz" lIns="91440" tIns="45720" rIns="91440" bIns="45720" rtlCol="0" anchor="t">
-            <a:normAutofit/>
-          </a:bodyPr>
-          <a:lstStyle/>
-          <a:p>
-            <a:pPr marL="0" indent="0">
-              <a:buNone/>
-            </a:pPr>
-            <a:r>
-              <a:rPr lang="en-US" b="1" dirty="0">
-                <a:solidFill>
-                  <a:schemeClr val="accent3"/>
-                </a:solidFill>
-              </a:rPr>
-              <a:t>There are many layout options you can use for each of your slides </a:t>
-            </a:r>
-          </a:p>
-          <a:p>
-            <a:r>
-              <a:rPr lang="en-US" dirty="0"/>
-              <a:t>Slides 5-13 are layout templates. They state the font colors and styles to use. </a:t>
-            </a:r>
-          </a:p>
-          <a:p>
-            <a:r>
-              <a:rPr lang="en-US" dirty="0"/>
-              <a:t>Suggest copying and pasting the slide you want and then modifying</a:t>
-            </a:r>
-          </a:p>
-          <a:p>
-            <a:r>
-              <a:rPr lang="en-US" dirty="0"/>
-              <a:t>Slide 14 is a divider if you wanted to have sections to your presentation</a:t>
-            </a:r>
-          </a:p>
-          <a:p>
-            <a:r>
-              <a:rPr lang="en-US" dirty="0"/>
-              <a:t>After you are done creating your presentation, delete any unused slides</a:t>
-            </a:r>
-          </a:p>
-          <a:p>
-            <a:endParaRPr lang="en-US" dirty="0"/>
-          </a:p>
-        </p:txBody>
-      </p:sp>
-      <p:sp>
-        <p:nvSpPr>
-          <p:cNvPr id="4" name="Text Placeholder 3">
-            <a:extLst>
-              <a:ext uri="{FF2B5EF4-FFF2-40B4-BE49-F238E27FC236}">
-                <a16:creationId xmlns:a16="http://schemas.microsoft.com/office/drawing/2014/main" id="{1F1D0F82-7F1A-4B83-BDC8-2C2520608F9D}"/>
-              </a:ext>
-            </a:extLst>
-          </p:cNvPr>
-          <p:cNvSpPr>
-            <a:spLocks noGrp="1"/>
-          </p:cNvSpPr>
-          <p:nvPr>
-            <p:ph type="body" sz="quarter" idx="13"/>
-          </p:nvPr>
-        </p:nvSpPr>
-        <p:spPr/>
-        <p:txBody>
-          <a:bodyPr/>
-          <a:lstStyle/>
-          <a:p>
-            <a:r>
-              <a:rPr lang="en-US" dirty="0"/>
-              <a:t>How to use this template</a:t>
-            </a:r>
-          </a:p>
-        </p:txBody>
-      </p:sp>
-    </p:spTree>
-    <p:extLst>
-      <p:ext uri="{BB962C8B-B14F-4D97-AF65-F5344CB8AC3E}">
-        <p14:creationId xmlns:p14="http://schemas.microsoft.com/office/powerpoint/2010/main" val="493387198"/>
-      </p:ext>
-    </p:extLst>
-  </p:cSld>
-  <p:clrMapOvr>
-    <a:masterClrMapping/>
-  </p:clrMapOvr>
-</p:sld>
-</file>
-
 <file path=ppt/slides/slide4.xml><?xml version="1.0" encoding="utf-8"?>
 <p:sld xmlns:a="http://schemas.openxmlformats.org/drawingml/2006/main" xmlns:r="http://schemas.openxmlformats.org/officeDocument/2006/relationships" xmlns:p="http://schemas.openxmlformats.org/presentationml/2006/main">
   <p:cSld>
@@ -17299,10 +14098,10 @@
       </p:grpSpPr>
       <p:sp>
         <p:nvSpPr>
-          <p:cNvPr id="2" name="Title 1">
-            <a:extLst>
-              <a:ext uri="{FF2B5EF4-FFF2-40B4-BE49-F238E27FC236}">
-                <a16:creationId xmlns:a16="http://schemas.microsoft.com/office/drawing/2014/main" id="{7D9ADCB4-5A60-4B75-90B2-4C01D72EBF9D}"/>
+          <p:cNvPr id="5" name="Title 4">
+            <a:extLst>
+              <a:ext uri="{FF2B5EF4-FFF2-40B4-BE49-F238E27FC236}">
+                <a16:creationId xmlns:a16="http://schemas.microsoft.com/office/drawing/2014/main" id="{D0905275-2C3F-C740-B4C6-2E4A2060E93A}"/>
               </a:ext>
             </a:extLst>
           </p:cNvPr>
@@ -17319,21 +14118,18 @@
           <a:lstStyle/>
           <a:p>
             <a:r>
-              <a:rPr lang="en-US" dirty="0">
-                <a:cs typeface="Arial"/>
-              </a:rPr>
-              <a:t>TEKsystems Slide Templates</a:t>
-            </a:r>
-            <a:endParaRPr lang="en-US" dirty="0"/>
-          </a:p>
-        </p:txBody>
-      </p:sp>
-      <p:sp>
-        <p:nvSpPr>
-          <p:cNvPr id="3" name="Subtitle 2">
-            <a:extLst>
-              <a:ext uri="{FF2B5EF4-FFF2-40B4-BE49-F238E27FC236}">
-                <a16:creationId xmlns:a16="http://schemas.microsoft.com/office/drawing/2014/main" id="{72CBB34D-B5D1-475F-84A2-18ED9A911E07}"/>
+              <a:rPr lang="en-US" dirty="0"/>
+              <a:t>Web App UI – Data Entry Functionality</a:t>
+            </a:r>
+          </a:p>
+        </p:txBody>
+      </p:sp>
+      <p:sp>
+        <p:nvSpPr>
+          <p:cNvPr id="8" name="Slide Number Placeholder 5">
+            <a:extLst>
+              <a:ext uri="{FF2B5EF4-FFF2-40B4-BE49-F238E27FC236}">
+                <a16:creationId xmlns:a16="http://schemas.microsoft.com/office/drawing/2014/main" id="{25D23053-7992-9F47-90F7-4D13C92AEF9A}"/>
               </a:ext>
             </a:extLst>
           </p:cNvPr>
@@ -17341,7 +14137,7 @@
             <a:spLocks noGrp="1"/>
           </p:cNvSpPr>
           <p:nvPr>
-            <p:ph type="subTitle" idx="1"/>
+            <p:ph type="sldNum" sz="quarter" idx="12"/>
           </p:nvPr>
         </p:nvSpPr>
         <p:spPr/>
@@ -17349,20 +14145,322 @@
           <a:bodyPr/>
           <a:lstStyle/>
           <a:p>
-            <a:endParaRPr lang="en-US"/>
+            <a:fld id="{535EF33A-04D8-4107-96E5-33B70AE88DFF}" type="slidenum">
+              <a:rPr lang="en-US" smtClean="0"/>
+              <a:pPr/>
+              <a:t>4</a:t>
+            </a:fld>
+            <a:endParaRPr lang="en-US" dirty="0"/>
+          </a:p>
+        </p:txBody>
+      </p:sp>
+      <p:sp>
+        <p:nvSpPr>
+          <p:cNvPr id="7" name="Text Placeholder 6">
+            <a:extLst>
+              <a:ext uri="{FF2B5EF4-FFF2-40B4-BE49-F238E27FC236}">
+                <a16:creationId xmlns:a16="http://schemas.microsoft.com/office/drawing/2014/main" id="{7B801328-E601-F348-9B04-F0CA079C1461}"/>
+              </a:ext>
+            </a:extLst>
+          </p:cNvPr>
+          <p:cNvSpPr>
+            <a:spLocks noGrp="1"/>
+          </p:cNvSpPr>
+          <p:nvPr>
+            <p:ph type="body" sz="quarter" idx="13"/>
+          </p:nvPr>
+        </p:nvSpPr>
+        <p:spPr/>
+        <p:txBody>
+          <a:bodyPr/>
+          <a:lstStyle/>
+          <a:p>
+            <a:r>
+              <a:rPr lang="en-US" dirty="0"/>
+              <a:t>Consists of three pages</a:t>
+            </a:r>
+          </a:p>
+        </p:txBody>
+      </p:sp>
+      <p:sp>
+        <p:nvSpPr>
+          <p:cNvPr id="9" name="Content Placeholder 5">
+            <a:extLst>
+              <a:ext uri="{FF2B5EF4-FFF2-40B4-BE49-F238E27FC236}">
+                <a16:creationId xmlns:a16="http://schemas.microsoft.com/office/drawing/2014/main" id="{0141E436-0DA0-4BF3-8408-99E497D5B3E8}"/>
+              </a:ext>
+            </a:extLst>
+          </p:cNvPr>
+          <p:cNvSpPr txBox="1">
+            <a:spLocks/>
+          </p:cNvSpPr>
+          <p:nvPr/>
+        </p:nvSpPr>
+        <p:spPr>
+          <a:xfrm>
+            <a:off x="504826" y="2034209"/>
+            <a:ext cx="8134350" cy="2702891"/>
+          </a:xfrm>
+          <a:prstGeom prst="rect">
+            <a:avLst/>
+          </a:prstGeom>
+        </p:spPr>
+        <p:txBody>
+          <a:bodyPr vert="horz" lIns="91440" tIns="45720" rIns="91440" bIns="45720" rtlCol="0">
+            <a:normAutofit/>
+          </a:bodyPr>
+          <a:lstStyle>
+            <a:lvl1pPr marL="117475" indent="-117475" algn="l" defTabSz="685800" rtl="0" eaLnBrk="1" latinLnBrk="0" hangingPunct="1">
+              <a:lnSpc>
+                <a:spcPct val="100000"/>
+              </a:lnSpc>
+              <a:spcBef>
+                <a:spcPts val="750"/>
+              </a:spcBef>
+              <a:buClr>
+                <a:schemeClr val="accent2"/>
+              </a:buClr>
+              <a:buFont typeface="Arial" panose="020B0604020202020204" pitchFamily="34" charset="0"/>
+              <a:buChar char="•"/>
+              <a:tabLst/>
+              <a:defRPr sz="1400" kern="1200">
+                <a:solidFill>
+                  <a:schemeClr val="bg2"/>
+                </a:solidFill>
+                <a:latin typeface="+mn-lt"/>
+                <a:ea typeface="+mn-ea"/>
+                <a:cs typeface="+mn-cs"/>
+              </a:defRPr>
+            </a:lvl1pPr>
+            <a:lvl2pPr marL="346075" indent="-173038" algn="l" defTabSz="685800" rtl="0" eaLnBrk="1" latinLnBrk="0" hangingPunct="1">
+              <a:lnSpc>
+                <a:spcPct val="100000"/>
+              </a:lnSpc>
+              <a:spcBef>
+                <a:spcPts val="800"/>
+              </a:spcBef>
+              <a:buClr>
+                <a:schemeClr val="accent2"/>
+              </a:buClr>
+              <a:buFont typeface=".AppleSystemUIFont" charset="0"/>
+              <a:buChar char="–"/>
+              <a:tabLst/>
+              <a:defRPr sz="1400" kern="1200">
+                <a:solidFill>
+                  <a:schemeClr val="bg2"/>
+                </a:solidFill>
+                <a:latin typeface="+mn-lt"/>
+                <a:ea typeface="+mn-ea"/>
+                <a:cs typeface="+mn-cs"/>
+              </a:defRPr>
+            </a:lvl2pPr>
+            <a:lvl3pPr marL="514350" indent="-168275" algn="l" defTabSz="685800" rtl="0" eaLnBrk="1" latinLnBrk="0" hangingPunct="1">
+              <a:lnSpc>
+                <a:spcPct val="100000"/>
+              </a:lnSpc>
+              <a:spcBef>
+                <a:spcPts val="375"/>
+              </a:spcBef>
+              <a:buClr>
+                <a:schemeClr val="accent2"/>
+              </a:buClr>
+              <a:buFont typeface=".AppleSystemUIFont" charset="0"/>
+              <a:buChar char="–"/>
+              <a:tabLst/>
+              <a:defRPr sz="1400" kern="1200">
+                <a:solidFill>
+                  <a:schemeClr val="bg2"/>
+                </a:solidFill>
+                <a:latin typeface="+mn-lt"/>
+                <a:ea typeface="+mn-ea"/>
+                <a:cs typeface="+mn-cs"/>
+              </a:defRPr>
+            </a:lvl3pPr>
+            <a:lvl4pPr marL="690563" indent="-171450" algn="l" defTabSz="685800" rtl="0" eaLnBrk="1" latinLnBrk="0" hangingPunct="1">
+              <a:lnSpc>
+                <a:spcPct val="100000"/>
+              </a:lnSpc>
+              <a:spcBef>
+                <a:spcPts val="375"/>
+              </a:spcBef>
+              <a:buClr>
+                <a:schemeClr val="accent2"/>
+              </a:buClr>
+              <a:buFont typeface=".AppleSystemUIFont" charset="0"/>
+              <a:buChar char="–"/>
+              <a:tabLst/>
+              <a:defRPr sz="1400" kern="1200">
+                <a:solidFill>
+                  <a:schemeClr val="bg2"/>
+                </a:solidFill>
+                <a:latin typeface="+mn-lt"/>
+                <a:ea typeface="+mn-ea"/>
+                <a:cs typeface="+mn-cs"/>
+              </a:defRPr>
+            </a:lvl4pPr>
+            <a:lvl5pPr marL="1543050" indent="-171450" algn="l" defTabSz="685800" rtl="0" eaLnBrk="1" latinLnBrk="0" hangingPunct="1">
+              <a:lnSpc>
+                <a:spcPct val="100000"/>
+              </a:lnSpc>
+              <a:spcBef>
+                <a:spcPts val="375"/>
+              </a:spcBef>
+              <a:buClr>
+                <a:schemeClr val="accent2"/>
+              </a:buClr>
+              <a:buFont typeface="Arial" panose="020B0604020202020204" pitchFamily="34" charset="0"/>
+              <a:buChar char="•"/>
+              <a:defRPr sz="1400" kern="1200">
+                <a:solidFill>
+                  <a:schemeClr val="bg2"/>
+                </a:solidFill>
+                <a:latin typeface="+mn-lt"/>
+                <a:ea typeface="+mn-ea"/>
+                <a:cs typeface="+mn-cs"/>
+              </a:defRPr>
+            </a:lvl5pPr>
+            <a:lvl6pPr marL="1885950" indent="-171450" algn="l" defTabSz="685800" rtl="0" eaLnBrk="1" latinLnBrk="0" hangingPunct="1">
+              <a:lnSpc>
+                <a:spcPct val="90000"/>
+              </a:lnSpc>
+              <a:spcBef>
+                <a:spcPts val="375"/>
+              </a:spcBef>
+              <a:buFont typeface="Arial" panose="020B0604020202020204" pitchFamily="34" charset="0"/>
+              <a:buChar char="•"/>
+              <a:defRPr sz="1350" kern="1200">
+                <a:solidFill>
+                  <a:schemeClr val="tx1"/>
+                </a:solidFill>
+                <a:latin typeface="+mn-lt"/>
+                <a:ea typeface="+mn-ea"/>
+                <a:cs typeface="+mn-cs"/>
+              </a:defRPr>
+            </a:lvl6pPr>
+            <a:lvl7pPr marL="2228850" indent="-171450" algn="l" defTabSz="685800" rtl="0" eaLnBrk="1" latinLnBrk="0" hangingPunct="1">
+              <a:lnSpc>
+                <a:spcPct val="90000"/>
+              </a:lnSpc>
+              <a:spcBef>
+                <a:spcPts val="375"/>
+              </a:spcBef>
+              <a:buFont typeface="Arial" panose="020B0604020202020204" pitchFamily="34" charset="0"/>
+              <a:buChar char="•"/>
+              <a:defRPr sz="1350" kern="1200">
+                <a:solidFill>
+                  <a:schemeClr val="tx1"/>
+                </a:solidFill>
+                <a:latin typeface="+mn-lt"/>
+                <a:ea typeface="+mn-ea"/>
+                <a:cs typeface="+mn-cs"/>
+              </a:defRPr>
+            </a:lvl7pPr>
+            <a:lvl8pPr marL="2571750" indent="-171450" algn="l" defTabSz="685800" rtl="0" eaLnBrk="1" latinLnBrk="0" hangingPunct="1">
+              <a:lnSpc>
+                <a:spcPct val="90000"/>
+              </a:lnSpc>
+              <a:spcBef>
+                <a:spcPts val="375"/>
+              </a:spcBef>
+              <a:buFont typeface="Arial" panose="020B0604020202020204" pitchFamily="34" charset="0"/>
+              <a:buChar char="•"/>
+              <a:defRPr sz="1350" kern="1200">
+                <a:solidFill>
+                  <a:schemeClr val="tx1"/>
+                </a:solidFill>
+                <a:latin typeface="+mn-lt"/>
+                <a:ea typeface="+mn-ea"/>
+                <a:cs typeface="+mn-cs"/>
+              </a:defRPr>
+            </a:lvl8pPr>
+            <a:lvl9pPr marL="2914650" indent="-171450" algn="l" defTabSz="685800" rtl="0" eaLnBrk="1" latinLnBrk="0" hangingPunct="1">
+              <a:lnSpc>
+                <a:spcPct val="90000"/>
+              </a:lnSpc>
+              <a:spcBef>
+                <a:spcPts val="375"/>
+              </a:spcBef>
+              <a:buFont typeface="Arial" panose="020B0604020202020204" pitchFamily="34" charset="0"/>
+              <a:buChar char="•"/>
+              <a:defRPr sz="1350" kern="1200">
+                <a:solidFill>
+                  <a:schemeClr val="tx1"/>
+                </a:solidFill>
+                <a:latin typeface="+mn-lt"/>
+                <a:ea typeface="+mn-ea"/>
+                <a:cs typeface="+mn-cs"/>
+              </a:defRPr>
+            </a:lvl9pPr>
+          </a:lstStyle>
+          <a:p>
+            <a:r>
+              <a:rPr lang="en-US" b="1" dirty="0">
+                <a:solidFill>
+                  <a:srgbClr val="0097D9"/>
+                </a:solidFill>
+              </a:rPr>
+              <a:t>Home page </a:t>
+            </a:r>
+            <a:r>
+              <a:rPr lang="en-US" dirty="0"/>
+              <a:t>It will welcome and direct what to do </a:t>
+            </a:r>
+          </a:p>
+          <a:p>
+            <a:r>
+              <a:rPr lang="en-US" b="1" dirty="0">
+                <a:solidFill>
+                  <a:srgbClr val="0097D9"/>
+                </a:solidFill>
+              </a:rPr>
+              <a:t>Add Sales entry page </a:t>
+            </a:r>
+            <a:r>
+              <a:rPr lang="en-US" dirty="0"/>
+              <a:t>this contains the form to enter the form</a:t>
+            </a:r>
+          </a:p>
+          <a:p>
+            <a:r>
+              <a:rPr lang="en-US" b="1" dirty="0">
+                <a:solidFill>
+                  <a:srgbClr val="0097D9"/>
+                </a:solidFill>
+              </a:rPr>
+              <a:t>Delete page </a:t>
+            </a:r>
+            <a:r>
+              <a:rPr lang="en-US" dirty="0"/>
+              <a:t>used to delete an entry from the sales order table</a:t>
+            </a:r>
+          </a:p>
+          <a:p>
+            <a:endParaRPr lang="en-US" dirty="0"/>
           </a:p>
         </p:txBody>
       </p:sp>
     </p:spTree>
     <p:extLst>
       <p:ext uri="{BB962C8B-B14F-4D97-AF65-F5344CB8AC3E}">
-        <p14:creationId xmlns:p14="http://schemas.microsoft.com/office/powerpoint/2010/main" val="2129983146"/>
+        <p14:creationId xmlns:p14="http://schemas.microsoft.com/office/powerpoint/2010/main" val="2949597680"/>
       </p:ext>
     </p:extLst>
   </p:cSld>
   <p:clrMapOvr>
     <a:masterClrMapping/>
   </p:clrMapOvr>
+  <mc:AlternateContent xmlns:mc="http://schemas.openxmlformats.org/markup-compatibility/2006">
+    <mc:Choice xmlns:p14="http://schemas.microsoft.com/office/powerpoint/2010/main" Requires="p14">
+      <p:transition spd="med" p14:dur="700">
+        <p:fade/>
+      </p:transition>
+    </mc:Choice>
+    <mc:Fallback>
+      <p:transition spd="med">
+        <p:fade/>
+      </p:transition>
+    </mc:Fallback>
+  </mc:AlternateContent>
 </p:sld>
 </file>
 
@@ -17406,7 +14504,7 @@
           <a:p>
             <a:r>
               <a:rPr lang="en-US" dirty="0"/>
-              <a:t>Web App UI – Data Entry Functionality</a:t>
+              <a:t>Sales Dashboard, and Analysis Findings​</a:t>
             </a:r>
           </a:p>
         </p:txBody>
@@ -17427,56 +14525,67 @@
             <p:ph idx="1"/>
           </p:nvPr>
         </p:nvSpPr>
-        <p:spPr/>
+        <p:spPr>
+          <a:xfrm>
+            <a:off x="504827" y="1881810"/>
+            <a:ext cx="8134348" cy="1381895"/>
+          </a:xfrm>
+        </p:spPr>
         <p:txBody>
           <a:bodyPr>
-            <a:normAutofit/>
+            <a:normAutofit lnSpcReduction="10000"/>
           </a:bodyPr>
           <a:lstStyle/>
           <a:p>
             <a:r>
-              <a:rPr lang="en-US" b="1" dirty="0">
-                <a:solidFill>
-                  <a:srgbClr val="0097D9"/>
-                </a:solidFill>
-              </a:rPr>
-              <a:t>Home page </a:t>
-            </a:r>
-            <a:r>
-              <a:rPr lang="en-US" dirty="0"/>
-              <a:t>It will welcome and direct what to do </a:t>
-            </a:r>
-          </a:p>
-          <a:p>
-            <a:r>
-              <a:rPr lang="en-US" b="1" dirty="0">
-                <a:solidFill>
-                  <a:srgbClr val="0097D9"/>
-                </a:solidFill>
-              </a:rPr>
-              <a:t>Add Sales entry page </a:t>
-            </a:r>
-            <a:r>
-              <a:rPr lang="en-US" dirty="0"/>
-              <a:t>this contains the form to enter the form</a:t>
-            </a:r>
-          </a:p>
-          <a:p>
-            <a:r>
-              <a:rPr lang="en-US" b="1" dirty="0">
-                <a:solidFill>
-                  <a:srgbClr val="0097D9"/>
-                </a:solidFill>
-              </a:rPr>
-              <a:t>Delete page </a:t>
-            </a:r>
-            <a:r>
-              <a:rPr lang="en-US" dirty="0"/>
-              <a:t>used to delete an entry from the sales order table</a:t>
-            </a:r>
-          </a:p>
-          <a:p>
-            <a:endParaRPr lang="en-US" dirty="0"/>
+              <a:rPr lang="en-US" i="1" dirty="0"/>
+              <a:t>Sales Data by Region</a:t>
+            </a:r>
+          </a:p>
+          <a:p>
+            <a:r>
+              <a:rPr lang="en-US" i="1" dirty="0"/>
+              <a:t>Sales Data by Salesperson</a:t>
+            </a:r>
+          </a:p>
+          <a:p>
+            <a:r>
+              <a:rPr lang="en-US" i="1" dirty="0"/>
+              <a:t>Top Rankin Salesperson by period</a:t>
+            </a:r>
+          </a:p>
+          <a:p>
+            <a:r>
+              <a:rPr lang="en-US" i="1" dirty="0"/>
+              <a:t>Sales by category</a:t>
+            </a:r>
+          </a:p>
+          <a:p>
+            <a:pPr marL="0" indent="0">
+              <a:buNone/>
+            </a:pPr>
+            <a:r>
+              <a:rPr lang="en-US" b="1" i="1" dirty="0"/>
+              <a:t>Analysis Findings</a:t>
+            </a:r>
+          </a:p>
+          <a:p>
+            <a:r>
+              <a:rPr lang="en-US" i="1" dirty="0"/>
+              <a:t>Clement, Beverly is the best salesperson</a:t>
+            </a:r>
+          </a:p>
+          <a:p>
+            <a:r>
+              <a:rPr lang="en-US" i="1" dirty="0"/>
+              <a:t>Most sales happen in NW region</a:t>
+            </a:r>
+          </a:p>
+          <a:p>
+            <a:r>
+              <a:rPr lang="en-US" i="1" dirty="0"/>
+              <a:t>Company sales more S70 SKID STREED LOADER than every other products</a:t>
+            </a:r>
           </a:p>
         </p:txBody>
       </p:sp>
@@ -17533,7 +14642,7 @@
           <a:p>
             <a:r>
               <a:rPr lang="en-US" dirty="0"/>
-              <a:t>Consists of three pages</a:t>
+              <a:t>Dashboard on an excel file</a:t>
             </a:r>
           </a:p>
         </p:txBody>
@@ -17541,7 +14650,7 @@
     </p:spTree>
     <p:extLst>
       <p:ext uri="{BB962C8B-B14F-4D97-AF65-F5344CB8AC3E}">
-        <p14:creationId xmlns:p14="http://schemas.microsoft.com/office/powerpoint/2010/main" val="1577772512"/>
+        <p14:creationId xmlns:p14="http://schemas.microsoft.com/office/powerpoint/2010/main" val="3918084645"/>
       </p:ext>
     </p:extLst>
   </p:cSld>
@@ -17582,10 +14691,10 @@
       </p:grpSpPr>
       <p:sp>
         <p:nvSpPr>
-          <p:cNvPr id="5" name="Title 4">
-            <a:extLst>
-              <a:ext uri="{FF2B5EF4-FFF2-40B4-BE49-F238E27FC236}">
-                <a16:creationId xmlns:a16="http://schemas.microsoft.com/office/drawing/2014/main" id="{D0905275-2C3F-C740-B4C6-2E4A2060E93A}"/>
+          <p:cNvPr id="11" name="Title 10">
+            <a:extLst>
+              <a:ext uri="{FF2B5EF4-FFF2-40B4-BE49-F238E27FC236}">
+                <a16:creationId xmlns:a16="http://schemas.microsoft.com/office/drawing/2014/main" id="{A012C97D-D760-344C-8841-C4BF32B53B0C}"/>
               </a:ext>
             </a:extLst>
           </p:cNvPr>
@@ -17603,97 +14712,17 @@
           <a:p>
             <a:r>
               <a:rPr lang="en-US" dirty="0"/>
-              <a:t>Sales Dashboard, and Analysis Findings​</a:t>
-            </a:r>
-          </a:p>
-        </p:txBody>
-      </p:sp>
-      <p:sp>
-        <p:nvSpPr>
-          <p:cNvPr id="6" name="Content Placeholder 5">
-            <a:extLst>
-              <a:ext uri="{FF2B5EF4-FFF2-40B4-BE49-F238E27FC236}">
-                <a16:creationId xmlns:a16="http://schemas.microsoft.com/office/drawing/2014/main" id="{B100F3AF-4688-9845-865A-516B841DB928}"/>
-              </a:ext>
-            </a:extLst>
-          </p:cNvPr>
-          <p:cNvSpPr>
-            <a:spLocks noGrp="1"/>
-          </p:cNvSpPr>
-          <p:nvPr>
-            <p:ph idx="1"/>
-          </p:nvPr>
-        </p:nvSpPr>
-        <p:spPr>
-          <a:xfrm>
-            <a:off x="504827" y="1881810"/>
-            <a:ext cx="8134348" cy="1381895"/>
-          </a:xfrm>
-        </p:spPr>
-        <p:txBody>
-          <a:bodyPr>
-            <a:normAutofit lnSpcReduction="10000"/>
-          </a:bodyPr>
-          <a:lstStyle/>
-          <a:p>
-            <a:r>
-              <a:rPr lang="en-US" i="1" dirty="0"/>
-              <a:t>Sales Data by Region</a:t>
-            </a:r>
-          </a:p>
-          <a:p>
-            <a:r>
-              <a:rPr lang="en-US" i="1" dirty="0"/>
-              <a:t>Sales Data by Salesperson</a:t>
-            </a:r>
-          </a:p>
-          <a:p>
-            <a:r>
-              <a:rPr lang="en-US" i="1" dirty="0"/>
-              <a:t>Top Rankin Salesperson by period</a:t>
-            </a:r>
-          </a:p>
-          <a:p>
-            <a:r>
-              <a:rPr lang="en-US" i="1" dirty="0"/>
-              <a:t>Sales by category</a:t>
-            </a:r>
-          </a:p>
-          <a:p>
-            <a:pPr marL="0" indent="0">
-              <a:buNone/>
-            </a:pPr>
-            <a:r>
-              <a:rPr lang="en-US" b="1" i="1" dirty="0"/>
-              <a:t>Analysis Findings</a:t>
-            </a:r>
-          </a:p>
-          <a:p>
-            <a:r>
-              <a:rPr lang="en-US" i="1" dirty="0"/>
-              <a:t>Clement, Beverly is the best salesperson</a:t>
-            </a:r>
-          </a:p>
-          <a:p>
-            <a:r>
-              <a:rPr lang="en-US" i="1" dirty="0"/>
-              <a:t>Most sales happen in NW region</a:t>
-            </a:r>
-          </a:p>
-          <a:p>
-            <a:r>
-              <a:rPr lang="en-US" i="1" dirty="0"/>
-              <a:t>Company sales more S70 SKID STREED LOADER than every other products</a:t>
-            </a:r>
-          </a:p>
-        </p:txBody>
-      </p:sp>
-      <p:sp>
-        <p:nvSpPr>
-          <p:cNvPr id="8" name="Slide Number Placeholder 5">
-            <a:extLst>
-              <a:ext uri="{FF2B5EF4-FFF2-40B4-BE49-F238E27FC236}">
-                <a16:creationId xmlns:a16="http://schemas.microsoft.com/office/drawing/2014/main" id="{25D23053-7992-9F47-90F7-4D13C92AEF9A}"/>
+              <a:t>Some charts from the excel</a:t>
+            </a:r>
+          </a:p>
+        </p:txBody>
+      </p:sp>
+      <p:sp>
+        <p:nvSpPr>
+          <p:cNvPr id="18" name="Slide Number Placeholder 5">
+            <a:extLst>
+              <a:ext uri="{FF2B5EF4-FFF2-40B4-BE49-F238E27FC236}">
+                <a16:creationId xmlns:a16="http://schemas.microsoft.com/office/drawing/2014/main" id="{10109F79-D1BF-9243-A032-356088E65B65}"/>
               </a:ext>
             </a:extLst>
           </p:cNvPr>
@@ -17720,10 +14749,10 @@
       </p:sp>
       <p:sp>
         <p:nvSpPr>
-          <p:cNvPr id="7" name="Text Placeholder 6">
-            <a:extLst>
-              <a:ext uri="{FF2B5EF4-FFF2-40B4-BE49-F238E27FC236}">
-                <a16:creationId xmlns:a16="http://schemas.microsoft.com/office/drawing/2014/main" id="{7B801328-E601-F348-9B04-F0CA079C1461}"/>
+          <p:cNvPr id="13" name="Text Placeholder 12">
+            <a:extLst>
+              <a:ext uri="{FF2B5EF4-FFF2-40B4-BE49-F238E27FC236}">
+                <a16:creationId xmlns:a16="http://schemas.microsoft.com/office/drawing/2014/main" id="{39975BA5-F0B1-0B47-9B69-6895D35EB3FC}"/>
               </a:ext>
             </a:extLst>
           </p:cNvPr>
@@ -17741,15 +14770,77 @@
           <a:p>
             <a:r>
               <a:rPr lang="en-US" dirty="0"/>
-              <a:t>Dashboard on an excel file</a:t>
-            </a:r>
-          </a:p>
-        </p:txBody>
-      </p:sp>
+              <a:t>This Subtitle is Arial in Light Orange</a:t>
+            </a:r>
+          </a:p>
+        </p:txBody>
+      </p:sp>
+      <p:pic>
+        <p:nvPicPr>
+          <p:cNvPr id="6" name="Picture 5">
+            <a:extLst>
+              <a:ext uri="{FF2B5EF4-FFF2-40B4-BE49-F238E27FC236}">
+                <a16:creationId xmlns:a16="http://schemas.microsoft.com/office/drawing/2014/main" id="{F12619BB-B363-4F18-8BA6-98AF80C82ED2}"/>
+              </a:ext>
+            </a:extLst>
+          </p:cNvPr>
+          <p:cNvPicPr>
+            <a:picLocks noChangeAspect="1"/>
+          </p:cNvPicPr>
+          <p:nvPr/>
+        </p:nvPicPr>
+        <p:blipFill>
+          <a:blip r:embed="rId2"/>
+          <a:stretch>
+            <a:fillRect/>
+          </a:stretch>
+        </p:blipFill>
+        <p:spPr>
+          <a:xfrm>
+            <a:off x="504826" y="1775719"/>
+            <a:ext cx="4010026" cy="2557834"/>
+          </a:xfrm>
+          <a:prstGeom prst="rect">
+            <a:avLst/>
+          </a:prstGeom>
+        </p:spPr>
+      </p:pic>
+      <p:pic>
+        <p:nvPicPr>
+          <p:cNvPr id="10" name="Content Placeholder 9">
+            <a:extLst>
+              <a:ext uri="{FF2B5EF4-FFF2-40B4-BE49-F238E27FC236}">
+                <a16:creationId xmlns:a16="http://schemas.microsoft.com/office/drawing/2014/main" id="{A191C8C8-5490-49F2-AE2A-06D34792ABD6}"/>
+              </a:ext>
+            </a:extLst>
+          </p:cNvPr>
+          <p:cNvPicPr>
+            <a:picLocks noGrp="1" noChangeAspect="1"/>
+          </p:cNvPicPr>
+          <p:nvPr>
+            <p:ph sz="half" idx="2"/>
+          </p:nvPr>
+        </p:nvPicPr>
+        <p:blipFill>
+          <a:blip r:embed="rId3"/>
+          <a:stretch>
+            <a:fillRect/>
+          </a:stretch>
+        </p:blipFill>
+        <p:spPr>
+          <a:xfrm>
+            <a:off x="4629150" y="1775719"/>
+            <a:ext cx="3921125" cy="2557834"/>
+          </a:xfrm>
+          <a:prstGeom prst="rect">
+            <a:avLst/>
+          </a:prstGeom>
+        </p:spPr>
+      </p:pic>
     </p:spTree>
     <p:extLst>
       <p:ext uri="{BB962C8B-B14F-4D97-AF65-F5344CB8AC3E}">
-        <p14:creationId xmlns:p14="http://schemas.microsoft.com/office/powerpoint/2010/main" val="3918084645"/>
+        <p14:creationId xmlns:p14="http://schemas.microsoft.com/office/powerpoint/2010/main" val="1940254661"/>
       </p:ext>
     </p:extLst>
   </p:cSld>
@@ -17790,10 +14881,77 @@
       </p:grpSpPr>
       <p:sp>
         <p:nvSpPr>
-          <p:cNvPr id="11" name="Title 10">
-            <a:extLst>
-              <a:ext uri="{FF2B5EF4-FFF2-40B4-BE49-F238E27FC236}">
-                <a16:creationId xmlns:a16="http://schemas.microsoft.com/office/drawing/2014/main" id="{A012C97D-D760-344C-8841-C4BF32B53B0C}"/>
+          <p:cNvPr id="8" name="Content Placeholder 7">
+            <a:extLst>
+              <a:ext uri="{FF2B5EF4-FFF2-40B4-BE49-F238E27FC236}">
+                <a16:creationId xmlns:a16="http://schemas.microsoft.com/office/drawing/2014/main" id="{07633A60-68FA-EB48-851F-185DFAC1C529}"/>
+              </a:ext>
+            </a:extLst>
+          </p:cNvPr>
+          <p:cNvSpPr>
+            <a:spLocks noGrp="1"/>
+          </p:cNvSpPr>
+          <p:nvPr>
+            <p:ph sz="half" idx="1"/>
+          </p:nvPr>
+        </p:nvSpPr>
+        <p:spPr>
+          <a:xfrm>
+            <a:off x="504825" y="1751163"/>
+            <a:ext cx="3260725" cy="1785975"/>
+          </a:xfrm>
+        </p:spPr>
+        <p:txBody>
+          <a:bodyPr/>
+          <a:lstStyle/>
+          <a:p>
+            <a:pPr marL="0" indent="0">
+              <a:buNone/>
+            </a:pPr>
+            <a:r>
+              <a:rPr lang="en-US" dirty="0"/>
+              <a:t>There are </a:t>
+            </a:r>
+          </a:p>
+          <a:p>
+            <a:r>
+              <a:rPr lang="en-US" dirty="0"/>
+              <a:t>Six tables</a:t>
+            </a:r>
+          </a:p>
+          <a:p>
+            <a:r>
+              <a:rPr lang="en-US" dirty="0"/>
+              <a:t>One materialized view – </a:t>
+            </a:r>
+            <a:r>
+              <a:rPr lang="en-US" b="1" dirty="0" err="1"/>
+              <a:t>product_price_dim</a:t>
+            </a:r>
+            <a:endParaRPr lang="en-US" b="1" dirty="0"/>
+          </a:p>
+          <a:p>
+            <a:r>
+              <a:rPr lang="en-US" dirty="0"/>
+              <a:t>One view – </a:t>
+            </a:r>
+            <a:r>
+              <a:rPr lang="en-US" b="1" dirty="0" err="1"/>
+              <a:t>Sales_dataset</a:t>
+            </a:r>
+            <a:endParaRPr lang="en-US" b="1" dirty="0"/>
+          </a:p>
+          <a:p>
+            <a:endParaRPr lang="en-US" dirty="0"/>
+          </a:p>
+        </p:txBody>
+      </p:sp>
+      <p:sp>
+        <p:nvSpPr>
+          <p:cNvPr id="7" name="Title 6">
+            <a:extLst>
+              <a:ext uri="{FF2B5EF4-FFF2-40B4-BE49-F238E27FC236}">
+                <a16:creationId xmlns:a16="http://schemas.microsoft.com/office/drawing/2014/main" id="{BA589A53-2DD7-164C-B603-261A24E6203A}"/>
               </a:ext>
             </a:extLst>
           </p:cNvPr>
@@ -17804,24 +14962,34 @@
             <p:ph type="title"/>
           </p:nvPr>
         </p:nvSpPr>
-        <p:spPr/>
+        <p:spPr>
+          <a:xfrm>
+            <a:off x="504826" y="809947"/>
+            <a:ext cx="8134349" cy="424732"/>
+          </a:xfrm>
+        </p:spPr>
         <p:txBody>
           <a:bodyPr/>
           <a:lstStyle/>
           <a:p>
             <a:r>
               <a:rPr lang="en-US" dirty="0"/>
-              <a:t>Some charts from the excel</a:t>
-            </a:r>
-          </a:p>
-        </p:txBody>
-      </p:sp>
-      <p:sp>
-        <p:nvSpPr>
-          <p:cNvPr id="18" name="Slide Number Placeholder 5">
-            <a:extLst>
-              <a:ext uri="{FF2B5EF4-FFF2-40B4-BE49-F238E27FC236}">
-                <a16:creationId xmlns:a16="http://schemas.microsoft.com/office/drawing/2014/main" id="{10109F79-D1BF-9243-A032-356088E65B65}"/>
+              <a:t>Back end – Database Design​</a:t>
+            </a:r>
+            <a:endParaRPr lang="en-US" b="1" dirty="0">
+              <a:solidFill>
+                <a:srgbClr val="0097D9"/>
+              </a:solidFill>
+            </a:endParaRPr>
+          </a:p>
+        </p:txBody>
+      </p:sp>
+      <p:sp>
+        <p:nvSpPr>
+          <p:cNvPr id="17" name="Slide Number Placeholder 5">
+            <a:extLst>
+              <a:ext uri="{FF2B5EF4-FFF2-40B4-BE49-F238E27FC236}">
+                <a16:creationId xmlns:a16="http://schemas.microsoft.com/office/drawing/2014/main" id="{A4A90959-A04F-464A-8A3B-FE3ACB882A44}"/>
               </a:ext>
             </a:extLst>
           </p:cNvPr>
@@ -17848,10 +15016,10 @@
       </p:sp>
       <p:sp>
         <p:nvSpPr>
-          <p:cNvPr id="13" name="Text Placeholder 12">
-            <a:extLst>
-              <a:ext uri="{FF2B5EF4-FFF2-40B4-BE49-F238E27FC236}">
-                <a16:creationId xmlns:a16="http://schemas.microsoft.com/office/drawing/2014/main" id="{39975BA5-F0B1-0B47-9B69-6895D35EB3FC}"/>
+          <p:cNvPr id="12" name="Text Placeholder 11">
+            <a:extLst>
+              <a:ext uri="{FF2B5EF4-FFF2-40B4-BE49-F238E27FC236}">
+                <a16:creationId xmlns:a16="http://schemas.microsoft.com/office/drawing/2014/main" id="{32F0EFD3-FAD0-B04F-AFFE-BE3E7BB589D5}"/>
               </a:ext>
             </a:extLst>
           </p:cNvPr>
@@ -17859,7 +15027,7 @@
             <a:spLocks noGrp="1"/>
           </p:cNvSpPr>
           <p:nvPr>
-            <p:ph type="body" sz="quarter" idx="13"/>
+            <p:ph type="body" sz="quarter" idx="16"/>
           </p:nvPr>
         </p:nvSpPr>
         <p:spPr/>
@@ -17869,24 +15037,26 @@
           <a:p>
             <a:r>
               <a:rPr lang="en-US" dirty="0"/>
-              <a:t>This Subtitle is Arial in Light Orange</a:t>
+              <a:t>Tables and Views</a:t>
             </a:r>
           </a:p>
         </p:txBody>
       </p:sp>
       <p:pic>
         <p:nvPicPr>
-          <p:cNvPr id="6" name="Picture 5">
-            <a:extLst>
-              <a:ext uri="{FF2B5EF4-FFF2-40B4-BE49-F238E27FC236}">
-                <a16:creationId xmlns:a16="http://schemas.microsoft.com/office/drawing/2014/main" id="{F12619BB-B363-4F18-8BA6-98AF80C82ED2}"/>
+          <p:cNvPr id="9" name="Content Placeholder 8">
+            <a:extLst>
+              <a:ext uri="{FF2B5EF4-FFF2-40B4-BE49-F238E27FC236}">
+                <a16:creationId xmlns:a16="http://schemas.microsoft.com/office/drawing/2014/main" id="{861680A9-68A5-4132-8FE3-FD3A86512F59}"/>
               </a:ext>
             </a:extLst>
           </p:cNvPr>
           <p:cNvPicPr>
-            <a:picLocks noChangeAspect="1"/>
+            <a:picLocks noGrp="1" noChangeAspect="1"/>
           </p:cNvPicPr>
-          <p:nvPr/>
+          <p:nvPr>
+            <p:ph sz="half" idx="14"/>
+          </p:nvPr>
         </p:nvPicPr>
         <p:blipFill>
           <a:blip r:embed="rId2"/>
@@ -17896,40 +15066,8 @@
         </p:blipFill>
         <p:spPr>
           <a:xfrm>
-            <a:off x="504826" y="1775719"/>
-            <a:ext cx="4010026" cy="2557834"/>
-          </a:xfrm>
-          <a:prstGeom prst="rect">
-            <a:avLst/>
-          </a:prstGeom>
-        </p:spPr>
-      </p:pic>
-      <p:pic>
-        <p:nvPicPr>
-          <p:cNvPr id="10" name="Content Placeholder 9">
-            <a:extLst>
-              <a:ext uri="{FF2B5EF4-FFF2-40B4-BE49-F238E27FC236}">
-                <a16:creationId xmlns:a16="http://schemas.microsoft.com/office/drawing/2014/main" id="{A191C8C8-5490-49F2-AE2A-06D34792ABD6}"/>
-              </a:ext>
-            </a:extLst>
-          </p:cNvPr>
-          <p:cNvPicPr>
-            <a:picLocks noGrp="1" noChangeAspect="1"/>
-          </p:cNvPicPr>
-          <p:nvPr>
-            <p:ph sz="half" idx="2"/>
-          </p:nvPr>
-        </p:nvPicPr>
-        <p:blipFill>
-          <a:blip r:embed="rId3"/>
-          <a:stretch>
-            <a:fillRect/>
-          </a:stretch>
-        </p:blipFill>
-        <p:spPr>
-          <a:xfrm>
-            <a:off x="4629150" y="1775719"/>
-            <a:ext cx="3921125" cy="2557834"/>
+            <a:off x="3810000" y="1275562"/>
+            <a:ext cx="4829175" cy="3359938"/>
           </a:xfrm>
           <a:prstGeom prst="rect">
             <a:avLst/>
@@ -17939,7 +15077,7 @@
     </p:spTree>
     <p:extLst>
       <p:ext uri="{BB962C8B-B14F-4D97-AF65-F5344CB8AC3E}">
-        <p14:creationId xmlns:p14="http://schemas.microsoft.com/office/powerpoint/2010/main" val="1940254661"/>
+        <p14:creationId xmlns:p14="http://schemas.microsoft.com/office/powerpoint/2010/main" val="1040190780"/>
       </p:ext>
     </p:extLst>
   </p:cSld>
@@ -17980,77 +15118,10 @@
       </p:grpSpPr>
       <p:sp>
         <p:nvSpPr>
-          <p:cNvPr id="8" name="Content Placeholder 7">
-            <a:extLst>
-              <a:ext uri="{FF2B5EF4-FFF2-40B4-BE49-F238E27FC236}">
-                <a16:creationId xmlns:a16="http://schemas.microsoft.com/office/drawing/2014/main" id="{07633A60-68FA-EB48-851F-185DFAC1C529}"/>
-              </a:ext>
-            </a:extLst>
-          </p:cNvPr>
-          <p:cNvSpPr>
-            <a:spLocks noGrp="1"/>
-          </p:cNvSpPr>
-          <p:nvPr>
-            <p:ph sz="half" idx="1"/>
-          </p:nvPr>
-        </p:nvSpPr>
-        <p:spPr>
-          <a:xfrm>
-            <a:off x="504825" y="1751163"/>
-            <a:ext cx="3260725" cy="1785975"/>
-          </a:xfrm>
-        </p:spPr>
-        <p:txBody>
-          <a:bodyPr/>
-          <a:lstStyle/>
-          <a:p>
-            <a:pPr marL="0" indent="0">
-              <a:buNone/>
-            </a:pPr>
-            <a:r>
-              <a:rPr lang="en-US" dirty="0"/>
-              <a:t>There are </a:t>
-            </a:r>
-          </a:p>
-          <a:p>
-            <a:r>
-              <a:rPr lang="en-US" dirty="0"/>
-              <a:t>Six tables</a:t>
-            </a:r>
-          </a:p>
-          <a:p>
-            <a:r>
-              <a:rPr lang="en-US" dirty="0"/>
-              <a:t>One materialized view – </a:t>
-            </a:r>
-            <a:r>
-              <a:rPr lang="en-US" b="1" dirty="0" err="1"/>
-              <a:t>product_price_dim</a:t>
-            </a:r>
-            <a:endParaRPr lang="en-US" b="1" dirty="0"/>
-          </a:p>
-          <a:p>
-            <a:r>
-              <a:rPr lang="en-US" dirty="0"/>
-              <a:t>One view – </a:t>
-            </a:r>
-            <a:r>
-              <a:rPr lang="en-US" b="1" dirty="0" err="1"/>
-              <a:t>Sales_dataset</a:t>
-            </a:r>
-            <a:endParaRPr lang="en-US" b="1" dirty="0"/>
-          </a:p>
-          <a:p>
-            <a:endParaRPr lang="en-US" dirty="0"/>
-          </a:p>
-        </p:txBody>
-      </p:sp>
-      <p:sp>
-        <p:nvSpPr>
           <p:cNvPr id="7" name="Title 6">
             <a:extLst>
               <a:ext uri="{FF2B5EF4-FFF2-40B4-BE49-F238E27FC236}">
-                <a16:creationId xmlns:a16="http://schemas.microsoft.com/office/drawing/2014/main" id="{BA589A53-2DD7-164C-B603-261A24E6203A}"/>
+                <a16:creationId xmlns:a16="http://schemas.microsoft.com/office/drawing/2014/main" id="{BE9CE17D-2234-4E46-B9A4-A8F0A364F313}"/>
               </a:ext>
             </a:extLst>
           </p:cNvPr>
@@ -18063,8 +15134,8 @@
         </p:nvSpPr>
         <p:spPr>
           <a:xfrm>
-            <a:off x="504826" y="809947"/>
-            <a:ext cx="8134349" cy="424732"/>
+            <a:off x="504825" y="724359"/>
+            <a:ext cx="8134349" cy="757130"/>
           </a:xfrm>
         </p:spPr>
         <p:txBody>
@@ -18073,22 +15144,17 @@
           <a:p>
             <a:r>
               <a:rPr lang="en-US" dirty="0"/>
-              <a:t>Back end – Database Design​</a:t>
-            </a:r>
-            <a:endParaRPr lang="en-US" b="1" dirty="0">
-              <a:solidFill>
-                <a:srgbClr val="0097D9"/>
-              </a:solidFill>
-            </a:endParaRPr>
-          </a:p>
-        </p:txBody>
-      </p:sp>
-      <p:sp>
-        <p:nvSpPr>
-          <p:cNvPr id="17" name="Slide Number Placeholder 5">
-            <a:extLst>
-              <a:ext uri="{FF2B5EF4-FFF2-40B4-BE49-F238E27FC236}">
-                <a16:creationId xmlns:a16="http://schemas.microsoft.com/office/drawing/2014/main" id="{A4A90959-A04F-464A-8A3B-FE3ACB882A44}"/>
+              <a:t>Testing the DB connection from Jupyter notebook by returning some query results</a:t>
+            </a:r>
+          </a:p>
+        </p:txBody>
+      </p:sp>
+      <p:sp>
+        <p:nvSpPr>
+          <p:cNvPr id="14" name="Slide Number Placeholder 5">
+            <a:extLst>
+              <a:ext uri="{FF2B5EF4-FFF2-40B4-BE49-F238E27FC236}">
+                <a16:creationId xmlns:a16="http://schemas.microsoft.com/office/drawing/2014/main" id="{12E0F59A-57A2-CB4E-B987-DE323577DB29}"/>
               </a:ext>
             </a:extLst>
           </p:cNvPr>
@@ -18115,10 +15181,53 @@
       </p:sp>
       <p:sp>
         <p:nvSpPr>
-          <p:cNvPr id="12" name="Text Placeholder 11">
-            <a:extLst>
-              <a:ext uri="{FF2B5EF4-FFF2-40B4-BE49-F238E27FC236}">
-                <a16:creationId xmlns:a16="http://schemas.microsoft.com/office/drawing/2014/main" id="{32F0EFD3-FAD0-B04F-AFFE-BE3E7BB589D5}"/>
+          <p:cNvPr id="15" name="TextBox 14">
+            <a:extLst>
+              <a:ext uri="{FF2B5EF4-FFF2-40B4-BE49-F238E27FC236}">
+                <a16:creationId xmlns:a16="http://schemas.microsoft.com/office/drawing/2014/main" id="{D7838175-8273-EA4C-8971-F6CEB5D6F490}"/>
+              </a:ext>
+            </a:extLst>
+          </p:cNvPr>
+          <p:cNvSpPr txBox="1"/>
+          <p:nvPr/>
+        </p:nvSpPr>
+        <p:spPr>
+          <a:xfrm>
+            <a:off x="2097530" y="2729538"/>
+            <a:ext cx="1024640" cy="707886"/>
+          </a:xfrm>
+          <a:prstGeom prst="rect">
+            <a:avLst/>
+          </a:prstGeom>
+          <a:noFill/>
+        </p:spPr>
+        <p:txBody>
+          <a:bodyPr wrap="none" rtlCol="0">
+            <a:spAutoFit/>
+          </a:bodyPr>
+          <a:lstStyle/>
+          <a:p>
+            <a:pPr algn="ctr"/>
+            <a:r>
+              <a:rPr lang="en-US" sz="2000" b="1" dirty="0"/>
+              <a:t>This is</a:t>
+            </a:r>
+          </a:p>
+          <a:p>
+            <a:pPr algn="ctr"/>
+            <a:r>
+              <a:rPr lang="en-US" sz="2000" b="1" dirty="0"/>
+              <a:t>a chart</a:t>
+            </a:r>
+          </a:p>
+        </p:txBody>
+      </p:sp>
+      <p:sp>
+        <p:nvSpPr>
+          <p:cNvPr id="3" name="Chart Placeholder 2">
+            <a:extLst>
+              <a:ext uri="{FF2B5EF4-FFF2-40B4-BE49-F238E27FC236}">
+                <a16:creationId xmlns:a16="http://schemas.microsoft.com/office/drawing/2014/main" id="{058083F4-0F77-42C4-B3CB-72E342B6745B}"/>
               </a:ext>
             </a:extLst>
           </p:cNvPr>
@@ -18126,27 +15235,22 @@
             <a:spLocks noGrp="1"/>
           </p:cNvSpPr>
           <p:nvPr>
-            <p:ph type="body" sz="quarter" idx="16"/>
+            <p:ph type="chart" sz="quarter" idx="14"/>
           </p:nvPr>
         </p:nvSpPr>
-        <p:spPr/>
-        <p:txBody>
-          <a:bodyPr/>
-          <a:lstStyle/>
-          <a:p>
-            <a:r>
-              <a:rPr lang="en-US" dirty="0"/>
-              <a:t>Tables and Views</a:t>
-            </a:r>
-          </a:p>
-        </p:txBody>
+        <p:spPr>
+          <a:xfrm>
+            <a:off x="504825" y="1748118"/>
+            <a:ext cx="4067175" cy="2670726"/>
+          </a:xfrm>
+        </p:spPr>
       </p:sp>
       <p:pic>
         <p:nvPicPr>
-          <p:cNvPr id="9" name="Content Placeholder 8">
-            <a:extLst>
-              <a:ext uri="{FF2B5EF4-FFF2-40B4-BE49-F238E27FC236}">
-                <a16:creationId xmlns:a16="http://schemas.microsoft.com/office/drawing/2014/main" id="{861680A9-68A5-4132-8FE3-FD3A86512F59}"/>
+          <p:cNvPr id="19" name="Content Placeholder 18">
+            <a:extLst>
+              <a:ext uri="{FF2B5EF4-FFF2-40B4-BE49-F238E27FC236}">
+                <a16:creationId xmlns:a16="http://schemas.microsoft.com/office/drawing/2014/main" id="{60703BAF-01E6-48D0-86A6-1AB73C016A10}"/>
               </a:ext>
             </a:extLst>
           </p:cNvPr>
@@ -18154,7 +15258,7 @@
             <a:picLocks noGrp="1" noChangeAspect="1"/>
           </p:cNvPicPr>
           <p:nvPr>
-            <p:ph sz="half" idx="14"/>
+            <p:ph sz="half" idx="2"/>
           </p:nvPr>
         </p:nvPicPr>
         <p:blipFill>
@@ -18165,8 +15269,65 @@
         </p:blipFill>
         <p:spPr>
           <a:xfrm>
-            <a:off x="3810000" y="1275562"/>
-            <a:ext cx="4829175" cy="3359938"/>
+            <a:off x="4572001" y="1734613"/>
+            <a:ext cx="3892550" cy="1586103"/>
+          </a:xfrm>
+        </p:spPr>
+      </p:pic>
+      <p:pic>
+        <p:nvPicPr>
+          <p:cNvPr id="21" name="Picture 20">
+            <a:extLst>
+              <a:ext uri="{FF2B5EF4-FFF2-40B4-BE49-F238E27FC236}">
+                <a16:creationId xmlns:a16="http://schemas.microsoft.com/office/drawing/2014/main" id="{58B401C4-0860-430F-8CDA-3B9D99822542}"/>
+              </a:ext>
+            </a:extLst>
+          </p:cNvPr>
+          <p:cNvPicPr>
+            <a:picLocks noChangeAspect="1"/>
+          </p:cNvPicPr>
+          <p:nvPr/>
+        </p:nvPicPr>
+        <p:blipFill>
+          <a:blip r:embed="rId3"/>
+          <a:stretch>
+            <a:fillRect/>
+          </a:stretch>
+        </p:blipFill>
+        <p:spPr>
+          <a:xfrm>
+            <a:off x="4558145" y="3334221"/>
+            <a:ext cx="3906405" cy="1084623"/>
+          </a:xfrm>
+          <a:prstGeom prst="rect">
+            <a:avLst/>
+          </a:prstGeom>
+        </p:spPr>
+      </p:pic>
+      <p:pic>
+        <p:nvPicPr>
+          <p:cNvPr id="25" name="Picture 24">
+            <a:extLst>
+              <a:ext uri="{FF2B5EF4-FFF2-40B4-BE49-F238E27FC236}">
+                <a16:creationId xmlns:a16="http://schemas.microsoft.com/office/drawing/2014/main" id="{23257519-F63F-4F9F-892A-A43D195EAAD3}"/>
+              </a:ext>
+            </a:extLst>
+          </p:cNvPr>
+          <p:cNvPicPr>
+            <a:picLocks noChangeAspect="1"/>
+          </p:cNvPicPr>
+          <p:nvPr/>
+        </p:nvPicPr>
+        <p:blipFill>
+          <a:blip r:embed="rId4"/>
+          <a:stretch>
+            <a:fillRect/>
+          </a:stretch>
+        </p:blipFill>
+        <p:spPr>
+          <a:xfrm>
+            <a:off x="504825" y="1734613"/>
+            <a:ext cx="4006851" cy="2684231"/>
           </a:xfrm>
           <a:prstGeom prst="rect">
             <a:avLst/>
@@ -18176,7 +15337,7 @@
     </p:spTree>
     <p:extLst>
       <p:ext uri="{BB962C8B-B14F-4D97-AF65-F5344CB8AC3E}">
-        <p14:creationId xmlns:p14="http://schemas.microsoft.com/office/powerpoint/2010/main" val="1040190780"/>
+        <p14:creationId xmlns:p14="http://schemas.microsoft.com/office/powerpoint/2010/main" val="4071640314"/>
       </p:ext>
     </p:extLst>
   </p:cSld>
@@ -18217,10 +15378,10 @@
       </p:grpSpPr>
       <p:sp>
         <p:nvSpPr>
-          <p:cNvPr id="7" name="Title 6">
-            <a:extLst>
-              <a:ext uri="{FF2B5EF4-FFF2-40B4-BE49-F238E27FC236}">
-                <a16:creationId xmlns:a16="http://schemas.microsoft.com/office/drawing/2014/main" id="{BE9CE17D-2234-4E46-B9A4-A8F0A364F313}"/>
+          <p:cNvPr id="9" name="Title 8">
+            <a:extLst>
+              <a:ext uri="{FF2B5EF4-FFF2-40B4-BE49-F238E27FC236}">
+                <a16:creationId xmlns:a16="http://schemas.microsoft.com/office/drawing/2014/main" id="{795A9E4A-C1C7-754F-B94A-98F1C713D310}"/>
               </a:ext>
             </a:extLst>
           </p:cNvPr>
@@ -18233,8 +15394,8 @@
         </p:nvSpPr>
         <p:spPr>
           <a:xfrm>
-            <a:off x="504825" y="643748"/>
-            <a:ext cx="8134349" cy="918352"/>
+            <a:off x="524431" y="3053296"/>
+            <a:ext cx="5578825" cy="1200329"/>
           </a:xfrm>
         </p:spPr>
         <p:txBody>
@@ -18243,208 +15404,15 @@
           <a:p>
             <a:r>
               <a:rPr lang="en-US" dirty="0"/>
-              <a:t>Testing the DB connection from </a:t>
-            </a:r>
-            <a:r>
-              <a:rPr lang="en-US" dirty="0" err="1"/>
-              <a:t>Jupyter</a:t>
-            </a:r>
-            <a:r>
-              <a:rPr lang="en-US" dirty="0"/>
-              <a:t> notebook by returning some query results</a:t>
-            </a:r>
-          </a:p>
-        </p:txBody>
-      </p:sp>
-      <p:sp>
-        <p:nvSpPr>
-          <p:cNvPr id="14" name="Slide Number Placeholder 5">
-            <a:extLst>
-              <a:ext uri="{FF2B5EF4-FFF2-40B4-BE49-F238E27FC236}">
-                <a16:creationId xmlns:a16="http://schemas.microsoft.com/office/drawing/2014/main" id="{12E0F59A-57A2-CB4E-B987-DE323577DB29}"/>
-              </a:ext>
-            </a:extLst>
-          </p:cNvPr>
-          <p:cNvSpPr>
-            <a:spLocks noGrp="1"/>
-          </p:cNvSpPr>
-          <p:nvPr>
-            <p:ph type="sldNum" sz="quarter" idx="12"/>
-          </p:nvPr>
-        </p:nvSpPr>
-        <p:spPr/>
-        <p:txBody>
-          <a:bodyPr/>
-          <a:lstStyle/>
-          <a:p>
-            <a:fld id="{535EF33A-04D8-4107-96E5-33B70AE88DFF}" type="slidenum">
-              <a:rPr lang="en-US" smtClean="0"/>
-              <a:pPr/>
-              <a:t>9</a:t>
-            </a:fld>
-            <a:endParaRPr lang="en-US" dirty="0"/>
-          </a:p>
-        </p:txBody>
-      </p:sp>
-      <p:sp>
-        <p:nvSpPr>
-          <p:cNvPr id="15" name="TextBox 14">
-            <a:extLst>
-              <a:ext uri="{FF2B5EF4-FFF2-40B4-BE49-F238E27FC236}">
-                <a16:creationId xmlns:a16="http://schemas.microsoft.com/office/drawing/2014/main" id="{D7838175-8273-EA4C-8971-F6CEB5D6F490}"/>
-              </a:ext>
-            </a:extLst>
-          </p:cNvPr>
-          <p:cNvSpPr txBox="1"/>
-          <p:nvPr/>
-        </p:nvSpPr>
-        <p:spPr>
-          <a:xfrm>
-            <a:off x="2097530" y="2729538"/>
-            <a:ext cx="1024640" cy="707886"/>
-          </a:xfrm>
-          <a:prstGeom prst="rect">
-            <a:avLst/>
-          </a:prstGeom>
-          <a:noFill/>
-        </p:spPr>
-        <p:txBody>
-          <a:bodyPr wrap="none" rtlCol="0">
-            <a:spAutoFit/>
-          </a:bodyPr>
-          <a:lstStyle/>
-          <a:p>
-            <a:pPr algn="ctr"/>
-            <a:r>
-              <a:rPr lang="en-US" sz="2000" b="1" dirty="0"/>
-              <a:t>This is</a:t>
-            </a:r>
-          </a:p>
-          <a:p>
-            <a:pPr algn="ctr"/>
-            <a:r>
-              <a:rPr lang="en-US" sz="2000" b="1" dirty="0"/>
-              <a:t>a chart</a:t>
-            </a:r>
-          </a:p>
-        </p:txBody>
-      </p:sp>
-      <p:sp>
-        <p:nvSpPr>
-          <p:cNvPr id="3" name="Chart Placeholder 2">
-            <a:extLst>
-              <a:ext uri="{FF2B5EF4-FFF2-40B4-BE49-F238E27FC236}">
-                <a16:creationId xmlns:a16="http://schemas.microsoft.com/office/drawing/2014/main" id="{058083F4-0F77-42C4-B3CB-72E342B6745B}"/>
-              </a:ext>
-            </a:extLst>
-          </p:cNvPr>
-          <p:cNvSpPr>
-            <a:spLocks noGrp="1"/>
-          </p:cNvSpPr>
-          <p:nvPr>
-            <p:ph type="chart" sz="quarter" idx="14"/>
-          </p:nvPr>
-        </p:nvSpPr>
-        <p:spPr>
-          <a:xfrm>
-            <a:off x="504825" y="1748118"/>
-            <a:ext cx="4067175" cy="2670726"/>
-          </a:xfrm>
-        </p:spPr>
-      </p:sp>
-      <p:pic>
-        <p:nvPicPr>
-          <p:cNvPr id="19" name="Content Placeholder 18">
-            <a:extLst>
-              <a:ext uri="{FF2B5EF4-FFF2-40B4-BE49-F238E27FC236}">
-                <a16:creationId xmlns:a16="http://schemas.microsoft.com/office/drawing/2014/main" id="{60703BAF-01E6-48D0-86A6-1AB73C016A10}"/>
-              </a:ext>
-            </a:extLst>
-          </p:cNvPr>
-          <p:cNvPicPr>
-            <a:picLocks noGrp="1" noChangeAspect="1"/>
-          </p:cNvPicPr>
-          <p:nvPr>
-            <p:ph sz="half" idx="2"/>
-          </p:nvPr>
-        </p:nvPicPr>
-        <p:blipFill>
-          <a:blip r:embed="rId2"/>
-          <a:stretch>
-            <a:fillRect/>
-          </a:stretch>
-        </p:blipFill>
-        <p:spPr>
-          <a:xfrm>
-            <a:off x="4572001" y="1734613"/>
-            <a:ext cx="3892550" cy="1586103"/>
-          </a:xfrm>
-        </p:spPr>
-      </p:pic>
-      <p:pic>
-        <p:nvPicPr>
-          <p:cNvPr id="21" name="Picture 20">
-            <a:extLst>
-              <a:ext uri="{FF2B5EF4-FFF2-40B4-BE49-F238E27FC236}">
-                <a16:creationId xmlns:a16="http://schemas.microsoft.com/office/drawing/2014/main" id="{58B401C4-0860-430F-8CDA-3B9D99822542}"/>
-              </a:ext>
-            </a:extLst>
-          </p:cNvPr>
-          <p:cNvPicPr>
-            <a:picLocks noChangeAspect="1"/>
-          </p:cNvPicPr>
-          <p:nvPr/>
-        </p:nvPicPr>
-        <p:blipFill>
-          <a:blip r:embed="rId3"/>
-          <a:stretch>
-            <a:fillRect/>
-          </a:stretch>
-        </p:blipFill>
-        <p:spPr>
-          <a:xfrm>
-            <a:off x="4558145" y="3334221"/>
-            <a:ext cx="3906405" cy="1084623"/>
-          </a:xfrm>
-          <a:prstGeom prst="rect">
-            <a:avLst/>
-          </a:prstGeom>
-        </p:spPr>
-      </p:pic>
-      <p:pic>
-        <p:nvPicPr>
-          <p:cNvPr id="25" name="Picture 24">
-            <a:extLst>
-              <a:ext uri="{FF2B5EF4-FFF2-40B4-BE49-F238E27FC236}">
-                <a16:creationId xmlns:a16="http://schemas.microsoft.com/office/drawing/2014/main" id="{23257519-F63F-4F9F-892A-A43D195EAAD3}"/>
-              </a:ext>
-            </a:extLst>
-          </p:cNvPr>
-          <p:cNvPicPr>
-            <a:picLocks noChangeAspect="1"/>
-          </p:cNvPicPr>
-          <p:nvPr/>
-        </p:nvPicPr>
-        <p:blipFill>
-          <a:blip r:embed="rId4"/>
-          <a:stretch>
-            <a:fillRect/>
-          </a:stretch>
-        </p:blipFill>
-        <p:spPr>
-          <a:xfrm>
-            <a:off x="504825" y="1734613"/>
-            <a:ext cx="4006851" cy="2684231"/>
-          </a:xfrm>
-          <a:prstGeom prst="rect">
-            <a:avLst/>
-          </a:prstGeom>
-        </p:spPr>
-      </p:pic>
+              <a:t>Thank you again!</a:t>
+            </a:r>
+          </a:p>
+        </p:txBody>
+      </p:sp>
     </p:spTree>
     <p:extLst>
       <p:ext uri="{BB962C8B-B14F-4D97-AF65-F5344CB8AC3E}">
-        <p14:creationId xmlns:p14="http://schemas.microsoft.com/office/powerpoint/2010/main" val="4071640314"/>
+        <p14:creationId xmlns:p14="http://schemas.microsoft.com/office/powerpoint/2010/main" val="910526363"/>
       </p:ext>
     </p:extLst>
   </p:cSld>
@@ -19317,6 +16285,17 @@
 </file>
 
 <file path=customXml/item1.xml><?xml version="1.0" encoding="utf-8"?>
+<p:properties xmlns:p="http://schemas.microsoft.com/office/2006/metadata/properties" xmlns:xsi="http://www.w3.org/2001/XMLSchema-instance" xmlns:pc="http://schemas.microsoft.com/office/infopath/2007/PartnerControls">
+  <documentManagement>
+    <lcf76f155ced4ddcb4097134ff3c332f xmlns="d2a9f884-c2eb-4182-8d97-b2c1069a1e77">
+      <Terms xmlns="http://schemas.microsoft.com/office/infopath/2007/PartnerControls"/>
+    </lcf76f155ced4ddcb4097134ff3c332f>
+    <TaxCatchAll xmlns="872877ae-a410-445f-835b-653367d2e530" xsi:nil="true"/>
+  </documentManagement>
+</p:properties>
+</file>
+
+<file path=customXml/item2.xml><?xml version="1.0" encoding="utf-8"?>
 <ct:contentTypeSchema xmlns:ct="http://schemas.microsoft.com/office/2006/metadata/contentType" xmlns:ma="http://schemas.microsoft.com/office/2006/metadata/properties/metaAttributes" ct:_="" ma:_="" ma:contentTypeName="Document" ma:contentTypeID="0x010100FEF7458C51E57141848015B90E19E3FF" ma:contentTypeVersion="15" ma:contentTypeDescription="Create a new document." ma:contentTypeScope="" ma:versionID="12fb0db276e8be4984a0823ffe929ad1">
   <xsd:schema xmlns:xsd="http://www.w3.org/2001/XMLSchema" xmlns:xs="http://www.w3.org/2001/XMLSchema" xmlns:p="http://schemas.microsoft.com/office/2006/metadata/properties" xmlns:ns2="d2a9f884-c2eb-4182-8d97-b2c1069a1e77" xmlns:ns3="ad1dcd44-2c79-421e-996d-e07b6b6a06b7" xmlns:ns4="872877ae-a410-445f-835b-653367d2e530" targetNamespace="http://schemas.microsoft.com/office/2006/metadata/properties" ma:root="true" ma:fieldsID="7f400bb4bb80b6365717ab8834d3c4dc" ns2:_="" ns3:_="" ns4:_="">
     <xsd:import namespace="d2a9f884-c2eb-4182-8d97-b2c1069a1e77"/>
@@ -19552,17 +16531,6 @@
 </ct:contentTypeSchema>
 </file>
 
-<file path=customXml/item2.xml><?xml version="1.0" encoding="utf-8"?>
-<p:properties xmlns:p="http://schemas.microsoft.com/office/2006/metadata/properties" xmlns:xsi="http://www.w3.org/2001/XMLSchema-instance" xmlns:pc="http://schemas.microsoft.com/office/infopath/2007/PartnerControls">
-  <documentManagement>
-    <lcf76f155ced4ddcb4097134ff3c332f xmlns="d2a9f884-c2eb-4182-8d97-b2c1069a1e77">
-      <Terms xmlns="http://schemas.microsoft.com/office/infopath/2007/PartnerControls"/>
-    </lcf76f155ced4ddcb4097134ff3c332f>
-    <TaxCatchAll xmlns="872877ae-a410-445f-835b-653367d2e530" xsi:nil="true"/>
-  </documentManagement>
-</p:properties>
-</file>
-
 <file path=customXml/item3.xml><?xml version="1.0" encoding="utf-8"?>
 <?mso-contentType ?>
 <FormTemplates xmlns="http://schemas.microsoft.com/sharepoint/v3/contenttype/forms">
@@ -19573,6 +16541,24 @@
 </file>
 
 <file path=customXml/itemProps1.xml><?xml version="1.0" encoding="utf-8"?>
+<ds:datastoreItem xmlns:ds="http://schemas.openxmlformats.org/officeDocument/2006/customXml" ds:itemID="{E3F0252B-B6E9-4221-B01E-0247E154DC26}">
+  <ds:schemaRefs>
+    <ds:schemaRef ds:uri="http://purl.org/dc/elements/1.1/"/>
+    <ds:schemaRef ds:uri="http://schemas.openxmlformats.org/package/2006/metadata/core-properties"/>
+    <ds:schemaRef ds:uri="ad1dcd44-2c79-421e-996d-e07b6b6a06b7"/>
+    <ds:schemaRef ds:uri="872877ae-a410-445f-835b-653367d2e530"/>
+    <ds:schemaRef ds:uri="http://schemas.microsoft.com/office/infopath/2007/PartnerControls"/>
+    <ds:schemaRef ds:uri="http://purl.org/dc/terms/"/>
+    <ds:schemaRef ds:uri="http://schemas.microsoft.com/office/2006/metadata/properties"/>
+    <ds:schemaRef ds:uri="http://schemas.microsoft.com/office/2006/documentManagement/types"/>
+    <ds:schemaRef ds:uri="d2a9f884-c2eb-4182-8d97-b2c1069a1e77"/>
+    <ds:schemaRef ds:uri="http://www.w3.org/XML/1998/namespace"/>
+    <ds:schemaRef ds:uri="http://purl.org/dc/dcmitype/"/>
+  </ds:schemaRefs>
+</ds:datastoreItem>
+</file>
+
+<file path=customXml/itemProps2.xml><?xml version="1.0" encoding="utf-8"?>
 <ds:datastoreItem xmlns:ds="http://schemas.openxmlformats.org/officeDocument/2006/customXml" ds:itemID="{466406F6-04EA-49D7-891D-0329DF4DFC24}">
   <ds:schemaRefs>
     <ds:schemaRef ds:uri="http://schemas.microsoft.com/office/2006/metadata/contentType"/>
@@ -19592,24 +16578,6 @@
 </ds:datastoreItem>
 </file>
 
-<file path=customXml/itemProps2.xml><?xml version="1.0" encoding="utf-8"?>
-<ds:datastoreItem xmlns:ds="http://schemas.openxmlformats.org/officeDocument/2006/customXml" ds:itemID="{E3F0252B-B6E9-4221-B01E-0247E154DC26}">
-  <ds:schemaRefs>
-    <ds:schemaRef ds:uri="http://purl.org/dc/elements/1.1/"/>
-    <ds:schemaRef ds:uri="http://schemas.openxmlformats.org/package/2006/metadata/core-properties"/>
-    <ds:schemaRef ds:uri="ad1dcd44-2c79-421e-996d-e07b6b6a06b7"/>
-    <ds:schemaRef ds:uri="872877ae-a410-445f-835b-653367d2e530"/>
-    <ds:schemaRef ds:uri="http://schemas.microsoft.com/office/infopath/2007/PartnerControls"/>
-    <ds:schemaRef ds:uri="http://purl.org/dc/terms/"/>
-    <ds:schemaRef ds:uri="http://schemas.microsoft.com/office/2006/metadata/properties"/>
-    <ds:schemaRef ds:uri="http://schemas.microsoft.com/office/2006/documentManagement/types"/>
-    <ds:schemaRef ds:uri="d2a9f884-c2eb-4182-8d97-b2c1069a1e77"/>
-    <ds:schemaRef ds:uri="http://www.w3.org/XML/1998/namespace"/>
-    <ds:schemaRef ds:uri="http://purl.org/dc/dcmitype/"/>
-  </ds:schemaRefs>
-</ds:datastoreItem>
-</file>
-
 <file path=customXml/itemProps3.xml><?xml version="1.0" encoding="utf-8"?>
 <ds:datastoreItem xmlns:ds="http://schemas.openxmlformats.org/officeDocument/2006/customXml" ds:itemID="{F11117D9-2152-408D-8EA9-A138D8484626}">
   <ds:schemaRefs>
